--- a/Rxjs分享/New Microsoft PowerPoint Presentation.pptx
+++ b/Rxjs分享/New Microsoft PowerPoint Presentation.pptx
@@ -204,6 +204,7 @@
           <a:p>
             <a:fld id="{B982C8BE-389F-40A7-95A8-6B0C0DC9EFF0}" type="datetimeFigureOut">
               <a:rPr lang="zh-CN" altLang="en-US" smtClean="0"/>
+              <a:pPr/>
               <a:t>2017/6/15</a:t>
             </a:fld>
             <a:endParaRPr lang="zh-CN" altLang="en-US"/>
@@ -363,6 +364,7 @@
           <a:p>
             <a:fld id="{A78834CC-C09E-40EC-B1CB-3268AF38C59B}" type="slidenum">
               <a:rPr lang="zh-CN" altLang="en-US" smtClean="0"/>
+              <a:pPr/>
               <a:t>‹#›</a:t>
             </a:fld>
             <a:endParaRPr lang="zh-CN" altLang="en-US"/>
@@ -372,7 +374,7 @@
     </p:spTree>
     <p:extLst>
       <p:ext uri="{BB962C8B-B14F-4D97-AF65-F5344CB8AC3E}">
-        <p14:creationId xmlns:p14="http://schemas.microsoft.com/office/powerpoint/2010/main" val="1312398245"/>
+        <p14:creationId xmlns:p14="http://schemas.microsoft.com/office/powerpoint/2010/main" xmlns="" val="1312398245"/>
       </p:ext>
     </p:extLst>
   </p:cSld>
@@ -1203,13 +1205,13 @@
   <p:clrMapOvr>
     <a:masterClrMapping/>
   </p:clrMapOvr>
-  <mc:AlternateContent xmlns:mc="http://schemas.openxmlformats.org/markup-compatibility/2006" xmlns:p14="http://schemas.microsoft.com/office/powerpoint/2010/main">
-    <mc:Choice Requires="p14">
+  <mc:AlternateContent xmlns:mc="http://schemas.openxmlformats.org/markup-compatibility/2006">
+    <mc:Choice xmlns:p14="http://schemas.microsoft.com/office/powerpoint/2010/main" xmlns="" Requires="p14">
       <p:transition p14:dur="250">
         <p:wipe/>
       </p:transition>
     </mc:Choice>
-    <mc:Fallback xmlns="">
+    <mc:Fallback>
       <p:transition>
         <p:wipe/>
       </p:transition>
@@ -1387,7 +1389,7 @@
           <a:blip r:embed="rId2" cstate="print">
             <a:extLst>
               <a:ext uri="{28A0092B-C50C-407E-A947-70E740481C1C}">
-                <a14:useLocalDpi xmlns:a14="http://schemas.microsoft.com/office/drawing/2010/main" val="0"/>
+                <a14:useLocalDpi xmlns:a14="http://schemas.microsoft.com/office/drawing/2010/main" xmlns="" val="0"/>
               </a:ext>
             </a:extLst>
           </a:blip>
@@ -1454,13 +1456,13 @@
   <p:clrMapOvr>
     <a:masterClrMapping/>
   </p:clrMapOvr>
-  <mc:AlternateContent xmlns:mc="http://schemas.openxmlformats.org/markup-compatibility/2006" xmlns:p14="http://schemas.microsoft.com/office/powerpoint/2010/main">
-    <mc:Choice Requires="p14">
+  <mc:AlternateContent xmlns:mc="http://schemas.openxmlformats.org/markup-compatibility/2006">
+    <mc:Choice xmlns:p14="http://schemas.microsoft.com/office/powerpoint/2010/main" xmlns="" Requires="p14">
       <p:transition p14:dur="250">
         <p:wipe/>
       </p:transition>
     </mc:Choice>
-    <mc:Fallback xmlns="">
+    <mc:Fallback>
       <p:transition>
         <p:wipe/>
       </p:transition>
@@ -2333,13 +2335,13 @@
     <p:sldLayoutId id="2147484069" r:id="rId1"/>
     <p:sldLayoutId id="2147484070" r:id="rId2"/>
   </p:sldLayoutIdLst>
-  <mc:AlternateContent xmlns:mc="http://schemas.openxmlformats.org/markup-compatibility/2006" xmlns:p14="http://schemas.microsoft.com/office/powerpoint/2010/main">
-    <mc:Choice Requires="p14">
+  <mc:AlternateContent xmlns:mc="http://schemas.openxmlformats.org/markup-compatibility/2006">
+    <mc:Choice xmlns:p14="http://schemas.microsoft.com/office/powerpoint/2010/main" xmlns="" Requires="p14">
       <p:transition p14:dur="250">
         <p:wipe/>
       </p:transition>
     </mc:Choice>
-    <mc:Fallback xmlns="">
+    <mc:Fallback>
       <p:transition>
         <p:wipe/>
       </p:transition>
@@ -2702,7 +2704,7 @@
           <a:blip r:embed="rId2">
             <a:extLst>
               <a:ext uri="{28A0092B-C50C-407E-A947-70E740481C1C}">
-                <a14:useLocalDpi xmlns:a14="http://schemas.microsoft.com/office/drawing/2010/main" val="0"/>
+                <a14:useLocalDpi xmlns:a14="http://schemas.microsoft.com/office/drawing/2010/main" xmlns="" val="0"/>
               </a:ext>
             </a:extLst>
           </a:blip>
@@ -2837,7 +2839,7 @@
           <a:blip r:embed="rId3">
             <a:extLst>
               <a:ext uri="{28A0092B-C50C-407E-A947-70E740481C1C}">
-                <a14:useLocalDpi xmlns:a14="http://schemas.microsoft.com/office/drawing/2010/main" val="0"/>
+                <a14:useLocalDpi xmlns:a14="http://schemas.microsoft.com/office/drawing/2010/main" xmlns="" val="0"/>
               </a:ext>
             </a:extLst>
           </a:blip>
@@ -2858,20 +2860,20 @@
     </p:spTree>
     <p:extLst>
       <p:ext uri="{BB962C8B-B14F-4D97-AF65-F5344CB8AC3E}">
-        <p14:creationId xmlns:p14="http://schemas.microsoft.com/office/powerpoint/2010/main" val="3735497952"/>
+        <p14:creationId xmlns:p14="http://schemas.microsoft.com/office/powerpoint/2010/main" xmlns="" val="3735497952"/>
       </p:ext>
     </p:extLst>
   </p:cSld>
   <p:clrMapOvr>
     <a:masterClrMapping/>
   </p:clrMapOvr>
-  <mc:AlternateContent xmlns:mc="http://schemas.openxmlformats.org/markup-compatibility/2006" xmlns:p14="http://schemas.microsoft.com/office/powerpoint/2010/main">
-    <mc:Choice Requires="p14">
+  <mc:AlternateContent xmlns:mc="http://schemas.openxmlformats.org/markup-compatibility/2006">
+    <mc:Choice xmlns:p14="http://schemas.microsoft.com/office/powerpoint/2010/main" xmlns="" Requires="p14">
       <p:transition p14:dur="250">
         <p:wipe/>
       </p:transition>
     </mc:Choice>
-    <mc:Fallback xmlns="">
+    <mc:Fallback>
       <p:transition>
         <p:wipe/>
       </p:transition>
@@ -3056,20 +3058,20 @@
     </p:spTree>
     <p:extLst>
       <p:ext uri="{BB962C8B-B14F-4D97-AF65-F5344CB8AC3E}">
-        <p14:creationId xmlns:p14="http://schemas.microsoft.com/office/powerpoint/2010/main" val="312366571"/>
+        <p14:creationId xmlns:p14="http://schemas.microsoft.com/office/powerpoint/2010/main" xmlns="" val="312366571"/>
       </p:ext>
     </p:extLst>
   </p:cSld>
   <p:clrMapOvr>
     <a:masterClrMapping/>
   </p:clrMapOvr>
-  <mc:AlternateContent xmlns:mc="http://schemas.openxmlformats.org/markup-compatibility/2006" xmlns:p14="http://schemas.microsoft.com/office/powerpoint/2010/main">
-    <mc:Choice Requires="p14">
+  <mc:AlternateContent xmlns:mc="http://schemas.openxmlformats.org/markup-compatibility/2006">
+    <mc:Choice xmlns:p14="http://schemas.microsoft.com/office/powerpoint/2010/main" xmlns="" Requires="p14">
       <p:transition p14:dur="250">
         <p:wipe/>
       </p:transition>
     </mc:Choice>
-    <mc:Fallback xmlns="">
+    <mc:Fallback>
       <p:transition>
         <p:wipe/>
       </p:transition>
@@ -3486,7 +3488,7 @@
           <a:blip r:embed="rId2">
             <a:extLst>
               <a:ext uri="{28A0092B-C50C-407E-A947-70E740481C1C}">
-                <a14:useLocalDpi xmlns:a14="http://schemas.microsoft.com/office/drawing/2010/main" val="0"/>
+                <a14:useLocalDpi xmlns:a14="http://schemas.microsoft.com/office/drawing/2010/main" xmlns="" val="0"/>
               </a:ext>
             </a:extLst>
           </a:blip>
@@ -3568,7 +3570,7 @@
           <p:nvPr>
             <p:extLst>
               <p:ext uri="{D42A27DB-BD31-4B8C-83A1-F6EECF244321}">
-                <p14:modId xmlns:p14="http://schemas.microsoft.com/office/powerpoint/2010/main" val="1221019657"/>
+                <p14:modId xmlns:p14="http://schemas.microsoft.com/office/powerpoint/2010/main" xmlns="" val="1221019657"/>
               </p:ext>
             </p:extLst>
           </p:nvPr>
@@ -3812,20 +3814,20 @@
     </p:spTree>
     <p:extLst>
       <p:ext uri="{BB962C8B-B14F-4D97-AF65-F5344CB8AC3E}">
-        <p14:creationId xmlns:p14="http://schemas.microsoft.com/office/powerpoint/2010/main" val="1321851913"/>
+        <p14:creationId xmlns:p14="http://schemas.microsoft.com/office/powerpoint/2010/main" xmlns="" val="1321851913"/>
       </p:ext>
     </p:extLst>
   </p:cSld>
   <p:clrMapOvr>
     <a:masterClrMapping/>
   </p:clrMapOvr>
-  <mc:AlternateContent xmlns:mc="http://schemas.openxmlformats.org/markup-compatibility/2006" xmlns:p14="http://schemas.microsoft.com/office/powerpoint/2010/main">
-    <mc:Choice Requires="p14">
+  <mc:AlternateContent xmlns:mc="http://schemas.openxmlformats.org/markup-compatibility/2006">
+    <mc:Choice xmlns:p14="http://schemas.microsoft.com/office/powerpoint/2010/main" xmlns="" Requires="p14">
       <p:transition p14:dur="250">
         <p:wipe/>
       </p:transition>
     </mc:Choice>
-    <mc:Fallback xmlns="">
+    <mc:Fallback>
       <p:transition>
         <p:wipe/>
       </p:transition>
@@ -3920,7 +3922,7 @@
           <a:blip r:embed="rId2">
             <a:extLst>
               <a:ext uri="{28A0092B-C50C-407E-A947-70E740481C1C}">
-                <a14:useLocalDpi xmlns:a14="http://schemas.microsoft.com/office/drawing/2010/main" val="0"/>
+                <a14:useLocalDpi xmlns:a14="http://schemas.microsoft.com/office/drawing/2010/main" xmlns="" val="0"/>
               </a:ext>
             </a:extLst>
           </a:blip>
@@ -3943,14 +3945,14 @@
           </a:ln>
           <a:extLst>
             <a:ext uri="{909E8E84-426E-40DD-AFC4-6F175D3DCCD1}">
-              <a14:hiddenFill xmlns:a14="http://schemas.microsoft.com/office/drawing/2010/main">
+              <a14:hiddenFill xmlns:a14="http://schemas.microsoft.com/office/drawing/2010/main" xmlns="">
                 <a:solidFill>
                   <a:schemeClr val="accent1"/>
                 </a:solidFill>
               </a14:hiddenFill>
             </a:ext>
             <a:ext uri="{91240B29-F687-4F45-9708-019B960494DF}">
-              <a14:hiddenLine xmlns:a14="http://schemas.microsoft.com/office/drawing/2010/main" w="9525">
+              <a14:hiddenLine xmlns:a14="http://schemas.microsoft.com/office/drawing/2010/main" xmlns="" w="9525">
                 <a:solidFill>
                   <a:schemeClr val="tx1"/>
                 </a:solidFill>
@@ -4143,7 +4145,7 @@
           <a:blip r:embed="rId3">
             <a:extLst>
               <a:ext uri="{28A0092B-C50C-407E-A947-70E740481C1C}">
-                <a14:useLocalDpi xmlns:a14="http://schemas.microsoft.com/office/drawing/2010/main" val="0"/>
+                <a14:useLocalDpi xmlns:a14="http://schemas.microsoft.com/office/drawing/2010/main" xmlns="" val="0"/>
               </a:ext>
             </a:extLst>
           </a:blip>
@@ -4166,14 +4168,14 @@
           </a:ln>
           <a:extLst>
             <a:ext uri="{909E8E84-426E-40DD-AFC4-6F175D3DCCD1}">
-              <a14:hiddenFill xmlns:a14="http://schemas.microsoft.com/office/drawing/2010/main">
+              <a14:hiddenFill xmlns:a14="http://schemas.microsoft.com/office/drawing/2010/main" xmlns="">
                 <a:solidFill>
                   <a:schemeClr val="accent1"/>
                 </a:solidFill>
               </a14:hiddenFill>
             </a:ext>
             <a:ext uri="{91240B29-F687-4F45-9708-019B960494DF}">
-              <a14:hiddenLine xmlns:a14="http://schemas.microsoft.com/office/drawing/2010/main" w="9525">
+              <a14:hiddenLine xmlns:a14="http://schemas.microsoft.com/office/drawing/2010/main" xmlns="" w="9525">
                 <a:solidFill>
                   <a:schemeClr val="tx1"/>
                 </a:solidFill>
@@ -4262,15 +4264,15 @@
                   <a:schemeClr val="tx1"/>
                 </a:solidFill>
               </a:rPr>
-              <a:t>Promise</a:t>
-            </a:r>
-            <a:r>
-              <a:rPr lang="zh-CN" altLang="en-US" sz="1800" dirty="0">
+              <a:t>Promise……</a:t>
+            </a:r>
+            <a:r>
+              <a:rPr lang="zh-CN" altLang="en-US" sz="1800" dirty="0" smtClean="0">
                 <a:solidFill>
                   <a:schemeClr val="tx1"/>
                 </a:solidFill>
               </a:rPr>
-              <a:t>？</a:t>
+              <a:t>吗？</a:t>
             </a:r>
             <a:endParaRPr lang="en-US" altLang="zh-CN" sz="1800" dirty="0" smtClean="0">
               <a:solidFill>
@@ -4301,20 +4303,20 @@
     </p:spTree>
     <p:extLst>
       <p:ext uri="{BB962C8B-B14F-4D97-AF65-F5344CB8AC3E}">
-        <p14:creationId xmlns:p14="http://schemas.microsoft.com/office/powerpoint/2010/main" val="3510813061"/>
+        <p14:creationId xmlns:p14="http://schemas.microsoft.com/office/powerpoint/2010/main" xmlns="" val="3510813061"/>
       </p:ext>
     </p:extLst>
   </p:cSld>
   <p:clrMapOvr>
     <a:masterClrMapping/>
   </p:clrMapOvr>
-  <mc:AlternateContent xmlns:mc="http://schemas.openxmlformats.org/markup-compatibility/2006" xmlns:p14="http://schemas.microsoft.com/office/powerpoint/2010/main">
-    <mc:Choice Requires="p14">
+  <mc:AlternateContent xmlns:mc="http://schemas.openxmlformats.org/markup-compatibility/2006">
+    <mc:Choice xmlns:p14="http://schemas.microsoft.com/office/powerpoint/2010/main" xmlns="" Requires="p14">
       <p:transition p14:dur="250">
         <p:wipe/>
       </p:transition>
     </mc:Choice>
-    <mc:Fallback xmlns="">
+    <mc:Fallback>
       <p:transition>
         <p:wipe/>
       </p:transition>
@@ -4434,7 +4436,7 @@
         <p:spPr>
           <a:xfrm>
             <a:off x="370114" y="2115941"/>
-            <a:ext cx="8534400" cy="1084459"/>
+            <a:ext cx="8534400" cy="1455935"/>
           </a:xfrm>
         </p:spPr>
         <p:style>
@@ -4533,7 +4535,15 @@
                   <a:schemeClr val="tx1"/>
                 </a:solidFill>
               </a:rPr>
-              <a:t>每个订阅关系都是彼此独立的。每次订阅都会触发“执行函数”重新执行一次。</a:t>
+              <a:t>每个订阅关系都是彼此独立的。每次订阅都会触发“执行函数”重新执行一次</a:t>
+            </a:r>
+            <a:r>
+              <a:rPr lang="zh-CN" altLang="en-US" sz="1800" dirty="0" smtClean="0">
+                <a:solidFill>
+                  <a:schemeClr val="tx1"/>
+                </a:solidFill>
+              </a:rPr>
+              <a:t>。</a:t>
             </a:r>
             <a:endParaRPr lang="en-US" altLang="zh-CN" sz="1800" dirty="0" smtClean="0">
               <a:solidFill>
@@ -4541,25 +4551,71 @@
               </a:solidFill>
             </a:endParaRPr>
           </a:p>
+          <a:p>
+            <a:r>
+              <a:rPr lang="zh-CN" altLang="en-US" sz="1800" dirty="0" smtClean="0">
+                <a:solidFill>
+                  <a:schemeClr val="tx1"/>
+                </a:solidFill>
+              </a:rPr>
+              <a:t>当调用</a:t>
+            </a:r>
+            <a:r>
+              <a:rPr lang="en-US" altLang="zh-CN" sz="1800" dirty="0" err="1" smtClean="0">
+                <a:solidFill>
+                  <a:schemeClr val="tx1"/>
+                </a:solidFill>
+              </a:rPr>
+              <a:t>observer.next</a:t>
+            </a:r>
+            <a:r>
+              <a:rPr lang="en-US" altLang="zh-CN" sz="1800" dirty="0" smtClean="0">
+                <a:solidFill>
+                  <a:schemeClr val="tx1"/>
+                </a:solidFill>
+              </a:rPr>
+              <a:t>()</a:t>
+            </a:r>
+            <a:r>
+              <a:rPr lang="zh-CN" altLang="en-US" sz="1800" dirty="0" smtClean="0">
+                <a:solidFill>
+                  <a:schemeClr val="tx1"/>
+                </a:solidFill>
+              </a:rPr>
+              <a:t>来传递数据给订阅者时，该过程是同步的。</a:t>
+            </a:r>
+            <a:endParaRPr lang="en-US" altLang="zh-CN" sz="1800" dirty="0" smtClean="0">
+              <a:solidFill>
+                <a:schemeClr val="tx1"/>
+              </a:solidFill>
+            </a:endParaRPr>
+          </a:p>
+          <a:p>
+            <a:endParaRPr lang="en-US" altLang="zh-CN" sz="1800" dirty="0" smtClean="0">
+              <a:solidFill>
+                <a:schemeClr val="tx1"/>
+              </a:solidFill>
+            </a:endParaRPr>
+          </a:p>
         </p:txBody>
       </p:sp>
     </p:spTree>
     <p:extLst>
       <p:ext uri="{BB962C8B-B14F-4D97-AF65-F5344CB8AC3E}">
-        <p14:creationId xmlns:p14="http://schemas.microsoft.com/office/powerpoint/2010/main" val="1090179234"/>
+        <p14:creationId xmlns:p14="http://schemas.microsoft.com/office/powerpoint/2010/main" xmlns="" val="1090179234"/>
       </p:ext>
     </p:extLst>
   </p:cSld>
   <p:clrMapOvr>
     <a:masterClrMapping/>
   </p:clrMapOvr>
-  <mc:AlternateContent xmlns:mc="http://schemas.openxmlformats.org/markup-compatibility/2006" xmlns:p14="http://schemas.microsoft.com/office/powerpoint/2010/main">
-    <mc:Choice Requires="p14">
+  <mc:AlternateContent xmlns:mc="http://schemas.openxmlformats.org/markup-compatibility/2006">
+    <mc:Choice xmlns:p14="http://schemas.microsoft.com/office/powerpoint/2010/main" xmlns="" Requires="p14">
       <p:transition p14:dur="250">
         <p:wipe/>
       </p:transition>
     </mc:Choice>
-    <mc:Fallback xmlns="">
+    <mc:Fallback>
       <p:transition>
         <p:wipe/>
       </p:transition>
@@ -4835,20 +4891,20 @@
     </p:spTree>
     <p:extLst>
       <p:ext uri="{BB962C8B-B14F-4D97-AF65-F5344CB8AC3E}">
-        <p14:creationId xmlns:p14="http://schemas.microsoft.com/office/powerpoint/2010/main" val="4075398841"/>
+        <p14:creationId xmlns:p14="http://schemas.microsoft.com/office/powerpoint/2010/main" xmlns="" val="4075398841"/>
       </p:ext>
     </p:extLst>
   </p:cSld>
   <p:clrMapOvr>
     <a:masterClrMapping/>
   </p:clrMapOvr>
-  <mc:AlternateContent xmlns:mc="http://schemas.openxmlformats.org/markup-compatibility/2006" xmlns:p14="http://schemas.microsoft.com/office/powerpoint/2010/main">
-    <mc:Choice Requires="p14">
+  <mc:AlternateContent xmlns:mc="http://schemas.openxmlformats.org/markup-compatibility/2006">
+    <mc:Choice xmlns:p14="http://schemas.microsoft.com/office/powerpoint/2010/main" xmlns="" Requires="p14">
       <p:transition p14:dur="250">
         <p:wipe/>
       </p:transition>
     </mc:Choice>
-    <mc:Fallback xmlns="">
+    <mc:Fallback>
       <p:transition>
         <p:wipe/>
       </p:transition>
@@ -5037,7 +5093,7 @@
           <a:blip r:embed="rId2">
             <a:extLst>
               <a:ext uri="{28A0092B-C50C-407E-A947-70E740481C1C}">
-                <a14:useLocalDpi xmlns:a14="http://schemas.microsoft.com/office/drawing/2010/main" val="0"/>
+                <a14:useLocalDpi xmlns:a14="http://schemas.microsoft.com/office/drawing/2010/main" xmlns="" val="0"/>
               </a:ext>
             </a:extLst>
           </a:blip>
@@ -5060,14 +5116,14 @@
           </a:ln>
           <a:extLst>
             <a:ext uri="{909E8E84-426E-40DD-AFC4-6F175D3DCCD1}">
-              <a14:hiddenFill xmlns:a14="http://schemas.microsoft.com/office/drawing/2010/main">
+              <a14:hiddenFill xmlns:a14="http://schemas.microsoft.com/office/drawing/2010/main" xmlns="">
                 <a:solidFill>
                   <a:schemeClr val="accent1"/>
                 </a:solidFill>
               </a14:hiddenFill>
             </a:ext>
             <a:ext uri="{91240B29-F687-4F45-9708-019B960494DF}">
-              <a14:hiddenLine xmlns:a14="http://schemas.microsoft.com/office/drawing/2010/main" w="9525">
+              <a14:hiddenLine xmlns:a14="http://schemas.microsoft.com/office/drawing/2010/main" xmlns="" w="9525">
                 <a:solidFill>
                   <a:schemeClr val="tx1"/>
                 </a:solidFill>
@@ -5203,7 +5259,7 @@
           <a:blip r:embed="rId3">
             <a:extLst>
               <a:ext uri="{28A0092B-C50C-407E-A947-70E740481C1C}">
-                <a14:useLocalDpi xmlns:a14="http://schemas.microsoft.com/office/drawing/2010/main" val="0"/>
+                <a14:useLocalDpi xmlns:a14="http://schemas.microsoft.com/office/drawing/2010/main" xmlns="" val="0"/>
               </a:ext>
             </a:extLst>
           </a:blip>
@@ -5226,14 +5282,14 @@
           </a:ln>
           <a:extLst>
             <a:ext uri="{909E8E84-426E-40DD-AFC4-6F175D3DCCD1}">
-              <a14:hiddenFill xmlns:a14="http://schemas.microsoft.com/office/drawing/2010/main">
+              <a14:hiddenFill xmlns:a14="http://schemas.microsoft.com/office/drawing/2010/main" xmlns="">
                 <a:solidFill>
                   <a:schemeClr val="accent1"/>
                 </a:solidFill>
               </a14:hiddenFill>
             </a:ext>
             <a:ext uri="{91240B29-F687-4F45-9708-019B960494DF}">
-              <a14:hiddenLine xmlns:a14="http://schemas.microsoft.com/office/drawing/2010/main" w="9525">
+              <a14:hiddenLine xmlns:a14="http://schemas.microsoft.com/office/drawing/2010/main" xmlns="" w="9525">
                 <a:solidFill>
                   <a:schemeClr val="tx1"/>
                 </a:solidFill>
@@ -5248,20 +5304,20 @@
     </p:spTree>
     <p:extLst>
       <p:ext uri="{BB962C8B-B14F-4D97-AF65-F5344CB8AC3E}">
-        <p14:creationId xmlns:p14="http://schemas.microsoft.com/office/powerpoint/2010/main" val="2600785295"/>
+        <p14:creationId xmlns:p14="http://schemas.microsoft.com/office/powerpoint/2010/main" xmlns="" val="2600785295"/>
       </p:ext>
     </p:extLst>
   </p:cSld>
   <p:clrMapOvr>
     <a:masterClrMapping/>
   </p:clrMapOvr>
-  <mc:AlternateContent xmlns:mc="http://schemas.openxmlformats.org/markup-compatibility/2006" xmlns:p14="http://schemas.microsoft.com/office/powerpoint/2010/main">
-    <mc:Choice Requires="p14">
+  <mc:AlternateContent xmlns:mc="http://schemas.openxmlformats.org/markup-compatibility/2006">
+    <mc:Choice xmlns:p14="http://schemas.microsoft.com/office/powerpoint/2010/main" xmlns="" Requires="p14">
       <p:transition p14:dur="250">
         <p:wipe/>
       </p:transition>
     </mc:Choice>
-    <mc:Fallback xmlns="">
+    <mc:Fallback>
       <p:transition>
         <p:wipe/>
       </p:transition>
@@ -5429,7 +5485,7 @@
           <a:blip r:embed="rId2">
             <a:extLst>
               <a:ext uri="{28A0092B-C50C-407E-A947-70E740481C1C}">
-                <a14:useLocalDpi xmlns:a14="http://schemas.microsoft.com/office/drawing/2010/main" val="0"/>
+                <a14:useLocalDpi xmlns:a14="http://schemas.microsoft.com/office/drawing/2010/main" xmlns="" val="0"/>
               </a:ext>
             </a:extLst>
           </a:blip>
@@ -5450,20 +5506,20 @@
     </p:spTree>
     <p:extLst>
       <p:ext uri="{BB962C8B-B14F-4D97-AF65-F5344CB8AC3E}">
-        <p14:creationId xmlns:p14="http://schemas.microsoft.com/office/powerpoint/2010/main" val="1934117471"/>
+        <p14:creationId xmlns:p14="http://schemas.microsoft.com/office/powerpoint/2010/main" xmlns="" val="1934117471"/>
       </p:ext>
     </p:extLst>
   </p:cSld>
   <p:clrMapOvr>
     <a:masterClrMapping/>
   </p:clrMapOvr>
-  <mc:AlternateContent xmlns:mc="http://schemas.openxmlformats.org/markup-compatibility/2006" xmlns:p14="http://schemas.microsoft.com/office/powerpoint/2010/main">
-    <mc:Choice Requires="p14">
+  <mc:AlternateContent xmlns:mc="http://schemas.openxmlformats.org/markup-compatibility/2006">
+    <mc:Choice xmlns:p14="http://schemas.microsoft.com/office/powerpoint/2010/main" xmlns="" Requires="p14">
       <p:transition p14:dur="250">
         <p:wipe/>
       </p:transition>
     </mc:Choice>
-    <mc:Fallback xmlns="">
+    <mc:Fallback>
       <p:transition>
         <p:wipe/>
       </p:transition>
@@ -6010,7 +6066,7 @@
             <a:blip r:embed="rId2">
               <a:extLst>
                 <a:ext uri="{28A0092B-C50C-407E-A947-70E740481C1C}">
-                  <a14:useLocalDpi xmlns:a14="http://schemas.microsoft.com/office/drawing/2010/main" val="0"/>
+                  <a14:useLocalDpi xmlns:a14="http://schemas.microsoft.com/office/drawing/2010/main" xmlns="" val="0"/>
                 </a:ext>
               </a:extLst>
             </a:blip>
@@ -6040,7 +6096,7 @@
             <a:blip r:embed="rId3">
               <a:extLst>
                 <a:ext uri="{28A0092B-C50C-407E-A947-70E740481C1C}">
-                  <a14:useLocalDpi xmlns:a14="http://schemas.microsoft.com/office/drawing/2010/main" val="0"/>
+                  <a14:useLocalDpi xmlns:a14="http://schemas.microsoft.com/office/drawing/2010/main" xmlns="" val="0"/>
                 </a:ext>
               </a:extLst>
             </a:blip>
@@ -6094,20 +6150,20 @@
     </p:spTree>
     <p:extLst>
       <p:ext uri="{BB962C8B-B14F-4D97-AF65-F5344CB8AC3E}">
-        <p14:creationId xmlns:p14="http://schemas.microsoft.com/office/powerpoint/2010/main" val="2630071396"/>
+        <p14:creationId xmlns:p14="http://schemas.microsoft.com/office/powerpoint/2010/main" xmlns="" val="2630071396"/>
       </p:ext>
     </p:extLst>
   </p:cSld>
   <p:clrMapOvr>
     <a:masterClrMapping/>
   </p:clrMapOvr>
-  <mc:AlternateContent xmlns:mc="http://schemas.openxmlformats.org/markup-compatibility/2006" xmlns:p14="http://schemas.microsoft.com/office/powerpoint/2010/main">
-    <mc:Choice Requires="p14">
+  <mc:AlternateContent xmlns:mc="http://schemas.openxmlformats.org/markup-compatibility/2006">
+    <mc:Choice xmlns:p14="http://schemas.microsoft.com/office/powerpoint/2010/main" xmlns="" Requires="p14">
       <p:transition p14:dur="250">
         <p:wipe/>
       </p:transition>
     </mc:Choice>
-    <mc:Fallback xmlns="">
+    <mc:Fallback>
       <p:transition>
         <p:wipe/>
       </p:transition>
@@ -6348,20 +6404,20 @@
     </p:spTree>
     <p:extLst>
       <p:ext uri="{BB962C8B-B14F-4D97-AF65-F5344CB8AC3E}">
-        <p14:creationId xmlns:p14="http://schemas.microsoft.com/office/powerpoint/2010/main" val="1510925385"/>
+        <p14:creationId xmlns:p14="http://schemas.microsoft.com/office/powerpoint/2010/main" xmlns="" val="1510925385"/>
       </p:ext>
     </p:extLst>
   </p:cSld>
   <p:clrMapOvr>
     <a:masterClrMapping/>
   </p:clrMapOvr>
-  <mc:AlternateContent xmlns:mc="http://schemas.openxmlformats.org/markup-compatibility/2006" xmlns:p14="http://schemas.microsoft.com/office/powerpoint/2010/main">
-    <mc:Choice Requires="p14">
+  <mc:AlternateContent xmlns:mc="http://schemas.openxmlformats.org/markup-compatibility/2006">
+    <mc:Choice xmlns:p14="http://schemas.microsoft.com/office/powerpoint/2010/main" xmlns="" Requires="p14">
       <p:transition p14:dur="250">
         <p:wipe/>
       </p:transition>
     </mc:Choice>
-    <mc:Fallback xmlns="">
+    <mc:Fallback>
       <p:transition>
         <p:wipe/>
       </p:transition>
@@ -6602,20 +6658,20 @@
     </p:spTree>
     <p:extLst>
       <p:ext uri="{BB962C8B-B14F-4D97-AF65-F5344CB8AC3E}">
-        <p14:creationId xmlns:p14="http://schemas.microsoft.com/office/powerpoint/2010/main" val="427055019"/>
+        <p14:creationId xmlns:p14="http://schemas.microsoft.com/office/powerpoint/2010/main" xmlns="" val="427055019"/>
       </p:ext>
     </p:extLst>
   </p:cSld>
   <p:clrMapOvr>
     <a:masterClrMapping/>
   </p:clrMapOvr>
-  <mc:AlternateContent xmlns:mc="http://schemas.openxmlformats.org/markup-compatibility/2006" xmlns:p14="http://schemas.microsoft.com/office/powerpoint/2010/main">
-    <mc:Choice Requires="p14">
+  <mc:AlternateContent xmlns:mc="http://schemas.openxmlformats.org/markup-compatibility/2006">
+    <mc:Choice xmlns:p14="http://schemas.microsoft.com/office/powerpoint/2010/main" xmlns="" Requires="p14">
       <p:transition p14:dur="250">
         <p:wipe/>
       </p:transition>
     </mc:Choice>
-    <mc:Fallback xmlns="">
+    <mc:Fallback>
       <p:transition>
         <p:wipe/>
       </p:transition>
@@ -7234,20 +7290,20 @@
     </p:spTree>
     <p:extLst>
       <p:ext uri="{BB962C8B-B14F-4D97-AF65-F5344CB8AC3E}">
-        <p14:creationId xmlns:p14="http://schemas.microsoft.com/office/powerpoint/2010/main" val="2849087670"/>
+        <p14:creationId xmlns:p14="http://schemas.microsoft.com/office/powerpoint/2010/main" xmlns="" val="2849087670"/>
       </p:ext>
     </p:extLst>
   </p:cSld>
   <p:clrMapOvr>
     <a:masterClrMapping/>
   </p:clrMapOvr>
-  <mc:AlternateContent xmlns:mc="http://schemas.openxmlformats.org/markup-compatibility/2006" xmlns:p14="http://schemas.microsoft.com/office/powerpoint/2010/main">
-    <mc:Choice Requires="p14">
+  <mc:AlternateContent xmlns:mc="http://schemas.openxmlformats.org/markup-compatibility/2006">
+    <mc:Choice xmlns:p14="http://schemas.microsoft.com/office/powerpoint/2010/main" xmlns="" Requires="p14">
       <p:transition p14:dur="250">
         <p:wipe/>
       </p:transition>
     </mc:Choice>
-    <mc:Fallback xmlns="">
+    <mc:Fallback>
       <p:transition>
         <p:wipe/>
       </p:transition>
@@ -7395,20 +7451,20 @@
     </p:spTree>
     <p:extLst>
       <p:ext uri="{BB962C8B-B14F-4D97-AF65-F5344CB8AC3E}">
-        <p14:creationId xmlns:p14="http://schemas.microsoft.com/office/powerpoint/2010/main" val="3470692831"/>
+        <p14:creationId xmlns:p14="http://schemas.microsoft.com/office/powerpoint/2010/main" xmlns="" val="3470692831"/>
       </p:ext>
     </p:extLst>
   </p:cSld>
   <p:clrMapOvr>
     <a:masterClrMapping/>
   </p:clrMapOvr>
-  <mc:AlternateContent xmlns:mc="http://schemas.openxmlformats.org/markup-compatibility/2006" xmlns:p14="http://schemas.microsoft.com/office/powerpoint/2010/main">
-    <mc:Choice Requires="p14">
+  <mc:AlternateContent xmlns:mc="http://schemas.openxmlformats.org/markup-compatibility/2006">
+    <mc:Choice xmlns:p14="http://schemas.microsoft.com/office/powerpoint/2010/main" xmlns="" Requires="p14">
       <p:transition p14:dur="250">
         <p:wipe/>
       </p:transition>
     </mc:Choice>
-    <mc:Fallback xmlns="">
+    <mc:Fallback>
       <p:transition>
         <p:wipe/>
       </p:transition>

--- a/Rxjs分享/New Microsoft PowerPoint Presentation.pptx
+++ b/Rxjs分享/New Microsoft PowerPoint Presentation.pptx
@@ -5,7 +5,7 @@
     <p:sldMasterId id="2147484068" r:id="rId1"/>
   </p:sldMasterIdLst>
   <p:notesMasterIdLst>
-    <p:notesMasterId r:id="rId15"/>
+    <p:notesMasterId r:id="rId19"/>
   </p:notesMasterIdLst>
   <p:sldIdLst>
     <p:sldId id="256" r:id="rId2"/>
@@ -21,6 +21,10 @@
     <p:sldId id="266" r:id="rId12"/>
     <p:sldId id="267" r:id="rId13"/>
     <p:sldId id="268" r:id="rId14"/>
+    <p:sldId id="272" r:id="rId15"/>
+    <p:sldId id="269" r:id="rId16"/>
+    <p:sldId id="270" r:id="rId17"/>
+    <p:sldId id="271" r:id="rId18"/>
   </p:sldIdLst>
   <p:sldSz cx="9144000" cy="6858000" type="screen4x3"/>
   <p:notesSz cx="6858000" cy="9144000"/>
@@ -374,7 +378,7 @@
     </p:spTree>
     <p:extLst>
       <p:ext uri="{BB962C8B-B14F-4D97-AF65-F5344CB8AC3E}">
-        <p14:creationId xmlns:p14="http://schemas.microsoft.com/office/powerpoint/2010/main" xmlns="" val="1312398245"/>
+        <p14:creationId xmlns="" xmlns:p14="http://schemas.microsoft.com/office/powerpoint/2010/main" val="1312398245"/>
       </p:ext>
     </p:extLst>
   </p:cSld>
@@ -1206,7 +1210,7 @@
     <a:masterClrMapping/>
   </p:clrMapOvr>
   <mc:AlternateContent xmlns:mc="http://schemas.openxmlformats.org/markup-compatibility/2006">
-    <mc:Choice xmlns:p14="http://schemas.microsoft.com/office/powerpoint/2010/main" xmlns="" Requires="p14">
+    <mc:Choice xmlns="" xmlns:p14="http://schemas.microsoft.com/office/powerpoint/2010/main" Requires="p14">
       <p:transition p14:dur="250">
         <p:wipe/>
       </p:transition>
@@ -1389,7 +1393,7 @@
           <a:blip r:embed="rId2" cstate="print">
             <a:extLst>
               <a:ext uri="{28A0092B-C50C-407E-A947-70E740481C1C}">
-                <a14:useLocalDpi xmlns:a14="http://schemas.microsoft.com/office/drawing/2010/main" xmlns="" val="0"/>
+                <a14:useLocalDpi xmlns="" xmlns:a14="http://schemas.microsoft.com/office/drawing/2010/main" val="0"/>
               </a:ext>
             </a:extLst>
           </a:blip>
@@ -1457,7 +1461,7 @@
     <a:masterClrMapping/>
   </p:clrMapOvr>
   <mc:AlternateContent xmlns:mc="http://schemas.openxmlformats.org/markup-compatibility/2006">
-    <mc:Choice xmlns:p14="http://schemas.microsoft.com/office/powerpoint/2010/main" xmlns="" Requires="p14">
+    <mc:Choice xmlns="" xmlns:p14="http://schemas.microsoft.com/office/powerpoint/2010/main" Requires="p14">
       <p:transition p14:dur="250">
         <p:wipe/>
       </p:transition>
@@ -2336,7 +2340,7 @@
     <p:sldLayoutId id="2147484070" r:id="rId2"/>
   </p:sldLayoutIdLst>
   <mc:AlternateContent xmlns:mc="http://schemas.openxmlformats.org/markup-compatibility/2006">
-    <mc:Choice xmlns:p14="http://schemas.microsoft.com/office/powerpoint/2010/main" xmlns="" Requires="p14">
+    <mc:Choice xmlns="" xmlns:p14="http://schemas.microsoft.com/office/powerpoint/2010/main" Requires="p14">
       <p:transition p14:dur="250">
         <p:wipe/>
       </p:transition>
@@ -2704,7 +2708,7 @@
           <a:blip r:embed="rId2">
             <a:extLst>
               <a:ext uri="{28A0092B-C50C-407E-A947-70E740481C1C}">
-                <a14:useLocalDpi xmlns:a14="http://schemas.microsoft.com/office/drawing/2010/main" xmlns="" val="0"/>
+                <a14:useLocalDpi xmlns="" xmlns:a14="http://schemas.microsoft.com/office/drawing/2010/main" val="0"/>
               </a:ext>
             </a:extLst>
           </a:blip>
@@ -2839,7 +2843,7 @@
           <a:blip r:embed="rId3">
             <a:extLst>
               <a:ext uri="{28A0092B-C50C-407E-A947-70E740481C1C}">
-                <a14:useLocalDpi xmlns:a14="http://schemas.microsoft.com/office/drawing/2010/main" xmlns="" val="0"/>
+                <a14:useLocalDpi xmlns="" xmlns:a14="http://schemas.microsoft.com/office/drawing/2010/main" val="0"/>
               </a:ext>
             </a:extLst>
           </a:blip>
@@ -2860,7 +2864,7 @@
     </p:spTree>
     <p:extLst>
       <p:ext uri="{BB962C8B-B14F-4D97-AF65-F5344CB8AC3E}">
-        <p14:creationId xmlns:p14="http://schemas.microsoft.com/office/powerpoint/2010/main" xmlns="" val="3735497952"/>
+        <p14:creationId xmlns="" xmlns:p14="http://schemas.microsoft.com/office/powerpoint/2010/main" val="3735497952"/>
       </p:ext>
     </p:extLst>
   </p:cSld>
@@ -2868,7 +2872,7 @@
     <a:masterClrMapping/>
   </p:clrMapOvr>
   <mc:AlternateContent xmlns:mc="http://schemas.openxmlformats.org/markup-compatibility/2006">
-    <mc:Choice xmlns:p14="http://schemas.microsoft.com/office/powerpoint/2010/main" xmlns="" Requires="p14">
+    <mc:Choice xmlns="" xmlns:p14="http://schemas.microsoft.com/office/powerpoint/2010/main" Requires="p14">
       <p:transition p14:dur="250">
         <p:wipe/>
       </p:transition>
@@ -3055,10 +3059,40 @@
           </a:p>
         </p:txBody>
       </p:sp>
+      <p:sp>
+        <p:nvSpPr>
+          <p:cNvPr id="5" name="TextBox 4"/>
+          <p:cNvSpPr txBox="1"/>
+          <p:nvPr/>
+        </p:nvSpPr>
+        <p:spPr>
+          <a:xfrm>
+            <a:off x="714348" y="3786190"/>
+            <a:ext cx="877163" cy="369332"/>
+          </a:xfrm>
+          <a:prstGeom prst="rect">
+            <a:avLst/>
+          </a:prstGeom>
+          <a:noFill/>
+        </p:spPr>
+        <p:txBody>
+          <a:bodyPr wrap="none" rtlCol="0">
+            <a:spAutoFit/>
+          </a:bodyPr>
+          <a:lstStyle/>
+          <a:p>
+            <a:r>
+              <a:rPr lang="zh-CN" altLang="en-US" dirty="0" smtClean="0"/>
+              <a:t>宝石图</a:t>
+            </a:r>
+            <a:endParaRPr lang="zh-CN" altLang="en-US" dirty="0"/>
+          </a:p>
+        </p:txBody>
+      </p:sp>
     </p:spTree>
     <p:extLst>
       <p:ext uri="{BB962C8B-B14F-4D97-AF65-F5344CB8AC3E}">
-        <p14:creationId xmlns:p14="http://schemas.microsoft.com/office/powerpoint/2010/main" xmlns="" val="312366571"/>
+        <p14:creationId xmlns="" xmlns:p14="http://schemas.microsoft.com/office/powerpoint/2010/main" val="312366571"/>
       </p:ext>
     </p:extLst>
   </p:cSld>
@@ -3066,7 +3100,7 @@
     <a:masterClrMapping/>
   </p:clrMapOvr>
   <mc:AlternateContent xmlns:mc="http://schemas.openxmlformats.org/markup-compatibility/2006">
-    <mc:Choice xmlns:p14="http://schemas.microsoft.com/office/powerpoint/2010/main" xmlns="" Requires="p14">
+    <mc:Choice xmlns="" xmlns:p14="http://schemas.microsoft.com/office/powerpoint/2010/main" Requires="p14">
       <p:transition p14:dur="250">
         <p:wipe/>
       </p:transition>
@@ -3488,7 +3522,7 @@
           <a:blip r:embed="rId2">
             <a:extLst>
               <a:ext uri="{28A0092B-C50C-407E-A947-70E740481C1C}">
-                <a14:useLocalDpi xmlns:a14="http://schemas.microsoft.com/office/drawing/2010/main" xmlns="" val="0"/>
+                <a14:useLocalDpi xmlns="" xmlns:a14="http://schemas.microsoft.com/office/drawing/2010/main" val="0"/>
               </a:ext>
             </a:extLst>
           </a:blip>
@@ -3570,7 +3604,7 @@
           <p:nvPr>
             <p:extLst>
               <p:ext uri="{D42A27DB-BD31-4B8C-83A1-F6EECF244321}">
-                <p14:modId xmlns:p14="http://schemas.microsoft.com/office/powerpoint/2010/main" xmlns="" val="1221019657"/>
+                <p14:modId xmlns="" xmlns:p14="http://schemas.microsoft.com/office/powerpoint/2010/main" val="1221019657"/>
               </p:ext>
             </p:extLst>
           </p:nvPr>
@@ -3814,7 +3848,7 @@
     </p:spTree>
     <p:extLst>
       <p:ext uri="{BB962C8B-B14F-4D97-AF65-F5344CB8AC3E}">
-        <p14:creationId xmlns:p14="http://schemas.microsoft.com/office/powerpoint/2010/main" xmlns="" val="1321851913"/>
+        <p14:creationId xmlns="" xmlns:p14="http://schemas.microsoft.com/office/powerpoint/2010/main" val="1321851913"/>
       </p:ext>
     </p:extLst>
   </p:cSld>
@@ -3822,7 +3856,7 @@
     <a:masterClrMapping/>
   </p:clrMapOvr>
   <mc:AlternateContent xmlns:mc="http://schemas.openxmlformats.org/markup-compatibility/2006">
-    <mc:Choice xmlns:p14="http://schemas.microsoft.com/office/powerpoint/2010/main" xmlns="" Requires="p14">
+    <mc:Choice xmlns="" xmlns:p14="http://schemas.microsoft.com/office/powerpoint/2010/main" Requires="p14">
       <p:transition p14:dur="250">
         <p:wipe/>
       </p:transition>
@@ -3922,7 +3956,7 @@
           <a:blip r:embed="rId2">
             <a:extLst>
               <a:ext uri="{28A0092B-C50C-407E-A947-70E740481C1C}">
-                <a14:useLocalDpi xmlns:a14="http://schemas.microsoft.com/office/drawing/2010/main" xmlns="" val="0"/>
+                <a14:useLocalDpi xmlns="" xmlns:a14="http://schemas.microsoft.com/office/drawing/2010/main" val="0"/>
               </a:ext>
             </a:extLst>
           </a:blip>
@@ -3945,14 +3979,14 @@
           </a:ln>
           <a:extLst>
             <a:ext uri="{909E8E84-426E-40DD-AFC4-6F175D3DCCD1}">
-              <a14:hiddenFill xmlns:a14="http://schemas.microsoft.com/office/drawing/2010/main" xmlns="">
+              <a14:hiddenFill xmlns="" xmlns:a14="http://schemas.microsoft.com/office/drawing/2010/main">
                 <a:solidFill>
                   <a:schemeClr val="accent1"/>
                 </a:solidFill>
               </a14:hiddenFill>
             </a:ext>
             <a:ext uri="{91240B29-F687-4F45-9708-019B960494DF}">
-              <a14:hiddenLine xmlns:a14="http://schemas.microsoft.com/office/drawing/2010/main" xmlns="" w="9525">
+              <a14:hiddenLine xmlns="" xmlns:a14="http://schemas.microsoft.com/office/drawing/2010/main" w="9525">
                 <a:solidFill>
                   <a:schemeClr val="tx1"/>
                 </a:solidFill>
@@ -4145,7 +4179,7 @@
           <a:blip r:embed="rId3">
             <a:extLst>
               <a:ext uri="{28A0092B-C50C-407E-A947-70E740481C1C}">
-                <a14:useLocalDpi xmlns:a14="http://schemas.microsoft.com/office/drawing/2010/main" xmlns="" val="0"/>
+                <a14:useLocalDpi xmlns="" xmlns:a14="http://schemas.microsoft.com/office/drawing/2010/main" val="0"/>
               </a:ext>
             </a:extLst>
           </a:blip>
@@ -4168,14 +4202,14 @@
           </a:ln>
           <a:extLst>
             <a:ext uri="{909E8E84-426E-40DD-AFC4-6F175D3DCCD1}">
-              <a14:hiddenFill xmlns:a14="http://schemas.microsoft.com/office/drawing/2010/main" xmlns="">
+              <a14:hiddenFill xmlns="" xmlns:a14="http://schemas.microsoft.com/office/drawing/2010/main">
                 <a:solidFill>
                   <a:schemeClr val="accent1"/>
                 </a:solidFill>
               </a14:hiddenFill>
             </a:ext>
             <a:ext uri="{91240B29-F687-4F45-9708-019B960494DF}">
-              <a14:hiddenLine xmlns:a14="http://schemas.microsoft.com/office/drawing/2010/main" xmlns="" w="9525">
+              <a14:hiddenLine xmlns="" xmlns:a14="http://schemas.microsoft.com/office/drawing/2010/main" w="9525">
                 <a:solidFill>
                   <a:schemeClr val="tx1"/>
                 </a:solidFill>
@@ -4303,7 +4337,7 @@
     </p:spTree>
     <p:extLst>
       <p:ext uri="{BB962C8B-B14F-4D97-AF65-F5344CB8AC3E}">
-        <p14:creationId xmlns:p14="http://schemas.microsoft.com/office/powerpoint/2010/main" xmlns="" val="3510813061"/>
+        <p14:creationId xmlns="" xmlns:p14="http://schemas.microsoft.com/office/powerpoint/2010/main" val="3510813061"/>
       </p:ext>
     </p:extLst>
   </p:cSld>
@@ -4311,7 +4345,7 @@
     <a:masterClrMapping/>
   </p:clrMapOvr>
   <mc:AlternateContent xmlns:mc="http://schemas.openxmlformats.org/markup-compatibility/2006">
-    <mc:Choice xmlns:p14="http://schemas.microsoft.com/office/powerpoint/2010/main" xmlns="" Requires="p14">
+    <mc:Choice xmlns="" xmlns:p14="http://schemas.microsoft.com/office/powerpoint/2010/main" Requires="p14">
       <p:transition p14:dur="250">
         <p:wipe/>
       </p:transition>
@@ -4535,15 +4569,7 @@
                   <a:schemeClr val="tx1"/>
                 </a:solidFill>
               </a:rPr>
-              <a:t>每个订阅关系都是彼此独立的。每次订阅都会触发“执行函数”重新执行一次</a:t>
-            </a:r>
-            <a:r>
-              <a:rPr lang="zh-CN" altLang="en-US" sz="1800" dirty="0" smtClean="0">
-                <a:solidFill>
-                  <a:schemeClr val="tx1"/>
-                </a:solidFill>
-              </a:rPr>
-              <a:t>。</a:t>
+              <a:t>每个订阅关系都是彼此独立的。每次订阅都会触发“执行函数”重新执行一次。</a:t>
             </a:r>
             <a:endParaRPr lang="en-US" altLang="zh-CN" sz="1800" dirty="0" smtClean="0">
               <a:solidFill>
@@ -4602,7 +4628,7 @@
     </p:spTree>
     <p:extLst>
       <p:ext uri="{BB962C8B-B14F-4D97-AF65-F5344CB8AC3E}">
-        <p14:creationId xmlns:p14="http://schemas.microsoft.com/office/powerpoint/2010/main" xmlns="" val="1090179234"/>
+        <p14:creationId xmlns="" xmlns:p14="http://schemas.microsoft.com/office/powerpoint/2010/main" val="1090179234"/>
       </p:ext>
     </p:extLst>
   </p:cSld>
@@ -4610,7 +4636,1127 @@
     <a:masterClrMapping/>
   </p:clrMapOvr>
   <mc:AlternateContent xmlns:mc="http://schemas.openxmlformats.org/markup-compatibility/2006">
-    <mc:Choice xmlns:p14="http://schemas.microsoft.com/office/powerpoint/2010/main" xmlns="" Requires="p14">
+    <mc:Choice xmlns="" xmlns:p14="http://schemas.microsoft.com/office/powerpoint/2010/main" Requires="p14">
+      <p:transition p14:dur="250">
+        <p:wipe/>
+      </p:transition>
+    </mc:Choice>
+    <mc:Fallback>
+      <p:transition>
+        <p:wipe/>
+      </p:transition>
+    </mc:Fallback>
+  </mc:AlternateContent>
+  <p:timing>
+    <p:tnLst>
+      <p:par>
+        <p:cTn id="1" dur="indefinite" restart="never" nodeType="tmRoot"/>
+      </p:par>
+    </p:tnLst>
+  </p:timing>
+</p:sld>
+</file>
+
+<file path=ppt/slides/slide14.xml><?xml version="1.0" encoding="utf-8"?>
+<p:sld xmlns:a="http://schemas.openxmlformats.org/drawingml/2006/main" xmlns:r="http://schemas.openxmlformats.org/officeDocument/2006/relationships" xmlns:p="http://schemas.openxmlformats.org/presentationml/2006/main">
+  <p:cSld>
+    <p:spTree>
+      <p:nvGrpSpPr>
+        <p:cNvPr id="1" name=""/>
+        <p:cNvGrpSpPr/>
+        <p:nvPr/>
+      </p:nvGrpSpPr>
+      <p:grpSpPr>
+        <a:xfrm>
+          <a:off x="0" y="0"/>
+          <a:ext cx="0" cy="0"/>
+          <a:chOff x="0" y="0"/>
+          <a:chExt cx="0" cy="0"/>
+        </a:xfrm>
+      </p:grpSpPr>
+      <p:sp>
+        <p:nvSpPr>
+          <p:cNvPr id="2" name="Title 1"/>
+          <p:cNvSpPr>
+            <a:spLocks noGrp="1"/>
+          </p:cNvSpPr>
+          <p:nvPr>
+            <p:ph type="title"/>
+          </p:nvPr>
+        </p:nvSpPr>
+        <p:spPr/>
+        <p:txBody>
+          <a:bodyPr>
+            <a:normAutofit/>
+          </a:bodyPr>
+          <a:lstStyle/>
+          <a:p>
+            <a:r>
+              <a:rPr lang="en-US" altLang="zh-CN" dirty="0" err="1"/>
+              <a:t>RxJS</a:t>
+            </a:r>
+            <a:r>
+              <a:rPr lang="en-US" altLang="zh-CN" dirty="0"/>
+              <a:t>——</a:t>
+            </a:r>
+            <a:r>
+              <a:rPr lang="en-US" altLang="zh-CN" dirty="0" smtClean="0"/>
+              <a:t>Observer</a:t>
+            </a:r>
+            <a:endParaRPr lang="zh-CN" altLang="en-US" dirty="0"/>
+          </a:p>
+        </p:txBody>
+      </p:sp>
+      <p:sp>
+        <p:nvSpPr>
+          <p:cNvPr id="4" name="Rectangle 3"/>
+          <p:cNvSpPr/>
+          <p:nvPr/>
+        </p:nvSpPr>
+        <p:spPr>
+          <a:xfrm>
+            <a:off x="326569" y="1704945"/>
+            <a:ext cx="2037737" cy="369332"/>
+          </a:xfrm>
+          <a:prstGeom prst="rect">
+            <a:avLst/>
+          </a:prstGeom>
+        </p:spPr>
+        <p:txBody>
+          <a:bodyPr wrap="none">
+            <a:spAutoFit/>
+          </a:bodyPr>
+          <a:lstStyle/>
+          <a:p>
+            <a:r>
+              <a:rPr lang="zh-CN" altLang="en-US" dirty="0" smtClean="0">
+                <a:latin typeface="Segoe UI Historic" panose="020B0502040204020203" pitchFamily="34" charset="0"/>
+                <a:ea typeface="Segoe UI Historic" panose="020B0502040204020203" pitchFamily="34" charset="0"/>
+                <a:cs typeface="Segoe UI Historic" panose="020B0502040204020203" pitchFamily="34" charset="0"/>
+              </a:rPr>
+              <a:t>什么是</a:t>
+            </a:r>
+            <a:r>
+              <a:rPr lang="en-US" altLang="zh-CN" dirty="0" smtClean="0"/>
+              <a:t>Observer</a:t>
+            </a:r>
+            <a:r>
+              <a:rPr lang="zh-CN" altLang="en-US" dirty="0" smtClean="0"/>
+              <a:t>？</a:t>
+            </a:r>
+            <a:endParaRPr lang="en-US" altLang="zh-CN" dirty="0">
+              <a:latin typeface="Segoe UI Historic" panose="020B0502040204020203" pitchFamily="34" charset="0"/>
+              <a:ea typeface="Segoe UI Historic" panose="020B0502040204020203" pitchFamily="34" charset="0"/>
+              <a:cs typeface="Segoe UI Historic" panose="020B0502040204020203" pitchFamily="34" charset="0"/>
+            </a:endParaRPr>
+          </a:p>
+        </p:txBody>
+      </p:sp>
+      <p:sp>
+        <p:nvSpPr>
+          <p:cNvPr id="12" name="Content Placeholder 2"/>
+          <p:cNvSpPr>
+            <a:spLocks noGrp="1"/>
+          </p:cNvSpPr>
+          <p:nvPr>
+            <p:ph idx="1"/>
+          </p:nvPr>
+        </p:nvSpPr>
+        <p:spPr>
+          <a:xfrm>
+            <a:off x="370114" y="2115941"/>
+            <a:ext cx="8534400" cy="1455935"/>
+          </a:xfrm>
+        </p:spPr>
+        <p:style>
+          <a:lnRef idx="2">
+            <a:schemeClr val="accent2"/>
+          </a:lnRef>
+          <a:fillRef idx="1">
+            <a:schemeClr val="lt1"/>
+          </a:fillRef>
+          <a:effectRef idx="0">
+            <a:schemeClr val="accent2"/>
+          </a:effectRef>
+          <a:fontRef idx="minor">
+            <a:schemeClr val="dk1"/>
+          </a:fontRef>
+        </p:style>
+        <p:txBody>
+          <a:bodyPr>
+            <a:noAutofit/>
+          </a:bodyPr>
+          <a:lstStyle/>
+          <a:p>
+            <a:r>
+              <a:rPr lang="en-US" altLang="zh-CN" sz="1800" dirty="0" smtClean="0">
+                <a:solidFill>
+                  <a:schemeClr val="tx1"/>
+                </a:solidFill>
+              </a:rPr>
+              <a:t>Observer</a:t>
+            </a:r>
+            <a:r>
+              <a:rPr lang="zh-CN" altLang="en-US" sz="1800" dirty="0" smtClean="0">
+                <a:solidFill>
+                  <a:schemeClr val="tx1"/>
+                </a:solidFill>
+              </a:rPr>
+              <a:t>是</a:t>
+            </a:r>
+            <a:r>
+              <a:rPr lang="en-US" altLang="zh-CN" sz="1800" dirty="0" smtClean="0">
+                <a:solidFill>
+                  <a:schemeClr val="tx1"/>
+                </a:solidFill>
+              </a:rPr>
+              <a:t>Observable</a:t>
+            </a:r>
+            <a:r>
+              <a:rPr lang="zh-CN" altLang="en-US" sz="1800" dirty="0" smtClean="0">
+                <a:solidFill>
+                  <a:schemeClr val="tx1"/>
+                </a:solidFill>
+              </a:rPr>
+              <a:t>序列中元素的消费者。</a:t>
+            </a:r>
+            <a:endParaRPr lang="en-US" altLang="zh-CN" sz="1800" dirty="0" smtClean="0">
+              <a:solidFill>
+                <a:schemeClr val="tx1"/>
+              </a:solidFill>
+            </a:endParaRPr>
+          </a:p>
+          <a:p>
+            <a:r>
+              <a:rPr lang="en-US" altLang="zh-CN" sz="1800" dirty="0" smtClean="0">
+                <a:solidFill>
+                  <a:schemeClr val="tx1"/>
+                </a:solidFill>
+              </a:rPr>
+              <a:t>Observer</a:t>
+            </a:r>
+            <a:r>
+              <a:rPr lang="zh-CN" altLang="en-US" sz="1800" dirty="0" smtClean="0">
+                <a:solidFill>
+                  <a:schemeClr val="tx1"/>
+                </a:solidFill>
+              </a:rPr>
+              <a:t>是一个对象，它包含三个属性：</a:t>
+            </a:r>
+            <a:r>
+              <a:rPr lang="en-US" altLang="zh-CN" sz="1800" dirty="0" smtClean="0">
+                <a:solidFill>
+                  <a:schemeClr val="tx1"/>
+                </a:solidFill>
+              </a:rPr>
+              <a:t>next</a:t>
+            </a:r>
+            <a:r>
+              <a:rPr lang="zh-CN" altLang="en-US" sz="1800" dirty="0" smtClean="0">
+                <a:solidFill>
+                  <a:schemeClr val="tx1"/>
+                </a:solidFill>
+              </a:rPr>
+              <a:t>，</a:t>
+            </a:r>
+            <a:r>
+              <a:rPr lang="en-US" altLang="zh-CN" sz="1800" dirty="0" smtClean="0">
+                <a:solidFill>
+                  <a:schemeClr val="tx1"/>
+                </a:solidFill>
+              </a:rPr>
+              <a:t>error</a:t>
+            </a:r>
+            <a:r>
+              <a:rPr lang="zh-CN" altLang="en-US" sz="1800" dirty="0" smtClean="0">
+                <a:solidFill>
+                  <a:schemeClr val="tx1"/>
+                </a:solidFill>
+              </a:rPr>
+              <a:t>，</a:t>
+            </a:r>
+            <a:r>
+              <a:rPr lang="en-US" altLang="zh-CN" sz="1800" dirty="0" smtClean="0">
+                <a:solidFill>
+                  <a:schemeClr val="tx1"/>
+                </a:solidFill>
+              </a:rPr>
+              <a:t>complete</a:t>
+            </a:r>
+            <a:r>
+              <a:rPr lang="zh-CN" altLang="en-US" sz="1800" smtClean="0">
+                <a:solidFill>
+                  <a:schemeClr val="tx1"/>
+                </a:solidFill>
+              </a:rPr>
+              <a:t>，分别对应相应事件触发时的回调函数。</a:t>
+            </a:r>
+            <a:endParaRPr lang="en-US" altLang="zh-CN" sz="1800" dirty="0" smtClean="0">
+              <a:solidFill>
+                <a:schemeClr val="tx1"/>
+              </a:solidFill>
+            </a:endParaRPr>
+          </a:p>
+        </p:txBody>
+      </p:sp>
+    </p:spTree>
+    <p:extLst>
+      <p:ext uri="{BB962C8B-B14F-4D97-AF65-F5344CB8AC3E}">
+        <p14:creationId xmlns="" xmlns:p14="http://schemas.microsoft.com/office/powerpoint/2010/main" val="1090179234"/>
+      </p:ext>
+    </p:extLst>
+  </p:cSld>
+  <p:clrMapOvr>
+    <a:masterClrMapping/>
+  </p:clrMapOvr>
+  <mc:AlternateContent xmlns:mc="http://schemas.openxmlformats.org/markup-compatibility/2006">
+    <mc:Choice xmlns="" xmlns:p14="http://schemas.microsoft.com/office/powerpoint/2010/main" Requires="p14">
+      <p:transition p14:dur="250">
+        <p:wipe/>
+      </p:transition>
+    </mc:Choice>
+    <mc:Fallback>
+      <p:transition>
+        <p:wipe/>
+      </p:transition>
+    </mc:Fallback>
+  </mc:AlternateContent>
+  <p:timing>
+    <p:tnLst>
+      <p:par>
+        <p:cTn id="1" dur="indefinite" restart="never" nodeType="tmRoot"/>
+      </p:par>
+    </p:tnLst>
+  </p:timing>
+</p:sld>
+</file>
+
+<file path=ppt/slides/slide15.xml><?xml version="1.0" encoding="utf-8"?>
+<p:sld xmlns:a="http://schemas.openxmlformats.org/drawingml/2006/main" xmlns:r="http://schemas.openxmlformats.org/officeDocument/2006/relationships" xmlns:p="http://schemas.openxmlformats.org/presentationml/2006/main">
+  <p:cSld>
+    <p:spTree>
+      <p:nvGrpSpPr>
+        <p:cNvPr id="1" name=""/>
+        <p:cNvGrpSpPr/>
+        <p:nvPr/>
+      </p:nvGrpSpPr>
+      <p:grpSpPr>
+        <a:xfrm>
+          <a:off x="0" y="0"/>
+          <a:ext cx="0" cy="0"/>
+          <a:chOff x="0" y="0"/>
+          <a:chExt cx="0" cy="0"/>
+        </a:xfrm>
+      </p:grpSpPr>
+      <p:sp>
+        <p:nvSpPr>
+          <p:cNvPr id="2" name="Title 1"/>
+          <p:cNvSpPr>
+            <a:spLocks noGrp="1"/>
+          </p:cNvSpPr>
+          <p:nvPr>
+            <p:ph type="title"/>
+          </p:nvPr>
+        </p:nvSpPr>
+        <p:spPr/>
+        <p:txBody>
+          <a:bodyPr>
+            <a:normAutofit/>
+          </a:bodyPr>
+          <a:lstStyle/>
+          <a:p>
+            <a:r>
+              <a:rPr lang="en-US" altLang="zh-CN" dirty="0" err="1" smtClean="0"/>
+              <a:t>RxJS</a:t>
+            </a:r>
+            <a:r>
+              <a:rPr lang="en-US" altLang="zh-CN" dirty="0" smtClean="0"/>
+              <a:t>——Subscription</a:t>
+            </a:r>
+          </a:p>
+        </p:txBody>
+      </p:sp>
+      <p:sp>
+        <p:nvSpPr>
+          <p:cNvPr id="4" name="Rectangle 3"/>
+          <p:cNvSpPr/>
+          <p:nvPr/>
+        </p:nvSpPr>
+        <p:spPr>
+          <a:xfrm>
+            <a:off x="326569" y="1704945"/>
+            <a:ext cx="2462534" cy="369332"/>
+          </a:xfrm>
+          <a:prstGeom prst="rect">
+            <a:avLst/>
+          </a:prstGeom>
+        </p:spPr>
+        <p:txBody>
+          <a:bodyPr wrap="none">
+            <a:spAutoFit/>
+          </a:bodyPr>
+          <a:lstStyle/>
+          <a:p>
+            <a:r>
+              <a:rPr lang="zh-CN" altLang="en-US" dirty="0" smtClean="0">
+                <a:latin typeface="Segoe UI Historic" panose="020B0502040204020203" pitchFamily="34" charset="0"/>
+                <a:ea typeface="Segoe UI Historic" panose="020B0502040204020203" pitchFamily="34" charset="0"/>
+                <a:cs typeface="Segoe UI Historic" panose="020B0502040204020203" pitchFamily="34" charset="0"/>
+              </a:rPr>
+              <a:t>什么是</a:t>
+            </a:r>
+            <a:r>
+              <a:rPr lang="en-US" altLang="zh-CN" dirty="0" smtClean="0"/>
+              <a:t>Subscription </a:t>
+            </a:r>
+            <a:r>
+              <a:rPr lang="zh-CN" altLang="en-US" dirty="0" smtClean="0">
+                <a:latin typeface="Segoe UI Historic" panose="020B0502040204020203" pitchFamily="34" charset="0"/>
+                <a:ea typeface="Segoe UI Historic" panose="020B0502040204020203" pitchFamily="34" charset="0"/>
+                <a:cs typeface="Segoe UI Historic" panose="020B0502040204020203" pitchFamily="34" charset="0"/>
+              </a:rPr>
+              <a:t>？</a:t>
+            </a:r>
+            <a:endParaRPr lang="en-US" altLang="zh-CN" dirty="0">
+              <a:latin typeface="Segoe UI Historic" panose="020B0502040204020203" pitchFamily="34" charset="0"/>
+              <a:ea typeface="Segoe UI Historic" panose="020B0502040204020203" pitchFamily="34" charset="0"/>
+              <a:cs typeface="Segoe UI Historic" panose="020B0502040204020203" pitchFamily="34" charset="0"/>
+            </a:endParaRPr>
+          </a:p>
+        </p:txBody>
+      </p:sp>
+      <p:sp>
+        <p:nvSpPr>
+          <p:cNvPr id="12" name="Content Placeholder 2"/>
+          <p:cNvSpPr>
+            <a:spLocks noGrp="1"/>
+          </p:cNvSpPr>
+          <p:nvPr>
+            <p:ph idx="1"/>
+          </p:nvPr>
+        </p:nvSpPr>
+        <p:spPr>
+          <a:xfrm>
+            <a:off x="370114" y="2115941"/>
+            <a:ext cx="8534400" cy="1027307"/>
+          </a:xfrm>
+        </p:spPr>
+        <p:style>
+          <a:lnRef idx="2">
+            <a:schemeClr val="accent2"/>
+          </a:lnRef>
+          <a:fillRef idx="1">
+            <a:schemeClr val="lt1"/>
+          </a:fillRef>
+          <a:effectRef idx="0">
+            <a:schemeClr val="accent2"/>
+          </a:effectRef>
+          <a:fontRef idx="minor">
+            <a:schemeClr val="dk1"/>
+          </a:fontRef>
+        </p:style>
+        <p:txBody>
+          <a:bodyPr>
+            <a:noAutofit/>
+          </a:bodyPr>
+          <a:lstStyle/>
+          <a:p>
+            <a:r>
+              <a:rPr lang="en-US" altLang="zh-CN" sz="1800" dirty="0" smtClean="0"/>
+              <a:t>Subscription</a:t>
+            </a:r>
+            <a:r>
+              <a:rPr lang="zh-CN" altLang="en-US" sz="1800" dirty="0" smtClean="0"/>
+              <a:t>是一个对象，是调用</a:t>
+            </a:r>
+            <a:r>
+              <a:rPr lang="en-US" altLang="zh-CN" sz="1800" dirty="0" err="1" smtClean="0"/>
+              <a:t>observerble.subscribe</a:t>
+            </a:r>
+            <a:r>
+              <a:rPr lang="en-US" altLang="zh-CN" sz="1800" dirty="0" smtClean="0"/>
+              <a:t>()</a:t>
+            </a:r>
+            <a:r>
+              <a:rPr lang="zh-CN" altLang="en-US" sz="1800" dirty="0" smtClean="0"/>
+              <a:t>订阅</a:t>
+            </a:r>
+            <a:r>
+              <a:rPr lang="en-US" altLang="zh-CN" sz="1800" dirty="0" smtClean="0"/>
+              <a:t>Observable</a:t>
+            </a:r>
+            <a:r>
+              <a:rPr lang="zh-CN" altLang="en-US" sz="1800" dirty="0" smtClean="0"/>
+              <a:t>时得到的返回值。代表该订阅关系。</a:t>
+            </a:r>
+            <a:endParaRPr lang="en-US" altLang="zh-CN" sz="1800" dirty="0" smtClean="0"/>
+          </a:p>
+          <a:p>
+            <a:r>
+              <a:rPr lang="zh-CN" altLang="en-US" sz="1800" dirty="0" smtClean="0">
+                <a:solidFill>
+                  <a:schemeClr val="tx1"/>
+                </a:solidFill>
+              </a:rPr>
+              <a:t>可通过调用起</a:t>
+            </a:r>
+            <a:r>
+              <a:rPr lang="en-US" altLang="zh-CN" sz="1800" dirty="0" smtClean="0">
+                <a:solidFill>
+                  <a:schemeClr val="tx1"/>
+                </a:solidFill>
+              </a:rPr>
+              <a:t>unsubscribe()</a:t>
+            </a:r>
+            <a:r>
+              <a:rPr lang="zh-CN" altLang="en-US" sz="1800" dirty="0" smtClean="0">
+                <a:solidFill>
+                  <a:schemeClr val="tx1"/>
+                </a:solidFill>
+              </a:rPr>
+              <a:t>方法来取消订阅，释放资源。</a:t>
+            </a:r>
+            <a:endParaRPr lang="en-US" altLang="zh-CN" sz="1800" dirty="0" smtClean="0">
+              <a:solidFill>
+                <a:schemeClr val="tx1"/>
+              </a:solidFill>
+            </a:endParaRPr>
+          </a:p>
+        </p:txBody>
+      </p:sp>
+    </p:spTree>
+    <p:extLst>
+      <p:ext uri="{BB962C8B-B14F-4D97-AF65-F5344CB8AC3E}">
+        <p14:creationId xmlns="" xmlns:p14="http://schemas.microsoft.com/office/powerpoint/2010/main" val="1090179234"/>
+      </p:ext>
+    </p:extLst>
+  </p:cSld>
+  <p:clrMapOvr>
+    <a:masterClrMapping/>
+  </p:clrMapOvr>
+  <mc:AlternateContent xmlns:mc="http://schemas.openxmlformats.org/markup-compatibility/2006">
+    <mc:Choice xmlns="" xmlns:p14="http://schemas.microsoft.com/office/powerpoint/2010/main" Requires="p14">
+      <p:transition p14:dur="250">
+        <p:wipe/>
+      </p:transition>
+    </mc:Choice>
+    <mc:Fallback>
+      <p:transition>
+        <p:wipe/>
+      </p:transition>
+    </mc:Fallback>
+  </mc:AlternateContent>
+  <p:timing>
+    <p:tnLst>
+      <p:par>
+        <p:cTn id="1" dur="indefinite" restart="never" nodeType="tmRoot"/>
+      </p:par>
+    </p:tnLst>
+  </p:timing>
+</p:sld>
+</file>
+
+<file path=ppt/slides/slide16.xml><?xml version="1.0" encoding="utf-8"?>
+<p:sld xmlns:a="http://schemas.openxmlformats.org/drawingml/2006/main" xmlns:r="http://schemas.openxmlformats.org/officeDocument/2006/relationships" xmlns:p="http://schemas.openxmlformats.org/presentationml/2006/main">
+  <p:cSld>
+    <p:spTree>
+      <p:nvGrpSpPr>
+        <p:cNvPr id="1" name=""/>
+        <p:cNvGrpSpPr/>
+        <p:nvPr/>
+      </p:nvGrpSpPr>
+      <p:grpSpPr>
+        <a:xfrm>
+          <a:off x="0" y="0"/>
+          <a:ext cx="0" cy="0"/>
+          <a:chOff x="0" y="0"/>
+          <a:chExt cx="0" cy="0"/>
+        </a:xfrm>
+      </p:grpSpPr>
+      <p:sp>
+        <p:nvSpPr>
+          <p:cNvPr id="2" name="Title 1"/>
+          <p:cNvSpPr>
+            <a:spLocks noGrp="1"/>
+          </p:cNvSpPr>
+          <p:nvPr>
+            <p:ph type="title"/>
+          </p:nvPr>
+        </p:nvSpPr>
+        <p:spPr/>
+        <p:txBody>
+          <a:bodyPr>
+            <a:normAutofit/>
+          </a:bodyPr>
+          <a:lstStyle/>
+          <a:p>
+            <a:r>
+              <a:rPr lang="en-US" altLang="zh-CN" dirty="0" err="1" smtClean="0"/>
+              <a:t>RxJS</a:t>
+            </a:r>
+            <a:r>
+              <a:rPr lang="en-US" altLang="zh-CN" dirty="0" smtClean="0"/>
+              <a:t>——Observable</a:t>
+            </a:r>
+            <a:r>
+              <a:rPr lang="zh-CN" altLang="en-US" dirty="0" smtClean="0"/>
+              <a:t>使用的核心要素</a:t>
+            </a:r>
+            <a:endParaRPr lang="en-US" altLang="zh-CN" dirty="0" smtClean="0"/>
+          </a:p>
+        </p:txBody>
+      </p:sp>
+      <p:sp>
+        <p:nvSpPr>
+          <p:cNvPr id="12" name="Content Placeholder 2"/>
+          <p:cNvSpPr>
+            <a:spLocks noGrp="1"/>
+          </p:cNvSpPr>
+          <p:nvPr>
+            <p:ph idx="1"/>
+          </p:nvPr>
+        </p:nvSpPr>
+        <p:spPr>
+          <a:xfrm>
+            <a:off x="370114" y="2115941"/>
+            <a:ext cx="8534400" cy="1384497"/>
+          </a:xfrm>
+        </p:spPr>
+        <p:style>
+          <a:lnRef idx="2">
+            <a:schemeClr val="accent2"/>
+          </a:lnRef>
+          <a:fillRef idx="1">
+            <a:schemeClr val="lt1"/>
+          </a:fillRef>
+          <a:effectRef idx="0">
+            <a:schemeClr val="accent2"/>
+          </a:effectRef>
+          <a:fontRef idx="minor">
+            <a:schemeClr val="dk1"/>
+          </a:fontRef>
+        </p:style>
+        <p:txBody>
+          <a:bodyPr>
+            <a:noAutofit/>
+          </a:bodyPr>
+          <a:lstStyle/>
+          <a:p>
+            <a:r>
+              <a:rPr lang="en-US" altLang="zh-CN" sz="1800" dirty="0" smtClean="0">
+                <a:solidFill>
+                  <a:schemeClr val="tx1"/>
+                </a:solidFill>
+              </a:rPr>
+              <a:t>Creating——</a:t>
+            </a:r>
+            <a:r>
+              <a:rPr lang="zh-CN" altLang="en-US" sz="1800" dirty="0" smtClean="0">
+                <a:solidFill>
+                  <a:schemeClr val="tx1"/>
+                </a:solidFill>
+              </a:rPr>
+              <a:t>创建</a:t>
+            </a:r>
+            <a:endParaRPr lang="en-US" altLang="zh-CN" sz="1800" dirty="0" smtClean="0">
+              <a:solidFill>
+                <a:schemeClr val="tx1"/>
+              </a:solidFill>
+            </a:endParaRPr>
+          </a:p>
+          <a:p>
+            <a:r>
+              <a:rPr lang="en-US" altLang="zh-CN" sz="1800" dirty="0" smtClean="0">
+                <a:solidFill>
+                  <a:schemeClr val="tx1"/>
+                </a:solidFill>
+              </a:rPr>
+              <a:t>Subscribing——</a:t>
+            </a:r>
+            <a:r>
+              <a:rPr lang="zh-CN" altLang="en-US" sz="1800" dirty="0" smtClean="0">
+                <a:solidFill>
+                  <a:schemeClr val="tx1"/>
+                </a:solidFill>
+              </a:rPr>
+              <a:t>订阅</a:t>
+            </a:r>
+            <a:endParaRPr lang="en-US" altLang="zh-CN" sz="1800" dirty="0" smtClean="0">
+              <a:solidFill>
+                <a:schemeClr val="tx1"/>
+              </a:solidFill>
+            </a:endParaRPr>
+          </a:p>
+          <a:p>
+            <a:r>
+              <a:rPr lang="en-US" altLang="zh-CN" sz="1800" dirty="0" smtClean="0">
+                <a:solidFill>
+                  <a:schemeClr val="tx1"/>
+                </a:solidFill>
+              </a:rPr>
+              <a:t>Executing——</a:t>
+            </a:r>
+            <a:r>
+              <a:rPr lang="zh-CN" altLang="en-US" sz="1800" dirty="0" smtClean="0">
+                <a:solidFill>
+                  <a:schemeClr val="tx1"/>
+                </a:solidFill>
+              </a:rPr>
+              <a:t>执行</a:t>
+            </a:r>
+            <a:endParaRPr lang="en-US" altLang="zh-CN" sz="1800" dirty="0" smtClean="0">
+              <a:solidFill>
+                <a:schemeClr val="tx1"/>
+              </a:solidFill>
+            </a:endParaRPr>
+          </a:p>
+          <a:p>
+            <a:r>
+              <a:rPr lang="en-US" altLang="zh-CN" sz="1800" dirty="0" smtClean="0">
+                <a:solidFill>
+                  <a:schemeClr val="tx1"/>
+                </a:solidFill>
+              </a:rPr>
+              <a:t>Disposing——</a:t>
+            </a:r>
+            <a:r>
+              <a:rPr lang="zh-CN" altLang="en-US" sz="1800" dirty="0" smtClean="0">
+                <a:solidFill>
+                  <a:schemeClr val="tx1"/>
+                </a:solidFill>
+              </a:rPr>
+              <a:t>取消订阅，释放资源</a:t>
+            </a:r>
+            <a:endParaRPr lang="en-US" altLang="zh-CN" sz="1800" dirty="0" smtClean="0">
+              <a:solidFill>
+                <a:schemeClr val="tx1"/>
+              </a:solidFill>
+            </a:endParaRPr>
+          </a:p>
+        </p:txBody>
+      </p:sp>
+    </p:spTree>
+    <p:extLst>
+      <p:ext uri="{BB962C8B-B14F-4D97-AF65-F5344CB8AC3E}">
+        <p14:creationId xmlns="" xmlns:p14="http://schemas.microsoft.com/office/powerpoint/2010/main" val="1090179234"/>
+      </p:ext>
+    </p:extLst>
+  </p:cSld>
+  <p:clrMapOvr>
+    <a:masterClrMapping/>
+  </p:clrMapOvr>
+  <mc:AlternateContent xmlns:mc="http://schemas.openxmlformats.org/markup-compatibility/2006">
+    <mc:Choice xmlns="" xmlns:p14="http://schemas.microsoft.com/office/powerpoint/2010/main" Requires="p14">
+      <p:transition p14:dur="250">
+        <p:wipe/>
+      </p:transition>
+    </mc:Choice>
+    <mc:Fallback>
+      <p:transition>
+        <p:wipe/>
+      </p:transition>
+    </mc:Fallback>
+  </mc:AlternateContent>
+  <p:timing>
+    <p:tnLst>
+      <p:par>
+        <p:cTn id="1" dur="indefinite" restart="never" nodeType="tmRoot"/>
+      </p:par>
+    </p:tnLst>
+  </p:timing>
+</p:sld>
+</file>
+
+<file path=ppt/slides/slide17.xml><?xml version="1.0" encoding="utf-8"?>
+<p:sld xmlns:a="http://schemas.openxmlformats.org/drawingml/2006/main" xmlns:r="http://schemas.openxmlformats.org/officeDocument/2006/relationships" xmlns:p="http://schemas.openxmlformats.org/presentationml/2006/main">
+  <p:cSld>
+    <p:spTree>
+      <p:nvGrpSpPr>
+        <p:cNvPr id="1" name=""/>
+        <p:cNvGrpSpPr/>
+        <p:nvPr/>
+      </p:nvGrpSpPr>
+      <p:grpSpPr>
+        <a:xfrm>
+          <a:off x="0" y="0"/>
+          <a:ext cx="0" cy="0"/>
+          <a:chOff x="0" y="0"/>
+          <a:chExt cx="0" cy="0"/>
+        </a:xfrm>
+      </p:grpSpPr>
+      <p:sp>
+        <p:nvSpPr>
+          <p:cNvPr id="2" name="Title 1"/>
+          <p:cNvSpPr>
+            <a:spLocks noGrp="1"/>
+          </p:cNvSpPr>
+          <p:nvPr>
+            <p:ph type="title"/>
+          </p:nvPr>
+        </p:nvSpPr>
+        <p:spPr/>
+        <p:txBody>
+          <a:bodyPr>
+            <a:normAutofit/>
+          </a:bodyPr>
+          <a:lstStyle/>
+          <a:p>
+            <a:r>
+              <a:rPr lang="en-US" altLang="zh-CN" dirty="0" err="1" smtClean="0"/>
+              <a:t>RxJS</a:t>
+            </a:r>
+            <a:r>
+              <a:rPr lang="en-US" altLang="zh-CN" dirty="0" smtClean="0"/>
+              <a:t>——Subject</a:t>
+            </a:r>
+            <a:endParaRPr lang="en-US" altLang="zh-CN" dirty="0" smtClean="0"/>
+          </a:p>
+        </p:txBody>
+      </p:sp>
+      <p:sp>
+        <p:nvSpPr>
+          <p:cNvPr id="12" name="Content Placeholder 2"/>
+          <p:cNvSpPr>
+            <a:spLocks noGrp="1"/>
+          </p:cNvSpPr>
+          <p:nvPr>
+            <p:ph idx="1"/>
+          </p:nvPr>
+        </p:nvSpPr>
+        <p:spPr>
+          <a:xfrm>
+            <a:off x="370114" y="2115941"/>
+            <a:ext cx="8534400" cy="1384497"/>
+          </a:xfrm>
+        </p:spPr>
+        <p:style>
+          <a:lnRef idx="2">
+            <a:schemeClr val="accent2"/>
+          </a:lnRef>
+          <a:fillRef idx="1">
+            <a:schemeClr val="lt1"/>
+          </a:fillRef>
+          <a:effectRef idx="0">
+            <a:schemeClr val="accent2"/>
+          </a:effectRef>
+          <a:fontRef idx="minor">
+            <a:schemeClr val="dk1"/>
+          </a:fontRef>
+        </p:style>
+        <p:txBody>
+          <a:bodyPr>
+            <a:noAutofit/>
+          </a:bodyPr>
+          <a:lstStyle/>
+          <a:p>
+            <a:r>
+              <a:rPr lang="en-US" altLang="zh-CN" sz="1800" dirty="0" smtClean="0">
+                <a:solidFill>
+                  <a:schemeClr val="tx1"/>
+                </a:solidFill>
+              </a:rPr>
+              <a:t>Subject</a:t>
+            </a:r>
+            <a:r>
+              <a:rPr lang="zh-CN" altLang="en-US" sz="1800" dirty="0" smtClean="0">
+                <a:solidFill>
+                  <a:schemeClr val="tx1"/>
+                </a:solidFill>
+              </a:rPr>
+              <a:t>也</a:t>
+            </a:r>
+            <a:r>
+              <a:rPr lang="zh-CN" altLang="en-US" sz="1800" dirty="0" smtClean="0">
+                <a:solidFill>
+                  <a:schemeClr val="tx1"/>
+                </a:solidFill>
+              </a:rPr>
+              <a:t>是一种的</a:t>
+            </a:r>
+            <a:r>
+              <a:rPr lang="en-US" altLang="zh-CN" sz="1800" dirty="0" smtClean="0">
+                <a:solidFill>
+                  <a:schemeClr val="tx1"/>
+                </a:solidFill>
+              </a:rPr>
+              <a:t>Observable</a:t>
+            </a:r>
+            <a:r>
+              <a:rPr lang="zh-CN" altLang="en-US" sz="1800" dirty="0" smtClean="0">
+                <a:solidFill>
+                  <a:schemeClr val="tx1"/>
+                </a:solidFill>
+              </a:rPr>
+              <a:t>。但普通</a:t>
+            </a:r>
+            <a:r>
+              <a:rPr lang="en-US" altLang="zh-CN" sz="1800" dirty="0" smtClean="0">
+                <a:solidFill>
+                  <a:schemeClr val="tx1"/>
+                </a:solidFill>
+              </a:rPr>
+              <a:t>Observable</a:t>
+            </a:r>
+            <a:r>
+              <a:rPr lang="zh-CN" altLang="en-US" sz="1800" dirty="0" smtClean="0">
+                <a:solidFill>
+                  <a:schemeClr val="tx1"/>
+                </a:solidFill>
+              </a:rPr>
+              <a:t>是“单播（</a:t>
+            </a:r>
+            <a:r>
+              <a:rPr lang="en-US" altLang="zh-CN" sz="1800" dirty="0" err="1" smtClean="0">
+                <a:solidFill>
+                  <a:schemeClr val="tx1"/>
+                </a:solidFill>
+              </a:rPr>
+              <a:t>unicast</a:t>
+            </a:r>
+            <a:r>
+              <a:rPr lang="zh-CN" altLang="en-US" sz="1800" dirty="0" smtClean="0">
+                <a:solidFill>
+                  <a:schemeClr val="tx1"/>
+                </a:solidFill>
+              </a:rPr>
+              <a:t>）”的，</a:t>
+            </a:r>
+            <a:r>
+              <a:rPr lang="en-US" altLang="zh-CN" sz="1800" dirty="0" smtClean="0">
+                <a:solidFill>
+                  <a:schemeClr val="tx1"/>
+                </a:solidFill>
+              </a:rPr>
+              <a:t>Subject</a:t>
+            </a:r>
+            <a:r>
+              <a:rPr lang="zh-CN" altLang="en-US" sz="1800" dirty="0" smtClean="0">
+                <a:solidFill>
+                  <a:schemeClr val="tx1"/>
+                </a:solidFill>
+              </a:rPr>
+              <a:t>是“多播（</a:t>
+            </a:r>
+            <a:r>
+              <a:rPr lang="en-US" altLang="zh-CN" sz="1800" dirty="0" smtClean="0">
+                <a:solidFill>
+                  <a:schemeClr val="tx1"/>
+                </a:solidFill>
+              </a:rPr>
+              <a:t>multicast</a:t>
+            </a:r>
+            <a:r>
+              <a:rPr lang="zh-CN" altLang="en-US" sz="1800" dirty="0" smtClean="0">
+                <a:solidFill>
+                  <a:schemeClr val="tx1"/>
+                </a:solidFill>
+              </a:rPr>
+              <a:t>）”的。多个</a:t>
+            </a:r>
+            <a:r>
+              <a:rPr lang="en-US" altLang="zh-CN" sz="1800" dirty="0" smtClean="0">
+                <a:solidFill>
+                  <a:schemeClr val="tx1"/>
+                </a:solidFill>
+              </a:rPr>
+              <a:t>observer</a:t>
+            </a:r>
+            <a:r>
+              <a:rPr lang="zh-CN" altLang="en-US" sz="1800" dirty="0" smtClean="0">
+                <a:solidFill>
+                  <a:schemeClr val="tx1"/>
+                </a:solidFill>
+              </a:rPr>
+              <a:t>可订阅同一个</a:t>
+            </a:r>
+            <a:r>
+              <a:rPr lang="en-US" altLang="zh-CN" sz="1800" dirty="0" smtClean="0">
+                <a:solidFill>
+                  <a:schemeClr val="tx1"/>
+                </a:solidFill>
+              </a:rPr>
+              <a:t>Subject</a:t>
+            </a:r>
+            <a:r>
+              <a:rPr lang="zh-CN" altLang="en-US" sz="1800" dirty="0" smtClean="0">
+                <a:solidFill>
+                  <a:schemeClr val="tx1"/>
+                </a:solidFill>
+              </a:rPr>
+              <a:t>，且得到的数据时共享的，不会触发新的执行。</a:t>
+            </a:r>
+            <a:endParaRPr lang="en-US" altLang="zh-CN" sz="1800" dirty="0" smtClean="0">
+              <a:solidFill>
+                <a:schemeClr val="tx1"/>
+              </a:solidFill>
+            </a:endParaRPr>
+          </a:p>
+          <a:p>
+            <a:r>
+              <a:rPr lang="en-US" altLang="zh-CN" sz="1800" dirty="0" smtClean="0">
+                <a:solidFill>
+                  <a:schemeClr val="tx1"/>
+                </a:solidFill>
+              </a:rPr>
+              <a:t>Subject</a:t>
+            </a:r>
+            <a:r>
+              <a:rPr lang="zh-CN" altLang="en-US" sz="1800" dirty="0" smtClean="0">
+                <a:solidFill>
+                  <a:schemeClr val="tx1"/>
+                </a:solidFill>
+              </a:rPr>
+              <a:t>既是</a:t>
+            </a:r>
+            <a:r>
+              <a:rPr lang="en-US" altLang="zh-CN" sz="1800" dirty="0" smtClean="0">
+                <a:solidFill>
+                  <a:schemeClr val="tx1"/>
+                </a:solidFill>
+              </a:rPr>
+              <a:t>Observable</a:t>
+            </a:r>
+            <a:r>
+              <a:rPr lang="zh-CN" altLang="en-US" sz="1800" dirty="0" smtClean="0">
+                <a:solidFill>
+                  <a:schemeClr val="tx1"/>
+                </a:solidFill>
+              </a:rPr>
+              <a:t>（有</a:t>
+            </a:r>
+            <a:r>
+              <a:rPr lang="en-US" altLang="zh-CN" sz="1800" dirty="0" smtClean="0">
+                <a:solidFill>
+                  <a:schemeClr val="tx1"/>
+                </a:solidFill>
+              </a:rPr>
+              <a:t>subscribe</a:t>
+            </a:r>
+            <a:r>
+              <a:rPr lang="zh-CN" altLang="en-US" sz="1800" dirty="0" smtClean="0">
+                <a:solidFill>
+                  <a:schemeClr val="tx1"/>
+                </a:solidFill>
+              </a:rPr>
+              <a:t>方法，可被订阅），又是</a:t>
+            </a:r>
+            <a:r>
+              <a:rPr lang="en-US" altLang="zh-CN" sz="1800" dirty="0" smtClean="0">
+                <a:solidFill>
+                  <a:schemeClr val="tx1"/>
+                </a:solidFill>
+              </a:rPr>
+              <a:t>observer</a:t>
+            </a:r>
+            <a:r>
+              <a:rPr lang="zh-CN" altLang="en-US" sz="1800" dirty="0" smtClean="0">
+                <a:solidFill>
+                  <a:schemeClr val="tx1"/>
+                </a:solidFill>
+              </a:rPr>
+              <a:t>（有</a:t>
+            </a:r>
+            <a:r>
+              <a:rPr lang="en-US" altLang="zh-CN" sz="1800" dirty="0" smtClean="0">
+                <a:solidFill>
+                  <a:schemeClr val="tx1"/>
+                </a:solidFill>
+              </a:rPr>
+              <a:t>next</a:t>
+            </a:r>
+            <a:r>
+              <a:rPr lang="zh-CN" altLang="en-US" sz="1800" dirty="0" smtClean="0">
+                <a:solidFill>
+                  <a:schemeClr val="tx1"/>
+                </a:solidFill>
+              </a:rPr>
+              <a:t>，</a:t>
+            </a:r>
+            <a:r>
+              <a:rPr lang="en-US" altLang="zh-CN" sz="1800" dirty="0" smtClean="0">
+                <a:solidFill>
+                  <a:schemeClr val="tx1"/>
+                </a:solidFill>
+              </a:rPr>
+              <a:t>error</a:t>
+            </a:r>
+            <a:r>
+              <a:rPr lang="zh-CN" altLang="en-US" sz="1800" dirty="0" smtClean="0">
+                <a:solidFill>
+                  <a:schemeClr val="tx1"/>
+                </a:solidFill>
+              </a:rPr>
+              <a:t>，）</a:t>
+            </a:r>
+            <a:endParaRPr lang="en-US" altLang="zh-CN" sz="1800" dirty="0" smtClean="0">
+              <a:solidFill>
+                <a:schemeClr val="tx1"/>
+              </a:solidFill>
+            </a:endParaRPr>
+          </a:p>
+        </p:txBody>
+      </p:sp>
+      <p:sp>
+        <p:nvSpPr>
+          <p:cNvPr id="4" name="Rectangle 3"/>
+          <p:cNvSpPr/>
+          <p:nvPr/>
+        </p:nvSpPr>
+        <p:spPr>
+          <a:xfrm>
+            <a:off x="326569" y="1704945"/>
+            <a:ext cx="1920719" cy="369332"/>
+          </a:xfrm>
+          <a:prstGeom prst="rect">
+            <a:avLst/>
+          </a:prstGeom>
+        </p:spPr>
+        <p:txBody>
+          <a:bodyPr wrap="none">
+            <a:spAutoFit/>
+          </a:bodyPr>
+          <a:lstStyle/>
+          <a:p>
+            <a:r>
+              <a:rPr lang="zh-CN" altLang="en-US" dirty="0" smtClean="0">
+                <a:latin typeface="Segoe UI Historic" panose="020B0502040204020203" pitchFamily="34" charset="0"/>
+                <a:ea typeface="Segoe UI Historic" panose="020B0502040204020203" pitchFamily="34" charset="0"/>
+                <a:cs typeface="Segoe UI Historic" panose="020B0502040204020203" pitchFamily="34" charset="0"/>
+              </a:rPr>
+              <a:t>什么是</a:t>
+            </a:r>
+            <a:r>
+              <a:rPr lang="en-US" altLang="zh-CN" dirty="0" smtClean="0"/>
+              <a:t>Subject </a:t>
+            </a:r>
+            <a:r>
+              <a:rPr lang="zh-CN" altLang="en-US" dirty="0" smtClean="0">
+                <a:latin typeface="Segoe UI Historic" panose="020B0502040204020203" pitchFamily="34" charset="0"/>
+                <a:ea typeface="Segoe UI Historic" panose="020B0502040204020203" pitchFamily="34" charset="0"/>
+                <a:cs typeface="Segoe UI Historic" panose="020B0502040204020203" pitchFamily="34" charset="0"/>
+              </a:rPr>
+              <a:t>？</a:t>
+            </a:r>
+            <a:endParaRPr lang="en-US" altLang="zh-CN" dirty="0">
+              <a:latin typeface="Segoe UI Historic" panose="020B0502040204020203" pitchFamily="34" charset="0"/>
+              <a:ea typeface="Segoe UI Historic" panose="020B0502040204020203" pitchFamily="34" charset="0"/>
+              <a:cs typeface="Segoe UI Historic" panose="020B0502040204020203" pitchFamily="34" charset="0"/>
+            </a:endParaRPr>
+          </a:p>
+        </p:txBody>
+      </p:sp>
+    </p:spTree>
+    <p:extLst>
+      <p:ext uri="{BB962C8B-B14F-4D97-AF65-F5344CB8AC3E}">
+        <p14:creationId xmlns="" xmlns:p14="http://schemas.microsoft.com/office/powerpoint/2010/main" val="1090179234"/>
+      </p:ext>
+    </p:extLst>
+  </p:cSld>
+  <p:clrMapOvr>
+    <a:masterClrMapping/>
+  </p:clrMapOvr>
+  <mc:AlternateContent xmlns:mc="http://schemas.openxmlformats.org/markup-compatibility/2006">
+    <mc:Choice xmlns="" xmlns:p14="http://schemas.microsoft.com/office/powerpoint/2010/main" Requires="p14">
       <p:transition p14:dur="250">
         <p:wipe/>
       </p:transition>
@@ -4891,7 +6037,7 @@
     </p:spTree>
     <p:extLst>
       <p:ext uri="{BB962C8B-B14F-4D97-AF65-F5344CB8AC3E}">
-        <p14:creationId xmlns:p14="http://schemas.microsoft.com/office/powerpoint/2010/main" xmlns="" val="4075398841"/>
+        <p14:creationId xmlns="" xmlns:p14="http://schemas.microsoft.com/office/powerpoint/2010/main" val="4075398841"/>
       </p:ext>
     </p:extLst>
   </p:cSld>
@@ -4899,7 +6045,7 @@
     <a:masterClrMapping/>
   </p:clrMapOvr>
   <mc:AlternateContent xmlns:mc="http://schemas.openxmlformats.org/markup-compatibility/2006">
-    <mc:Choice xmlns:p14="http://schemas.microsoft.com/office/powerpoint/2010/main" xmlns="" Requires="p14">
+    <mc:Choice xmlns="" xmlns:p14="http://schemas.microsoft.com/office/powerpoint/2010/main" Requires="p14">
       <p:transition p14:dur="250">
         <p:wipe/>
       </p:transition>
@@ -5093,7 +6239,7 @@
           <a:blip r:embed="rId2">
             <a:extLst>
               <a:ext uri="{28A0092B-C50C-407E-A947-70E740481C1C}">
-                <a14:useLocalDpi xmlns:a14="http://schemas.microsoft.com/office/drawing/2010/main" xmlns="" val="0"/>
+                <a14:useLocalDpi xmlns="" xmlns:a14="http://schemas.microsoft.com/office/drawing/2010/main" val="0"/>
               </a:ext>
             </a:extLst>
           </a:blip>
@@ -5116,14 +6262,14 @@
           </a:ln>
           <a:extLst>
             <a:ext uri="{909E8E84-426E-40DD-AFC4-6F175D3DCCD1}">
-              <a14:hiddenFill xmlns:a14="http://schemas.microsoft.com/office/drawing/2010/main" xmlns="">
+              <a14:hiddenFill xmlns="" xmlns:a14="http://schemas.microsoft.com/office/drawing/2010/main">
                 <a:solidFill>
                   <a:schemeClr val="accent1"/>
                 </a:solidFill>
               </a14:hiddenFill>
             </a:ext>
             <a:ext uri="{91240B29-F687-4F45-9708-019B960494DF}">
-              <a14:hiddenLine xmlns:a14="http://schemas.microsoft.com/office/drawing/2010/main" xmlns="" w="9525">
+              <a14:hiddenLine xmlns="" xmlns:a14="http://schemas.microsoft.com/office/drawing/2010/main" w="9525">
                 <a:solidFill>
                   <a:schemeClr val="tx1"/>
                 </a:solidFill>
@@ -5259,7 +6405,7 @@
           <a:blip r:embed="rId3">
             <a:extLst>
               <a:ext uri="{28A0092B-C50C-407E-A947-70E740481C1C}">
-                <a14:useLocalDpi xmlns:a14="http://schemas.microsoft.com/office/drawing/2010/main" xmlns="" val="0"/>
+                <a14:useLocalDpi xmlns="" xmlns:a14="http://schemas.microsoft.com/office/drawing/2010/main" val="0"/>
               </a:ext>
             </a:extLst>
           </a:blip>
@@ -5282,14 +6428,14 @@
           </a:ln>
           <a:extLst>
             <a:ext uri="{909E8E84-426E-40DD-AFC4-6F175D3DCCD1}">
-              <a14:hiddenFill xmlns:a14="http://schemas.microsoft.com/office/drawing/2010/main" xmlns="">
+              <a14:hiddenFill xmlns="" xmlns:a14="http://schemas.microsoft.com/office/drawing/2010/main">
                 <a:solidFill>
                   <a:schemeClr val="accent1"/>
                 </a:solidFill>
               </a14:hiddenFill>
             </a:ext>
             <a:ext uri="{91240B29-F687-4F45-9708-019B960494DF}">
-              <a14:hiddenLine xmlns:a14="http://schemas.microsoft.com/office/drawing/2010/main" xmlns="" w="9525">
+              <a14:hiddenLine xmlns="" xmlns:a14="http://schemas.microsoft.com/office/drawing/2010/main" w="9525">
                 <a:solidFill>
                   <a:schemeClr val="tx1"/>
                 </a:solidFill>
@@ -5304,7 +6450,7 @@
     </p:spTree>
     <p:extLst>
       <p:ext uri="{BB962C8B-B14F-4D97-AF65-F5344CB8AC3E}">
-        <p14:creationId xmlns:p14="http://schemas.microsoft.com/office/powerpoint/2010/main" xmlns="" val="2600785295"/>
+        <p14:creationId xmlns="" xmlns:p14="http://schemas.microsoft.com/office/powerpoint/2010/main" val="2600785295"/>
       </p:ext>
     </p:extLst>
   </p:cSld>
@@ -5312,7 +6458,7 @@
     <a:masterClrMapping/>
   </p:clrMapOvr>
   <mc:AlternateContent xmlns:mc="http://schemas.openxmlformats.org/markup-compatibility/2006">
-    <mc:Choice xmlns:p14="http://schemas.microsoft.com/office/powerpoint/2010/main" xmlns="" Requires="p14">
+    <mc:Choice xmlns="" xmlns:p14="http://schemas.microsoft.com/office/powerpoint/2010/main" Requires="p14">
       <p:transition p14:dur="250">
         <p:wipe/>
       </p:transition>
@@ -5485,7 +6631,7 @@
           <a:blip r:embed="rId2">
             <a:extLst>
               <a:ext uri="{28A0092B-C50C-407E-A947-70E740481C1C}">
-                <a14:useLocalDpi xmlns:a14="http://schemas.microsoft.com/office/drawing/2010/main" xmlns="" val="0"/>
+                <a14:useLocalDpi xmlns="" xmlns:a14="http://schemas.microsoft.com/office/drawing/2010/main" val="0"/>
               </a:ext>
             </a:extLst>
           </a:blip>
@@ -5506,7 +6652,7 @@
     </p:spTree>
     <p:extLst>
       <p:ext uri="{BB962C8B-B14F-4D97-AF65-F5344CB8AC3E}">
-        <p14:creationId xmlns:p14="http://schemas.microsoft.com/office/powerpoint/2010/main" xmlns="" val="1934117471"/>
+        <p14:creationId xmlns="" xmlns:p14="http://schemas.microsoft.com/office/powerpoint/2010/main" val="1934117471"/>
       </p:ext>
     </p:extLst>
   </p:cSld>
@@ -5514,7 +6660,7 @@
     <a:masterClrMapping/>
   </p:clrMapOvr>
   <mc:AlternateContent xmlns:mc="http://schemas.openxmlformats.org/markup-compatibility/2006">
-    <mc:Choice xmlns:p14="http://schemas.microsoft.com/office/powerpoint/2010/main" xmlns="" Requires="p14">
+    <mc:Choice xmlns="" xmlns:p14="http://schemas.microsoft.com/office/powerpoint/2010/main" Requires="p14">
       <p:transition p14:dur="250">
         <p:wipe/>
       </p:transition>
@@ -6066,7 +7212,7 @@
             <a:blip r:embed="rId2">
               <a:extLst>
                 <a:ext uri="{28A0092B-C50C-407E-A947-70E740481C1C}">
-                  <a14:useLocalDpi xmlns:a14="http://schemas.microsoft.com/office/drawing/2010/main" xmlns="" val="0"/>
+                  <a14:useLocalDpi xmlns="" xmlns:a14="http://schemas.microsoft.com/office/drawing/2010/main" val="0"/>
                 </a:ext>
               </a:extLst>
             </a:blip>
@@ -6096,7 +7242,7 @@
             <a:blip r:embed="rId3">
               <a:extLst>
                 <a:ext uri="{28A0092B-C50C-407E-A947-70E740481C1C}">
-                  <a14:useLocalDpi xmlns:a14="http://schemas.microsoft.com/office/drawing/2010/main" xmlns="" val="0"/>
+                  <a14:useLocalDpi xmlns="" xmlns:a14="http://schemas.microsoft.com/office/drawing/2010/main" val="0"/>
                 </a:ext>
               </a:extLst>
             </a:blip>
@@ -6150,7 +7296,7 @@
     </p:spTree>
     <p:extLst>
       <p:ext uri="{BB962C8B-B14F-4D97-AF65-F5344CB8AC3E}">
-        <p14:creationId xmlns:p14="http://schemas.microsoft.com/office/powerpoint/2010/main" xmlns="" val="2630071396"/>
+        <p14:creationId xmlns="" xmlns:p14="http://schemas.microsoft.com/office/powerpoint/2010/main" val="2630071396"/>
       </p:ext>
     </p:extLst>
   </p:cSld>
@@ -6158,7 +7304,7 @@
     <a:masterClrMapping/>
   </p:clrMapOvr>
   <mc:AlternateContent xmlns:mc="http://schemas.openxmlformats.org/markup-compatibility/2006">
-    <mc:Choice xmlns:p14="http://schemas.microsoft.com/office/powerpoint/2010/main" xmlns="" Requires="p14">
+    <mc:Choice xmlns="" xmlns:p14="http://schemas.microsoft.com/office/powerpoint/2010/main" Requires="p14">
       <p:transition p14:dur="250">
         <p:wipe/>
       </p:transition>
@@ -6404,7 +7550,7 @@
     </p:spTree>
     <p:extLst>
       <p:ext uri="{BB962C8B-B14F-4D97-AF65-F5344CB8AC3E}">
-        <p14:creationId xmlns:p14="http://schemas.microsoft.com/office/powerpoint/2010/main" xmlns="" val="1510925385"/>
+        <p14:creationId xmlns="" xmlns:p14="http://schemas.microsoft.com/office/powerpoint/2010/main" val="1510925385"/>
       </p:ext>
     </p:extLst>
   </p:cSld>
@@ -6412,7 +7558,7 @@
     <a:masterClrMapping/>
   </p:clrMapOvr>
   <mc:AlternateContent xmlns:mc="http://schemas.openxmlformats.org/markup-compatibility/2006">
-    <mc:Choice xmlns:p14="http://schemas.microsoft.com/office/powerpoint/2010/main" xmlns="" Requires="p14">
+    <mc:Choice xmlns="" xmlns:p14="http://schemas.microsoft.com/office/powerpoint/2010/main" Requires="p14">
       <p:transition p14:dur="250">
         <p:wipe/>
       </p:transition>
@@ -6658,7 +7804,7 @@
     </p:spTree>
     <p:extLst>
       <p:ext uri="{BB962C8B-B14F-4D97-AF65-F5344CB8AC3E}">
-        <p14:creationId xmlns:p14="http://schemas.microsoft.com/office/powerpoint/2010/main" xmlns="" val="427055019"/>
+        <p14:creationId xmlns="" xmlns:p14="http://schemas.microsoft.com/office/powerpoint/2010/main" val="427055019"/>
       </p:ext>
     </p:extLst>
   </p:cSld>
@@ -6666,7 +7812,7 @@
     <a:masterClrMapping/>
   </p:clrMapOvr>
   <mc:AlternateContent xmlns:mc="http://schemas.openxmlformats.org/markup-compatibility/2006">
-    <mc:Choice xmlns:p14="http://schemas.microsoft.com/office/powerpoint/2010/main" xmlns="" Requires="p14">
+    <mc:Choice xmlns="" xmlns:p14="http://schemas.microsoft.com/office/powerpoint/2010/main" Requires="p14">
       <p:transition p14:dur="250">
         <p:wipe/>
       </p:transition>
@@ -7290,7 +8436,7 @@
     </p:spTree>
     <p:extLst>
       <p:ext uri="{BB962C8B-B14F-4D97-AF65-F5344CB8AC3E}">
-        <p14:creationId xmlns:p14="http://schemas.microsoft.com/office/powerpoint/2010/main" xmlns="" val="2849087670"/>
+        <p14:creationId xmlns="" xmlns:p14="http://schemas.microsoft.com/office/powerpoint/2010/main" val="2849087670"/>
       </p:ext>
     </p:extLst>
   </p:cSld>
@@ -7298,7 +8444,7 @@
     <a:masterClrMapping/>
   </p:clrMapOvr>
   <mc:AlternateContent xmlns:mc="http://schemas.openxmlformats.org/markup-compatibility/2006">
-    <mc:Choice xmlns:p14="http://schemas.microsoft.com/office/powerpoint/2010/main" xmlns="" Requires="p14">
+    <mc:Choice xmlns="" xmlns:p14="http://schemas.microsoft.com/office/powerpoint/2010/main" Requires="p14">
       <p:transition p14:dur="250">
         <p:wipe/>
       </p:transition>
@@ -7451,7 +8597,7 @@
     </p:spTree>
     <p:extLst>
       <p:ext uri="{BB962C8B-B14F-4D97-AF65-F5344CB8AC3E}">
-        <p14:creationId xmlns:p14="http://schemas.microsoft.com/office/powerpoint/2010/main" xmlns="" val="3470692831"/>
+        <p14:creationId xmlns="" xmlns:p14="http://schemas.microsoft.com/office/powerpoint/2010/main" val="3470692831"/>
       </p:ext>
     </p:extLst>
   </p:cSld>
@@ -7459,7 +8605,7 @@
     <a:masterClrMapping/>
   </p:clrMapOvr>
   <mc:AlternateContent xmlns:mc="http://schemas.openxmlformats.org/markup-compatibility/2006">
-    <mc:Choice xmlns:p14="http://schemas.microsoft.com/office/powerpoint/2010/main" xmlns="" Requires="p14">
+    <mc:Choice xmlns="" xmlns:p14="http://schemas.microsoft.com/office/powerpoint/2010/main" Requires="p14">
       <p:transition p14:dur="250">
         <p:wipe/>
       </p:transition>

--- a/Rxjs分享/New Microsoft PowerPoint Presentation.pptx
+++ b/Rxjs分享/New Microsoft PowerPoint Presentation.pptx
@@ -5,7 +5,7 @@
     <p:sldMasterId id="2147484068" r:id="rId1"/>
   </p:sldMasterIdLst>
   <p:notesMasterIdLst>
-    <p:notesMasterId r:id="rId19"/>
+    <p:notesMasterId r:id="rId24"/>
   </p:notesMasterIdLst>
   <p:sldIdLst>
     <p:sldId id="256" r:id="rId2"/>
@@ -25,6 +25,11 @@
     <p:sldId id="269" r:id="rId16"/>
     <p:sldId id="270" r:id="rId17"/>
     <p:sldId id="271" r:id="rId18"/>
+    <p:sldId id="273" r:id="rId19"/>
+    <p:sldId id="274" r:id="rId20"/>
+    <p:sldId id="275" r:id="rId21"/>
+    <p:sldId id="276" r:id="rId22"/>
+    <p:sldId id="277" r:id="rId23"/>
   </p:sldIdLst>
   <p:sldSz cx="9144000" cy="6858000" type="screen4x3"/>
   <p:notesSz cx="6858000" cy="9144000"/>
@@ -209,7 +214,7 @@
             <a:fld id="{B982C8BE-389F-40A7-95A8-6B0C0DC9EFF0}" type="datetimeFigureOut">
               <a:rPr lang="zh-CN" altLang="en-US" smtClean="0"/>
               <a:pPr/>
-              <a:t>2017/6/15</a:t>
+              <a:t>2017/6/23</a:t>
             </a:fld>
             <a:endParaRPr lang="zh-CN" altLang="en-US"/>
           </a:p>
@@ -378,7 +383,7 @@
     </p:spTree>
     <p:extLst>
       <p:ext uri="{BB962C8B-B14F-4D97-AF65-F5344CB8AC3E}">
-        <p14:creationId xmlns="" xmlns:p14="http://schemas.microsoft.com/office/powerpoint/2010/main" val="1312398245"/>
+        <p14:creationId xmlns:p14="http://schemas.microsoft.com/office/powerpoint/2010/main" xmlns="" val="1312398245"/>
       </p:ext>
     </p:extLst>
   </p:cSld>
@@ -1137,7 +1142,7 @@
             <a:fld id="{1D8BD707-D9CF-40AE-B4C6-C98DA3205C09}" type="datetimeFigureOut">
               <a:rPr lang="en-US" smtClean="0"/>
               <a:pPr/>
-              <a:t>6/15/2017</a:t>
+              <a:t>6/23/2017</a:t>
             </a:fld>
             <a:endParaRPr lang="en-US"/>
           </a:p>
@@ -1210,7 +1215,7 @@
     <a:masterClrMapping/>
   </p:clrMapOvr>
   <mc:AlternateContent xmlns:mc="http://schemas.openxmlformats.org/markup-compatibility/2006">
-    <mc:Choice xmlns="" xmlns:p14="http://schemas.microsoft.com/office/powerpoint/2010/main" Requires="p14">
+    <mc:Choice xmlns:p14="http://schemas.microsoft.com/office/powerpoint/2010/main" xmlns="" Requires="p14">
       <p:transition p14:dur="250">
         <p:wipe/>
       </p:transition>
@@ -1393,7 +1398,7 @@
           <a:blip r:embed="rId2" cstate="print">
             <a:extLst>
               <a:ext uri="{28A0092B-C50C-407E-A947-70E740481C1C}">
-                <a14:useLocalDpi xmlns="" xmlns:a14="http://schemas.microsoft.com/office/drawing/2010/main" val="0"/>
+                <a14:useLocalDpi xmlns:a14="http://schemas.microsoft.com/office/drawing/2010/main" xmlns="" val="0"/>
               </a:ext>
             </a:extLst>
           </a:blip>
@@ -1461,7 +1466,7 @@
     <a:masterClrMapping/>
   </p:clrMapOvr>
   <mc:AlternateContent xmlns:mc="http://schemas.openxmlformats.org/markup-compatibility/2006">
-    <mc:Choice xmlns="" xmlns:p14="http://schemas.microsoft.com/office/powerpoint/2010/main" Requires="p14">
+    <mc:Choice xmlns:p14="http://schemas.microsoft.com/office/powerpoint/2010/main" xmlns="" Requires="p14">
       <p:transition p14:dur="250">
         <p:wipe/>
       </p:transition>
@@ -2251,7 +2256,7 @@
             <a:fld id="{1D8BD707-D9CF-40AE-B4C6-C98DA3205C09}" type="datetimeFigureOut">
               <a:rPr lang="en-US" smtClean="0"/>
               <a:pPr/>
-              <a:t>6/15/2017</a:t>
+              <a:t>6/23/2017</a:t>
             </a:fld>
             <a:endParaRPr lang="en-US"/>
           </a:p>
@@ -2340,7 +2345,7 @@
     <p:sldLayoutId id="2147484070" r:id="rId2"/>
   </p:sldLayoutIdLst>
   <mc:AlternateContent xmlns:mc="http://schemas.openxmlformats.org/markup-compatibility/2006">
-    <mc:Choice xmlns="" xmlns:p14="http://schemas.microsoft.com/office/powerpoint/2010/main" Requires="p14">
+    <mc:Choice xmlns:p14="http://schemas.microsoft.com/office/powerpoint/2010/main" xmlns="" Requires="p14">
       <p:transition p14:dur="250">
         <p:wipe/>
       </p:transition>
@@ -2705,10 +2710,10 @@
           <p:nvPr/>
         </p:nvPicPr>
         <p:blipFill>
-          <a:blip r:embed="rId2">
+          <a:blip r:embed="rId2" cstate="print">
             <a:extLst>
               <a:ext uri="{28A0092B-C50C-407E-A947-70E740481C1C}">
-                <a14:useLocalDpi xmlns="" xmlns:a14="http://schemas.microsoft.com/office/drawing/2010/main" val="0"/>
+                <a14:useLocalDpi xmlns:a14="http://schemas.microsoft.com/office/drawing/2010/main" xmlns="" val="0"/>
               </a:ext>
             </a:extLst>
           </a:blip>
@@ -2840,10 +2845,10 @@
           <p:nvPr/>
         </p:nvPicPr>
         <p:blipFill>
-          <a:blip r:embed="rId3">
+          <a:blip r:embed="rId3" cstate="print">
             <a:extLst>
               <a:ext uri="{28A0092B-C50C-407E-A947-70E740481C1C}">
-                <a14:useLocalDpi xmlns="" xmlns:a14="http://schemas.microsoft.com/office/drawing/2010/main" val="0"/>
+                <a14:useLocalDpi xmlns:a14="http://schemas.microsoft.com/office/drawing/2010/main" xmlns="" val="0"/>
               </a:ext>
             </a:extLst>
           </a:blip>
@@ -2864,7 +2869,7 @@
     </p:spTree>
     <p:extLst>
       <p:ext uri="{BB962C8B-B14F-4D97-AF65-F5344CB8AC3E}">
-        <p14:creationId xmlns="" xmlns:p14="http://schemas.microsoft.com/office/powerpoint/2010/main" val="3735497952"/>
+        <p14:creationId xmlns:p14="http://schemas.microsoft.com/office/powerpoint/2010/main" xmlns="" val="3735497952"/>
       </p:ext>
     </p:extLst>
   </p:cSld>
@@ -2872,7 +2877,7 @@
     <a:masterClrMapping/>
   </p:clrMapOvr>
   <mc:AlternateContent xmlns:mc="http://schemas.openxmlformats.org/markup-compatibility/2006">
-    <mc:Choice xmlns="" xmlns:p14="http://schemas.microsoft.com/office/powerpoint/2010/main" Requires="p14">
+    <mc:Choice xmlns:p14="http://schemas.microsoft.com/office/powerpoint/2010/main" xmlns="" Requires="p14">
       <p:transition p14:dur="250">
         <p:wipe/>
       </p:transition>
@@ -3092,7 +3097,7 @@
     </p:spTree>
     <p:extLst>
       <p:ext uri="{BB962C8B-B14F-4D97-AF65-F5344CB8AC3E}">
-        <p14:creationId xmlns="" xmlns:p14="http://schemas.microsoft.com/office/powerpoint/2010/main" val="312366571"/>
+        <p14:creationId xmlns:p14="http://schemas.microsoft.com/office/powerpoint/2010/main" xmlns="" val="312366571"/>
       </p:ext>
     </p:extLst>
   </p:cSld>
@@ -3100,7 +3105,7 @@
     <a:masterClrMapping/>
   </p:clrMapOvr>
   <mc:AlternateContent xmlns:mc="http://schemas.openxmlformats.org/markup-compatibility/2006">
-    <mc:Choice xmlns="" xmlns:p14="http://schemas.microsoft.com/office/powerpoint/2010/main" Requires="p14">
+    <mc:Choice xmlns:p14="http://schemas.microsoft.com/office/powerpoint/2010/main" xmlns="" Requires="p14">
       <p:transition p14:dur="250">
         <p:wipe/>
       </p:transition>
@@ -3519,10 +3524,10 @@
           <p:nvPr/>
         </p:nvPicPr>
         <p:blipFill>
-          <a:blip r:embed="rId2">
+          <a:blip r:embed="rId2" cstate="print">
             <a:extLst>
               <a:ext uri="{28A0092B-C50C-407E-A947-70E740481C1C}">
-                <a14:useLocalDpi xmlns="" xmlns:a14="http://schemas.microsoft.com/office/drawing/2010/main" val="0"/>
+                <a14:useLocalDpi xmlns:a14="http://schemas.microsoft.com/office/drawing/2010/main" xmlns="" val="0"/>
               </a:ext>
             </a:extLst>
           </a:blip>
@@ -3604,7 +3609,7 @@
           <p:nvPr>
             <p:extLst>
               <p:ext uri="{D42A27DB-BD31-4B8C-83A1-F6EECF244321}">
-                <p14:modId xmlns="" xmlns:p14="http://schemas.microsoft.com/office/powerpoint/2010/main" val="1221019657"/>
+                <p14:modId xmlns:p14="http://schemas.microsoft.com/office/powerpoint/2010/main" xmlns="" val="1221019657"/>
               </p:ext>
             </p:extLst>
           </p:nvPr>
@@ -3848,7 +3853,7 @@
     </p:spTree>
     <p:extLst>
       <p:ext uri="{BB962C8B-B14F-4D97-AF65-F5344CB8AC3E}">
-        <p14:creationId xmlns="" xmlns:p14="http://schemas.microsoft.com/office/powerpoint/2010/main" val="1321851913"/>
+        <p14:creationId xmlns:p14="http://schemas.microsoft.com/office/powerpoint/2010/main" xmlns="" val="1321851913"/>
       </p:ext>
     </p:extLst>
   </p:cSld>
@@ -3856,7 +3861,7 @@
     <a:masterClrMapping/>
   </p:clrMapOvr>
   <mc:AlternateContent xmlns:mc="http://schemas.openxmlformats.org/markup-compatibility/2006">
-    <mc:Choice xmlns="" xmlns:p14="http://schemas.microsoft.com/office/powerpoint/2010/main" Requires="p14">
+    <mc:Choice xmlns:p14="http://schemas.microsoft.com/office/powerpoint/2010/main" xmlns="" Requires="p14">
       <p:transition p14:dur="250">
         <p:wipe/>
       </p:transition>
@@ -3953,10 +3958,10 @@
           <p:nvPr/>
         </p:nvPicPr>
         <p:blipFill>
-          <a:blip r:embed="rId2">
+          <a:blip r:embed="rId2" cstate="print">
             <a:extLst>
               <a:ext uri="{28A0092B-C50C-407E-A947-70E740481C1C}">
-                <a14:useLocalDpi xmlns="" xmlns:a14="http://schemas.microsoft.com/office/drawing/2010/main" val="0"/>
+                <a14:useLocalDpi xmlns:a14="http://schemas.microsoft.com/office/drawing/2010/main" xmlns="" val="0"/>
               </a:ext>
             </a:extLst>
           </a:blip>
@@ -3979,14 +3984,14 @@
           </a:ln>
           <a:extLst>
             <a:ext uri="{909E8E84-426E-40DD-AFC4-6F175D3DCCD1}">
-              <a14:hiddenFill xmlns="" xmlns:a14="http://schemas.microsoft.com/office/drawing/2010/main">
+              <a14:hiddenFill xmlns:a14="http://schemas.microsoft.com/office/drawing/2010/main" xmlns="">
                 <a:solidFill>
                   <a:schemeClr val="accent1"/>
                 </a:solidFill>
               </a14:hiddenFill>
             </a:ext>
             <a:ext uri="{91240B29-F687-4F45-9708-019B960494DF}">
-              <a14:hiddenLine xmlns="" xmlns:a14="http://schemas.microsoft.com/office/drawing/2010/main" w="9525">
+              <a14:hiddenLine xmlns:a14="http://schemas.microsoft.com/office/drawing/2010/main" xmlns="" w="9525">
                 <a:solidFill>
                   <a:schemeClr val="tx1"/>
                 </a:solidFill>
@@ -4176,10 +4181,10 @@
           <p:nvPr/>
         </p:nvPicPr>
         <p:blipFill>
-          <a:blip r:embed="rId3">
+          <a:blip r:embed="rId3" cstate="print">
             <a:extLst>
               <a:ext uri="{28A0092B-C50C-407E-A947-70E740481C1C}">
-                <a14:useLocalDpi xmlns="" xmlns:a14="http://schemas.microsoft.com/office/drawing/2010/main" val="0"/>
+                <a14:useLocalDpi xmlns:a14="http://schemas.microsoft.com/office/drawing/2010/main" xmlns="" val="0"/>
               </a:ext>
             </a:extLst>
           </a:blip>
@@ -4202,14 +4207,14 @@
           </a:ln>
           <a:extLst>
             <a:ext uri="{909E8E84-426E-40DD-AFC4-6F175D3DCCD1}">
-              <a14:hiddenFill xmlns="" xmlns:a14="http://schemas.microsoft.com/office/drawing/2010/main">
+              <a14:hiddenFill xmlns:a14="http://schemas.microsoft.com/office/drawing/2010/main" xmlns="">
                 <a:solidFill>
                   <a:schemeClr val="accent1"/>
                 </a:solidFill>
               </a14:hiddenFill>
             </a:ext>
             <a:ext uri="{91240B29-F687-4F45-9708-019B960494DF}">
-              <a14:hiddenLine xmlns="" xmlns:a14="http://schemas.microsoft.com/office/drawing/2010/main" w="9525">
+              <a14:hiddenLine xmlns:a14="http://schemas.microsoft.com/office/drawing/2010/main" xmlns="" w="9525">
                 <a:solidFill>
                   <a:schemeClr val="tx1"/>
                 </a:solidFill>
@@ -4337,7 +4342,7 @@
     </p:spTree>
     <p:extLst>
       <p:ext uri="{BB962C8B-B14F-4D97-AF65-F5344CB8AC3E}">
-        <p14:creationId xmlns="" xmlns:p14="http://schemas.microsoft.com/office/powerpoint/2010/main" val="3510813061"/>
+        <p14:creationId xmlns:p14="http://schemas.microsoft.com/office/powerpoint/2010/main" xmlns="" val="3510813061"/>
       </p:ext>
     </p:extLst>
   </p:cSld>
@@ -4345,7 +4350,7 @@
     <a:masterClrMapping/>
   </p:clrMapOvr>
   <mc:AlternateContent xmlns:mc="http://schemas.openxmlformats.org/markup-compatibility/2006">
-    <mc:Choice xmlns="" xmlns:p14="http://schemas.microsoft.com/office/powerpoint/2010/main" Requires="p14">
+    <mc:Choice xmlns:p14="http://schemas.microsoft.com/office/powerpoint/2010/main" xmlns="" Requires="p14">
       <p:transition p14:dur="250">
         <p:wipe/>
       </p:transition>
@@ -4628,7 +4633,7 @@
     </p:spTree>
     <p:extLst>
       <p:ext uri="{BB962C8B-B14F-4D97-AF65-F5344CB8AC3E}">
-        <p14:creationId xmlns="" xmlns:p14="http://schemas.microsoft.com/office/powerpoint/2010/main" val="1090179234"/>
+        <p14:creationId xmlns:p14="http://schemas.microsoft.com/office/powerpoint/2010/main" xmlns="" val="1090179234"/>
       </p:ext>
     </p:extLst>
   </p:cSld>
@@ -4636,7 +4641,7 @@
     <a:masterClrMapping/>
   </p:clrMapOvr>
   <mc:AlternateContent xmlns:mc="http://schemas.openxmlformats.org/markup-compatibility/2006">
-    <mc:Choice xmlns="" xmlns:p14="http://schemas.microsoft.com/office/powerpoint/2010/main" Requires="p14">
+    <mc:Choice xmlns:p14="http://schemas.microsoft.com/office/powerpoint/2010/main" xmlns="" Requires="p14">
       <p:transition p14:dur="250">
         <p:wipe/>
       </p:transition>
@@ -4765,7 +4770,7 @@
         <p:spPr>
           <a:xfrm>
             <a:off x="370114" y="2115941"/>
-            <a:ext cx="8534400" cy="1455935"/>
+            <a:ext cx="8534400" cy="1025027"/>
           </a:xfrm>
         </p:spPr>
         <p:style>
@@ -4884,7 +4889,7 @@
               <a:t>complete</a:t>
             </a:r>
             <a:r>
-              <a:rPr lang="zh-CN" altLang="en-US" sz="1800" smtClean="0">
+              <a:rPr lang="zh-CN" altLang="en-US" sz="1800" dirty="0" smtClean="0">
                 <a:solidFill>
                   <a:schemeClr val="tx1"/>
                 </a:solidFill>
@@ -4902,7 +4907,7 @@
     </p:spTree>
     <p:extLst>
       <p:ext uri="{BB962C8B-B14F-4D97-AF65-F5344CB8AC3E}">
-        <p14:creationId xmlns="" xmlns:p14="http://schemas.microsoft.com/office/powerpoint/2010/main" val="1090179234"/>
+        <p14:creationId xmlns:p14="http://schemas.microsoft.com/office/powerpoint/2010/main" xmlns="" val="1090179234"/>
       </p:ext>
     </p:extLst>
   </p:cSld>
@@ -4910,7 +4915,7 @@
     <a:masterClrMapping/>
   </p:clrMapOvr>
   <mc:AlternateContent xmlns:mc="http://schemas.openxmlformats.org/markup-compatibility/2006">
-    <mc:Choice xmlns="" xmlns:p14="http://schemas.microsoft.com/office/powerpoint/2010/main" Requires="p14">
+    <mc:Choice xmlns:p14="http://schemas.microsoft.com/office/powerpoint/2010/main" xmlns="" Requires="p14">
       <p:transition p14:dur="250">
         <p:wipe/>
       </p:transition>
@@ -5127,7 +5132,7 @@
     </p:spTree>
     <p:extLst>
       <p:ext uri="{BB962C8B-B14F-4D97-AF65-F5344CB8AC3E}">
-        <p14:creationId xmlns="" xmlns:p14="http://schemas.microsoft.com/office/powerpoint/2010/main" val="1090179234"/>
+        <p14:creationId xmlns:p14="http://schemas.microsoft.com/office/powerpoint/2010/main" xmlns="" val="1090179234"/>
       </p:ext>
     </p:extLst>
   </p:cSld>
@@ -5135,7 +5140,7 @@
     <a:masterClrMapping/>
   </p:clrMapOvr>
   <mc:AlternateContent xmlns:mc="http://schemas.openxmlformats.org/markup-compatibility/2006">
-    <mc:Choice xmlns="" xmlns:p14="http://schemas.microsoft.com/office/powerpoint/2010/main" Requires="p14">
+    <mc:Choice xmlns:p14="http://schemas.microsoft.com/office/powerpoint/2010/main" xmlns="" Requires="p14">
       <p:transition p14:dur="250">
         <p:wipe/>
       </p:transition>
@@ -5338,7 +5343,7 @@
     </p:spTree>
     <p:extLst>
       <p:ext uri="{BB962C8B-B14F-4D97-AF65-F5344CB8AC3E}">
-        <p14:creationId xmlns="" xmlns:p14="http://schemas.microsoft.com/office/powerpoint/2010/main" val="1090179234"/>
+        <p14:creationId xmlns:p14="http://schemas.microsoft.com/office/powerpoint/2010/main" xmlns="" val="1090179234"/>
       </p:ext>
     </p:extLst>
   </p:cSld>
@@ -5346,7 +5351,7 @@
     <a:masterClrMapping/>
   </p:clrMapOvr>
   <mc:AlternateContent xmlns:mc="http://schemas.openxmlformats.org/markup-compatibility/2006">
-    <mc:Choice xmlns="" xmlns:p14="http://schemas.microsoft.com/office/powerpoint/2010/main" Requires="p14">
+    <mc:Choice xmlns:p14="http://schemas.microsoft.com/office/powerpoint/2010/main" xmlns="" Requires="p14">
       <p:transition p14:dur="250">
         <p:wipe/>
       </p:transition>
@@ -5409,7 +5414,6 @@
               <a:rPr lang="en-US" altLang="zh-CN" dirty="0" smtClean="0"/>
               <a:t>——Subject</a:t>
             </a:r>
-            <a:endParaRPr lang="en-US" altLang="zh-CN" dirty="0" smtClean="0"/>
           </a:p>
         </p:txBody>
       </p:sp>
@@ -5426,7 +5430,7 @@
         <p:spPr>
           <a:xfrm>
             <a:off x="370114" y="2115941"/>
-            <a:ext cx="8534400" cy="1384497"/>
+            <a:ext cx="8534400" cy="1529083"/>
           </a:xfrm>
         </p:spPr>
         <p:style>
@@ -5463,15 +5467,7 @@
                   <a:schemeClr val="tx1"/>
                 </a:solidFill>
               </a:rPr>
-              <a:t>也</a:t>
-            </a:r>
-            <a:r>
-              <a:rPr lang="zh-CN" altLang="en-US" sz="1800" dirty="0" smtClean="0">
-                <a:solidFill>
-                  <a:schemeClr val="tx1"/>
-                </a:solidFill>
-              </a:rPr>
-              <a:t>是一种的</a:t>
+              <a:t>也是一种的</a:t>
             </a:r>
             <a:r>
               <a:rPr lang="en-US" altLang="zh-CN" sz="1800" dirty="0" smtClean="0">
@@ -5748,7 +5744,7 @@
     </p:spTree>
     <p:extLst>
       <p:ext uri="{BB962C8B-B14F-4D97-AF65-F5344CB8AC3E}">
-        <p14:creationId xmlns="" xmlns:p14="http://schemas.microsoft.com/office/powerpoint/2010/main" val="1090179234"/>
+        <p14:creationId xmlns:p14="http://schemas.microsoft.com/office/powerpoint/2010/main" xmlns="" val="1090179234"/>
       </p:ext>
     </p:extLst>
   </p:cSld>
@@ -5756,7 +5752,942 @@
     <a:masterClrMapping/>
   </p:clrMapOvr>
   <mc:AlternateContent xmlns:mc="http://schemas.openxmlformats.org/markup-compatibility/2006">
-    <mc:Choice xmlns="" xmlns:p14="http://schemas.microsoft.com/office/powerpoint/2010/main" Requires="p14">
+    <mc:Choice xmlns:p14="http://schemas.microsoft.com/office/powerpoint/2010/main" xmlns="" Requires="p14">
+      <p:transition p14:dur="250">
+        <p:wipe/>
+      </p:transition>
+    </mc:Choice>
+    <mc:Fallback>
+      <p:transition>
+        <p:wipe/>
+      </p:transition>
+    </mc:Fallback>
+  </mc:AlternateContent>
+  <p:timing>
+    <p:tnLst>
+      <p:par>
+        <p:cTn id="1" dur="indefinite" restart="never" nodeType="tmRoot"/>
+      </p:par>
+    </p:tnLst>
+  </p:timing>
+</p:sld>
+</file>
+
+<file path=ppt/slides/slide18.xml><?xml version="1.0" encoding="utf-8"?>
+<p:sld xmlns:a="http://schemas.openxmlformats.org/drawingml/2006/main" xmlns:r="http://schemas.openxmlformats.org/officeDocument/2006/relationships" xmlns:p="http://schemas.openxmlformats.org/presentationml/2006/main">
+  <p:cSld>
+    <p:spTree>
+      <p:nvGrpSpPr>
+        <p:cNvPr id="1" name=""/>
+        <p:cNvGrpSpPr/>
+        <p:nvPr/>
+      </p:nvGrpSpPr>
+      <p:grpSpPr>
+        <a:xfrm>
+          <a:off x="0" y="0"/>
+          <a:ext cx="0" cy="0"/>
+          <a:chOff x="0" y="0"/>
+          <a:chExt cx="0" cy="0"/>
+        </a:xfrm>
+      </p:grpSpPr>
+      <p:sp>
+        <p:nvSpPr>
+          <p:cNvPr id="2" name="Title 1"/>
+          <p:cNvSpPr>
+            <a:spLocks noGrp="1"/>
+          </p:cNvSpPr>
+          <p:nvPr>
+            <p:ph type="title"/>
+          </p:nvPr>
+        </p:nvSpPr>
+        <p:spPr/>
+        <p:txBody>
+          <a:bodyPr>
+            <a:normAutofit/>
+          </a:bodyPr>
+          <a:lstStyle/>
+          <a:p>
+            <a:r>
+              <a:rPr lang="en-US" altLang="zh-CN" dirty="0" err="1" smtClean="0"/>
+              <a:t>RxJS</a:t>
+            </a:r>
+            <a:r>
+              <a:rPr lang="en-US" altLang="zh-CN" dirty="0" smtClean="0"/>
+              <a:t>——Operators</a:t>
+            </a:r>
+          </a:p>
+        </p:txBody>
+      </p:sp>
+      <p:sp>
+        <p:nvSpPr>
+          <p:cNvPr id="12" name="Content Placeholder 2"/>
+          <p:cNvSpPr>
+            <a:spLocks noGrp="1"/>
+          </p:cNvSpPr>
+          <p:nvPr>
+            <p:ph idx="1"/>
+          </p:nvPr>
+        </p:nvSpPr>
+        <p:spPr>
+          <a:xfrm>
+            <a:off x="370114" y="2115941"/>
+            <a:ext cx="8534400" cy="1385067"/>
+          </a:xfrm>
+        </p:spPr>
+        <p:style>
+          <a:lnRef idx="2">
+            <a:schemeClr val="accent2"/>
+          </a:lnRef>
+          <a:fillRef idx="1">
+            <a:schemeClr val="lt1"/>
+          </a:fillRef>
+          <a:effectRef idx="0">
+            <a:schemeClr val="accent2"/>
+          </a:effectRef>
+          <a:fontRef idx="minor">
+            <a:schemeClr val="dk1"/>
+          </a:fontRef>
+        </p:style>
+        <p:txBody>
+          <a:bodyPr>
+            <a:noAutofit/>
+          </a:bodyPr>
+          <a:lstStyle/>
+          <a:p>
+            <a:r>
+              <a:rPr lang="en-US" altLang="zh-CN" sz="1800" dirty="0" smtClean="0">
+                <a:solidFill>
+                  <a:schemeClr val="tx1"/>
+                </a:solidFill>
+              </a:rPr>
+              <a:t>Operator</a:t>
+            </a:r>
+            <a:r>
+              <a:rPr lang="zh-CN" altLang="en-US" sz="1800" dirty="0" smtClean="0">
+                <a:solidFill>
+                  <a:schemeClr val="tx1"/>
+                </a:solidFill>
+              </a:rPr>
+              <a:t>是</a:t>
+            </a:r>
+            <a:r>
+              <a:rPr lang="en-US" altLang="zh-CN" sz="1800" dirty="0" smtClean="0">
+                <a:solidFill>
+                  <a:schemeClr val="tx1"/>
+                </a:solidFill>
+              </a:rPr>
+              <a:t>Observable</a:t>
+            </a:r>
+            <a:r>
+              <a:rPr lang="zh-CN" altLang="en-US" sz="1800" dirty="0" smtClean="0">
+                <a:solidFill>
+                  <a:schemeClr val="tx1"/>
+                </a:solidFill>
+              </a:rPr>
+              <a:t>类的一些</a:t>
+            </a:r>
+            <a:r>
+              <a:rPr lang="zh-CN" altLang="en-US" sz="1800" dirty="0" smtClean="0">
+                <a:solidFill>
+                  <a:srgbClr val="FF0000"/>
+                </a:solidFill>
+              </a:rPr>
+              <a:t>实例方法或静态方法</a:t>
+            </a:r>
+            <a:r>
+              <a:rPr lang="zh-CN" altLang="en-US" sz="1800" dirty="0" smtClean="0">
+                <a:solidFill>
+                  <a:schemeClr val="tx1"/>
+                </a:solidFill>
+              </a:rPr>
+              <a:t>，比如 </a:t>
+            </a:r>
+            <a:r>
+              <a:rPr lang="en-US" altLang="zh-CN" sz="1800" dirty="0" smtClean="0">
+                <a:solidFill>
+                  <a:schemeClr val="tx1"/>
+                </a:solidFill>
+              </a:rPr>
+              <a:t>.map()</a:t>
+            </a:r>
+            <a:r>
+              <a:rPr lang="zh-CN" altLang="en-US" sz="1800" dirty="0" smtClean="0">
+                <a:solidFill>
+                  <a:schemeClr val="tx1"/>
+                </a:solidFill>
+              </a:rPr>
+              <a:t>，</a:t>
+            </a:r>
+            <a:r>
+              <a:rPr lang="en-US" altLang="zh-CN" sz="1800" dirty="0" smtClean="0">
+                <a:solidFill>
+                  <a:schemeClr val="tx1"/>
+                </a:solidFill>
+              </a:rPr>
+              <a:t>.filter()</a:t>
+            </a:r>
+            <a:r>
+              <a:rPr lang="zh-CN" altLang="en-US" sz="1800" dirty="0" smtClean="0">
+                <a:solidFill>
+                  <a:schemeClr val="tx1"/>
+                </a:solidFill>
+              </a:rPr>
+              <a:t>，</a:t>
+            </a:r>
+            <a:r>
+              <a:rPr lang="en-US" altLang="zh-CN" sz="1800" dirty="0" smtClean="0">
+                <a:solidFill>
+                  <a:schemeClr val="tx1"/>
+                </a:solidFill>
+              </a:rPr>
+              <a:t> merge()</a:t>
+            </a:r>
+            <a:r>
+              <a:rPr lang="zh-CN" altLang="en-US" sz="1800" dirty="0" smtClean="0">
+                <a:solidFill>
+                  <a:schemeClr val="tx1"/>
+                </a:solidFill>
+              </a:rPr>
+              <a:t>，等等。当这些方法被调用时，它们会</a:t>
+            </a:r>
+            <a:r>
+              <a:rPr lang="zh-CN" altLang="en-US" sz="1800" dirty="0" smtClean="0">
+                <a:solidFill>
+                  <a:srgbClr val="FF0000"/>
+                </a:solidFill>
+              </a:rPr>
+              <a:t>根据各自不同的逻辑，基于当前的</a:t>
+            </a:r>
+            <a:r>
+              <a:rPr lang="en-US" altLang="zh-CN" sz="1800" dirty="0" smtClean="0">
+                <a:solidFill>
+                  <a:srgbClr val="FF0000"/>
+                </a:solidFill>
+              </a:rPr>
+              <a:t>Observable</a:t>
+            </a:r>
+            <a:r>
+              <a:rPr lang="zh-CN" altLang="en-US" sz="1800" dirty="0" smtClean="0">
+                <a:solidFill>
+                  <a:srgbClr val="FF0000"/>
+                </a:solidFill>
+              </a:rPr>
+              <a:t>，来创建并返回一个新的</a:t>
+            </a:r>
+            <a:r>
+              <a:rPr lang="en-US" altLang="zh-CN" sz="1800" dirty="0" smtClean="0">
+                <a:solidFill>
+                  <a:srgbClr val="FF0000"/>
+                </a:solidFill>
+              </a:rPr>
+              <a:t>Observable</a:t>
+            </a:r>
+            <a:r>
+              <a:rPr lang="zh-CN" altLang="en-US" sz="1800" dirty="0" smtClean="0">
+                <a:solidFill>
+                  <a:srgbClr val="FF0000"/>
+                </a:solidFill>
+              </a:rPr>
+              <a:t>实例</a:t>
+            </a:r>
+            <a:r>
+              <a:rPr lang="zh-CN" altLang="en-US" sz="1800" dirty="0" smtClean="0">
+                <a:solidFill>
+                  <a:schemeClr val="tx1"/>
+                </a:solidFill>
+              </a:rPr>
+              <a:t>。</a:t>
+            </a:r>
+            <a:endParaRPr lang="en-US" altLang="zh-CN" sz="1800" dirty="0" smtClean="0">
+              <a:solidFill>
+                <a:schemeClr val="tx1"/>
+              </a:solidFill>
+            </a:endParaRPr>
+          </a:p>
+          <a:p>
+            <a:r>
+              <a:rPr lang="en-US" altLang="zh-CN" sz="1800" dirty="0" smtClean="0">
+                <a:solidFill>
+                  <a:schemeClr val="tx1"/>
+                </a:solidFill>
+              </a:rPr>
+              <a:t>Operator</a:t>
+            </a:r>
+            <a:r>
+              <a:rPr lang="zh-CN" altLang="en-US" sz="1800" dirty="0" smtClean="0">
+                <a:solidFill>
+                  <a:schemeClr val="tx1"/>
+                </a:solidFill>
+              </a:rPr>
+              <a:t>都是纯函数，即调用</a:t>
+            </a:r>
+            <a:r>
+              <a:rPr lang="en-US" altLang="zh-CN" sz="1800" dirty="0" smtClean="0">
+                <a:solidFill>
+                  <a:schemeClr val="tx1"/>
+                </a:solidFill>
+              </a:rPr>
+              <a:t>Operator</a:t>
+            </a:r>
+            <a:r>
+              <a:rPr lang="zh-CN" altLang="en-US" sz="1800" dirty="0" smtClean="0">
+                <a:solidFill>
+                  <a:schemeClr val="tx1"/>
+                </a:solidFill>
+              </a:rPr>
+              <a:t>后，原</a:t>
+            </a:r>
+            <a:r>
+              <a:rPr lang="en-US" altLang="zh-CN" sz="1800" dirty="0" smtClean="0">
+                <a:solidFill>
+                  <a:schemeClr val="tx1"/>
+                </a:solidFill>
+              </a:rPr>
+              <a:t>Observable</a:t>
+            </a:r>
+            <a:r>
+              <a:rPr lang="zh-CN" altLang="en-US" sz="1800" dirty="0" smtClean="0">
+                <a:solidFill>
+                  <a:schemeClr val="tx1"/>
+                </a:solidFill>
+              </a:rPr>
+              <a:t>不会发生任何改变。</a:t>
+            </a:r>
+            <a:endParaRPr lang="en-US" altLang="zh-CN" sz="1800" dirty="0" smtClean="0">
+              <a:solidFill>
+                <a:schemeClr val="tx1"/>
+              </a:solidFill>
+            </a:endParaRPr>
+          </a:p>
+        </p:txBody>
+      </p:sp>
+      <p:sp>
+        <p:nvSpPr>
+          <p:cNvPr id="4" name="Rectangle 3"/>
+          <p:cNvSpPr/>
+          <p:nvPr/>
+        </p:nvSpPr>
+        <p:spPr>
+          <a:xfrm>
+            <a:off x="326569" y="1704945"/>
+            <a:ext cx="2034531" cy="369332"/>
+          </a:xfrm>
+          <a:prstGeom prst="rect">
+            <a:avLst/>
+          </a:prstGeom>
+        </p:spPr>
+        <p:txBody>
+          <a:bodyPr wrap="none">
+            <a:spAutoFit/>
+          </a:bodyPr>
+          <a:lstStyle/>
+          <a:p>
+            <a:r>
+              <a:rPr lang="zh-CN" altLang="en-US" dirty="0" smtClean="0">
+                <a:latin typeface="Segoe UI Historic" panose="020B0502040204020203" pitchFamily="34" charset="0"/>
+                <a:ea typeface="Segoe UI Historic" panose="020B0502040204020203" pitchFamily="34" charset="0"/>
+                <a:cs typeface="Segoe UI Historic" panose="020B0502040204020203" pitchFamily="34" charset="0"/>
+              </a:rPr>
+              <a:t>什么是</a:t>
+            </a:r>
+            <a:r>
+              <a:rPr lang="en-US" altLang="zh-CN" dirty="0" smtClean="0"/>
+              <a:t>Operator</a:t>
+            </a:r>
+            <a:r>
+              <a:rPr lang="zh-CN" altLang="en-US" dirty="0" smtClean="0">
+                <a:latin typeface="Segoe UI Historic" panose="020B0502040204020203" pitchFamily="34" charset="0"/>
+                <a:ea typeface="Segoe UI Historic" panose="020B0502040204020203" pitchFamily="34" charset="0"/>
+                <a:cs typeface="Segoe UI Historic" panose="020B0502040204020203" pitchFamily="34" charset="0"/>
+              </a:rPr>
+              <a:t>？</a:t>
+            </a:r>
+            <a:endParaRPr lang="en-US" altLang="zh-CN" dirty="0">
+              <a:latin typeface="Segoe UI Historic" panose="020B0502040204020203" pitchFamily="34" charset="0"/>
+              <a:ea typeface="Segoe UI Historic" panose="020B0502040204020203" pitchFamily="34" charset="0"/>
+              <a:cs typeface="Segoe UI Historic" panose="020B0502040204020203" pitchFamily="34" charset="0"/>
+            </a:endParaRPr>
+          </a:p>
+        </p:txBody>
+      </p:sp>
+      <p:sp>
+        <p:nvSpPr>
+          <p:cNvPr id="6" name="Rectangle 3"/>
+          <p:cNvSpPr/>
+          <p:nvPr/>
+        </p:nvSpPr>
+        <p:spPr>
+          <a:xfrm>
+            <a:off x="323528" y="3573016"/>
+            <a:ext cx="2027927" cy="369332"/>
+          </a:xfrm>
+          <a:prstGeom prst="rect">
+            <a:avLst/>
+          </a:prstGeom>
+        </p:spPr>
+        <p:txBody>
+          <a:bodyPr wrap="none">
+            <a:spAutoFit/>
+          </a:bodyPr>
+          <a:lstStyle/>
+          <a:p>
+            <a:r>
+              <a:rPr lang="zh-CN" altLang="en-US" dirty="0" smtClean="0">
+                <a:latin typeface="Segoe UI Historic" panose="020B0502040204020203" pitchFamily="34" charset="0"/>
+                <a:ea typeface="Segoe UI Historic" panose="020B0502040204020203" pitchFamily="34" charset="0"/>
+                <a:cs typeface="Segoe UI Historic" panose="020B0502040204020203" pitchFamily="34" charset="0"/>
+              </a:rPr>
+              <a:t>有哪些</a:t>
+            </a:r>
+            <a:r>
+              <a:rPr lang="en-US" altLang="zh-CN" dirty="0" smtClean="0">
+                <a:latin typeface="Segoe UI Historic" panose="020B0502040204020203" pitchFamily="34" charset="0"/>
+                <a:ea typeface="Segoe UI Historic" panose="020B0502040204020203" pitchFamily="34" charset="0"/>
+                <a:cs typeface="Segoe UI Historic" panose="020B0502040204020203" pitchFamily="34" charset="0"/>
+              </a:rPr>
+              <a:t>Operator</a:t>
+            </a:r>
+            <a:r>
+              <a:rPr lang="zh-CN" altLang="en-US" dirty="0" smtClean="0">
+                <a:latin typeface="Segoe UI Historic" panose="020B0502040204020203" pitchFamily="34" charset="0"/>
+                <a:ea typeface="Segoe UI Historic" panose="020B0502040204020203" pitchFamily="34" charset="0"/>
+                <a:cs typeface="Segoe UI Historic" panose="020B0502040204020203" pitchFamily="34" charset="0"/>
+              </a:rPr>
+              <a:t>？</a:t>
+            </a:r>
+            <a:endParaRPr lang="en-US" altLang="zh-CN" dirty="0">
+              <a:latin typeface="Segoe UI Historic" panose="020B0502040204020203" pitchFamily="34" charset="0"/>
+              <a:ea typeface="Segoe UI Historic" panose="020B0502040204020203" pitchFamily="34" charset="0"/>
+              <a:cs typeface="Segoe UI Historic" panose="020B0502040204020203" pitchFamily="34" charset="0"/>
+            </a:endParaRPr>
+          </a:p>
+        </p:txBody>
+      </p:sp>
+      <p:sp>
+        <p:nvSpPr>
+          <p:cNvPr id="8" name="Content Placeholder 2"/>
+          <p:cNvSpPr txBox="1">
+            <a:spLocks/>
+          </p:cNvSpPr>
+          <p:nvPr/>
+        </p:nvSpPr>
+        <p:spPr>
+          <a:xfrm>
+            <a:off x="395536" y="3933056"/>
+            <a:ext cx="8568952" cy="1656184"/>
+          </a:xfrm>
+          <a:prstGeom prst="rect">
+            <a:avLst/>
+          </a:prstGeom>
+        </p:spPr>
+        <p:style>
+          <a:lnRef idx="2">
+            <a:schemeClr val="accent2"/>
+          </a:lnRef>
+          <a:fillRef idx="1">
+            <a:schemeClr val="lt1"/>
+          </a:fillRef>
+          <a:effectRef idx="0">
+            <a:schemeClr val="accent2"/>
+          </a:effectRef>
+          <a:fontRef idx="minor">
+            <a:schemeClr val="dk1"/>
+          </a:fontRef>
+        </p:style>
+        <p:txBody>
+          <a:bodyPr vert="horz">
+            <a:noAutofit/>
+          </a:bodyPr>
+          <a:lstStyle/>
+          <a:p>
+            <a:pPr marL="365760" marR="0" lvl="0" indent="-256032" algn="l" defTabSz="914400" rtl="0" eaLnBrk="1" fontAlgn="auto" latinLnBrk="0" hangingPunct="1">
+              <a:lnSpc>
+                <a:spcPct val="100000"/>
+              </a:lnSpc>
+              <a:spcBef>
+                <a:spcPts val="300"/>
+              </a:spcBef>
+              <a:spcAft>
+                <a:spcPts val="0"/>
+              </a:spcAft>
+              <a:buClr>
+                <a:schemeClr val="accent3"/>
+              </a:buClr>
+              <a:buSzTx/>
+              <a:buFont typeface="Georgia"/>
+              <a:buChar char="•"/>
+              <a:tabLst/>
+              <a:defRPr/>
+            </a:pPr>
+            <a:r>
+              <a:rPr kumimoji="0" lang="zh-CN" altLang="en-US" sz="1800" b="0" i="0" u="none" strike="noStrike" kern="1200" cap="none" spc="0" normalizeH="0" baseline="0" noProof="0" dirty="0" smtClean="0">
+                <a:ln>
+                  <a:noFill/>
+                </a:ln>
+                <a:solidFill>
+                  <a:schemeClr val="tx1"/>
+                </a:solidFill>
+                <a:effectLst/>
+                <a:uLnTx/>
+                <a:uFillTx/>
+                <a:latin typeface="+mn-lt"/>
+                <a:ea typeface="+mn-ea"/>
+                <a:cs typeface="+mn-cs"/>
+              </a:rPr>
+              <a:t>创建</a:t>
+            </a:r>
+            <a:endParaRPr kumimoji="0" lang="en-US" altLang="zh-CN" sz="1800" b="0" i="0" u="none" strike="noStrike" kern="1200" cap="none" spc="0" normalizeH="0" baseline="0" noProof="0" dirty="0" smtClean="0">
+              <a:ln>
+                <a:noFill/>
+              </a:ln>
+              <a:solidFill>
+                <a:schemeClr val="tx1"/>
+              </a:solidFill>
+              <a:effectLst/>
+              <a:uLnTx/>
+              <a:uFillTx/>
+              <a:latin typeface="+mn-lt"/>
+              <a:ea typeface="+mn-ea"/>
+              <a:cs typeface="+mn-cs"/>
+            </a:endParaRPr>
+          </a:p>
+          <a:p>
+            <a:pPr marL="365760" marR="0" lvl="0" indent="-256032" algn="l" defTabSz="914400" rtl="0" eaLnBrk="1" fontAlgn="auto" latinLnBrk="0" hangingPunct="1">
+              <a:lnSpc>
+                <a:spcPct val="100000"/>
+              </a:lnSpc>
+              <a:spcBef>
+                <a:spcPts val="300"/>
+              </a:spcBef>
+              <a:spcAft>
+                <a:spcPts val="0"/>
+              </a:spcAft>
+              <a:buClr>
+                <a:schemeClr val="accent3"/>
+              </a:buClr>
+              <a:buSzTx/>
+              <a:buFont typeface="Georgia"/>
+              <a:buChar char="•"/>
+              <a:tabLst/>
+              <a:defRPr/>
+            </a:pPr>
+            <a:r>
+              <a:rPr lang="zh-CN" altLang="en-US" dirty="0" smtClean="0">
+                <a:solidFill>
+                  <a:schemeClr val="tx1"/>
+                </a:solidFill>
+              </a:rPr>
+              <a:t>变换</a:t>
+            </a:r>
+            <a:endParaRPr lang="en-US" altLang="zh-CN" dirty="0" smtClean="0">
+              <a:solidFill>
+                <a:schemeClr val="tx1"/>
+              </a:solidFill>
+            </a:endParaRPr>
+          </a:p>
+          <a:p>
+            <a:pPr marL="365760" marR="0" lvl="0" indent="-256032" algn="l" defTabSz="914400" rtl="0" eaLnBrk="1" fontAlgn="auto" latinLnBrk="0" hangingPunct="1">
+              <a:lnSpc>
+                <a:spcPct val="100000"/>
+              </a:lnSpc>
+              <a:spcBef>
+                <a:spcPts val="300"/>
+              </a:spcBef>
+              <a:spcAft>
+                <a:spcPts val="0"/>
+              </a:spcAft>
+              <a:buClr>
+                <a:schemeClr val="accent3"/>
+              </a:buClr>
+              <a:buSzTx/>
+              <a:buFont typeface="Georgia"/>
+              <a:buChar char="•"/>
+              <a:tabLst/>
+              <a:defRPr/>
+            </a:pPr>
+            <a:r>
+              <a:rPr kumimoji="0" lang="zh-CN" altLang="en-US" sz="1800" b="0" i="0" u="none" strike="noStrike" kern="1200" cap="none" spc="0" normalizeH="0" baseline="0" noProof="0" dirty="0" smtClean="0">
+                <a:ln>
+                  <a:noFill/>
+                </a:ln>
+                <a:solidFill>
+                  <a:schemeClr val="tx1"/>
+                </a:solidFill>
+                <a:effectLst/>
+                <a:uLnTx/>
+                <a:uFillTx/>
+                <a:latin typeface="+mn-lt"/>
+                <a:ea typeface="+mn-ea"/>
+                <a:cs typeface="+mn-cs"/>
+              </a:rPr>
+              <a:t>过滤</a:t>
+            </a:r>
+            <a:endParaRPr kumimoji="0" lang="en-US" altLang="zh-CN" sz="1800" b="0" i="0" u="none" strike="noStrike" kern="1200" cap="none" spc="0" normalizeH="0" baseline="0" noProof="0" dirty="0" smtClean="0">
+              <a:ln>
+                <a:noFill/>
+              </a:ln>
+              <a:solidFill>
+                <a:schemeClr val="tx1"/>
+              </a:solidFill>
+              <a:effectLst/>
+              <a:uLnTx/>
+              <a:uFillTx/>
+              <a:latin typeface="+mn-lt"/>
+              <a:ea typeface="+mn-ea"/>
+              <a:cs typeface="+mn-cs"/>
+            </a:endParaRPr>
+          </a:p>
+          <a:p>
+            <a:pPr marL="365760" marR="0" lvl="0" indent="-256032" algn="l" defTabSz="914400" rtl="0" eaLnBrk="1" fontAlgn="auto" latinLnBrk="0" hangingPunct="1">
+              <a:lnSpc>
+                <a:spcPct val="100000"/>
+              </a:lnSpc>
+              <a:spcBef>
+                <a:spcPts val="300"/>
+              </a:spcBef>
+              <a:spcAft>
+                <a:spcPts val="0"/>
+              </a:spcAft>
+              <a:buClr>
+                <a:schemeClr val="accent3"/>
+              </a:buClr>
+              <a:buSzTx/>
+              <a:buFont typeface="Georgia"/>
+              <a:buChar char="•"/>
+              <a:tabLst/>
+              <a:defRPr/>
+            </a:pPr>
+            <a:r>
+              <a:rPr lang="zh-CN" altLang="en-US" dirty="0" smtClean="0">
+                <a:solidFill>
+                  <a:schemeClr val="tx1"/>
+                </a:solidFill>
+              </a:rPr>
+              <a:t>组合</a:t>
+            </a:r>
+            <a:endParaRPr lang="en-US" altLang="zh-CN" dirty="0" smtClean="0">
+              <a:solidFill>
+                <a:schemeClr val="tx1"/>
+              </a:solidFill>
+            </a:endParaRPr>
+          </a:p>
+          <a:p>
+            <a:pPr marL="365760" marR="0" lvl="0" indent="-256032" algn="l" defTabSz="914400" rtl="0" eaLnBrk="1" fontAlgn="auto" latinLnBrk="0" hangingPunct="1">
+              <a:lnSpc>
+                <a:spcPct val="100000"/>
+              </a:lnSpc>
+              <a:spcBef>
+                <a:spcPts val="300"/>
+              </a:spcBef>
+              <a:spcAft>
+                <a:spcPts val="0"/>
+              </a:spcAft>
+              <a:buClr>
+                <a:schemeClr val="accent3"/>
+              </a:buClr>
+              <a:buSzTx/>
+              <a:buFont typeface="Georgia"/>
+              <a:buChar char="•"/>
+              <a:tabLst/>
+              <a:defRPr/>
+            </a:pPr>
+            <a:r>
+              <a:rPr kumimoji="0" lang="en-US" altLang="zh-CN" sz="1800" b="0" i="0" u="none" strike="noStrike" kern="1200" cap="none" spc="0" normalizeH="0" baseline="0" noProof="0" dirty="0" smtClean="0">
+                <a:ln>
+                  <a:noFill/>
+                </a:ln>
+                <a:solidFill>
+                  <a:schemeClr val="tx1"/>
+                </a:solidFill>
+                <a:effectLst/>
+                <a:uLnTx/>
+                <a:uFillTx/>
+                <a:latin typeface="+mn-lt"/>
+                <a:ea typeface="+mn-ea"/>
+                <a:cs typeface="+mn-cs"/>
+              </a:rPr>
+              <a:t>…….</a:t>
+            </a:r>
+          </a:p>
+        </p:txBody>
+      </p:sp>
+    </p:spTree>
+    <p:extLst>
+      <p:ext uri="{BB962C8B-B14F-4D97-AF65-F5344CB8AC3E}">
+        <p14:creationId xmlns:p14="http://schemas.microsoft.com/office/powerpoint/2010/main" xmlns="" val="1090179234"/>
+      </p:ext>
+    </p:extLst>
+  </p:cSld>
+  <p:clrMapOvr>
+    <a:masterClrMapping/>
+  </p:clrMapOvr>
+  <mc:AlternateContent xmlns:mc="http://schemas.openxmlformats.org/markup-compatibility/2006">
+    <mc:Choice xmlns:p14="http://schemas.microsoft.com/office/powerpoint/2010/main" xmlns="" Requires="p14">
+      <p:transition p14:dur="250">
+        <p:wipe/>
+      </p:transition>
+    </mc:Choice>
+    <mc:Fallback>
+      <p:transition>
+        <p:wipe/>
+      </p:transition>
+    </mc:Fallback>
+  </mc:AlternateContent>
+  <p:timing>
+    <p:tnLst>
+      <p:par>
+        <p:cTn id="1" dur="indefinite" restart="never" nodeType="tmRoot"/>
+      </p:par>
+    </p:tnLst>
+  </p:timing>
+</p:sld>
+</file>
+
+<file path=ppt/slides/slide19.xml><?xml version="1.0" encoding="utf-8"?>
+<p:sld xmlns:a="http://schemas.openxmlformats.org/drawingml/2006/main" xmlns:r="http://schemas.openxmlformats.org/officeDocument/2006/relationships" xmlns:p="http://schemas.openxmlformats.org/presentationml/2006/main">
+  <p:cSld>
+    <p:spTree>
+      <p:nvGrpSpPr>
+        <p:cNvPr id="1" name=""/>
+        <p:cNvGrpSpPr/>
+        <p:nvPr/>
+      </p:nvGrpSpPr>
+      <p:grpSpPr>
+        <a:xfrm>
+          <a:off x="0" y="0"/>
+          <a:ext cx="0" cy="0"/>
+          <a:chOff x="0" y="0"/>
+          <a:chExt cx="0" cy="0"/>
+        </a:xfrm>
+      </p:grpSpPr>
+      <p:sp>
+        <p:nvSpPr>
+          <p:cNvPr id="2" name="Title 1"/>
+          <p:cNvSpPr>
+            <a:spLocks noGrp="1"/>
+          </p:cNvSpPr>
+          <p:nvPr>
+            <p:ph type="title"/>
+          </p:nvPr>
+        </p:nvSpPr>
+        <p:spPr/>
+        <p:txBody>
+          <a:bodyPr>
+            <a:normAutofit/>
+          </a:bodyPr>
+          <a:lstStyle/>
+          <a:p>
+            <a:r>
+              <a:rPr lang="zh-CN" altLang="en-US" dirty="0" smtClean="0"/>
+              <a:t>例子</a:t>
+            </a:r>
+            <a:r>
+              <a:rPr lang="en-US" altLang="zh-CN" dirty="0" smtClean="0"/>
+              <a:t>1——</a:t>
+            </a:r>
+            <a:r>
+              <a:rPr lang="en-US" altLang="zh-CN" dirty="0" err="1" smtClean="0"/>
+              <a:t>Git</a:t>
+            </a:r>
+            <a:r>
+              <a:rPr lang="en-US" altLang="zh-CN" dirty="0" err="1" smtClean="0"/>
+              <a:t>hub</a:t>
+            </a:r>
+            <a:r>
+              <a:rPr lang="en-US" altLang="zh-CN" dirty="0" smtClean="0"/>
+              <a:t> User Search</a:t>
+            </a:r>
+            <a:endParaRPr lang="en-US" altLang="zh-CN" dirty="0" smtClean="0"/>
+          </a:p>
+        </p:txBody>
+      </p:sp>
+      <p:sp>
+        <p:nvSpPr>
+          <p:cNvPr id="12" name="Content Placeholder 2"/>
+          <p:cNvSpPr>
+            <a:spLocks noGrp="1"/>
+          </p:cNvSpPr>
+          <p:nvPr>
+            <p:ph idx="1"/>
+          </p:nvPr>
+        </p:nvSpPr>
+        <p:spPr>
+          <a:xfrm>
+            <a:off x="370114" y="2115941"/>
+            <a:ext cx="8534400" cy="1097035"/>
+          </a:xfrm>
+        </p:spPr>
+        <p:style>
+          <a:lnRef idx="2">
+            <a:schemeClr val="accent2"/>
+          </a:lnRef>
+          <a:fillRef idx="1">
+            <a:schemeClr val="lt1"/>
+          </a:fillRef>
+          <a:effectRef idx="0">
+            <a:schemeClr val="accent2"/>
+          </a:effectRef>
+          <a:fontRef idx="minor">
+            <a:schemeClr val="dk1"/>
+          </a:fontRef>
+        </p:style>
+        <p:txBody>
+          <a:bodyPr>
+            <a:noAutofit/>
+          </a:bodyPr>
+          <a:lstStyle/>
+          <a:p>
+            <a:r>
+              <a:rPr lang="zh-CN" altLang="en-US" sz="1800" dirty="0" smtClean="0">
+                <a:solidFill>
+                  <a:schemeClr val="tx1"/>
+                </a:solidFill>
+              </a:rPr>
+              <a:t>用户输入结束后才调用</a:t>
+            </a:r>
+            <a:r>
+              <a:rPr lang="en-US" altLang="zh-CN" sz="1800" dirty="0" smtClean="0">
+                <a:solidFill>
+                  <a:schemeClr val="tx1"/>
+                </a:solidFill>
+              </a:rPr>
+              <a:t>API</a:t>
+            </a:r>
+            <a:r>
+              <a:rPr lang="zh-CN" altLang="en-US" sz="1800" dirty="0" smtClean="0">
+                <a:solidFill>
+                  <a:schemeClr val="tx1"/>
+                </a:solidFill>
+              </a:rPr>
+              <a:t>进行搜索。</a:t>
+            </a:r>
+            <a:endParaRPr lang="en-US" altLang="zh-CN" sz="1800" dirty="0" smtClean="0">
+              <a:solidFill>
+                <a:schemeClr val="tx1"/>
+              </a:solidFill>
+            </a:endParaRPr>
+          </a:p>
+          <a:p>
+            <a:r>
+              <a:rPr lang="zh-CN" altLang="en-US" sz="1800" dirty="0" smtClean="0">
+                <a:solidFill>
+                  <a:schemeClr val="tx1"/>
+                </a:solidFill>
+              </a:rPr>
+              <a:t>若用户开始输入与结束输入时，</a:t>
+            </a:r>
+            <a:r>
+              <a:rPr lang="zh-CN" altLang="en-US" sz="1800" dirty="0" smtClean="0">
+                <a:solidFill>
+                  <a:schemeClr val="tx1"/>
+                </a:solidFill>
+              </a:rPr>
+              <a:t>输入字符相同，则页面保持不变，不调用</a:t>
+            </a:r>
+            <a:r>
+              <a:rPr lang="en-US" altLang="zh-CN" sz="1800" dirty="0" smtClean="0">
+                <a:solidFill>
+                  <a:schemeClr val="tx1"/>
+                </a:solidFill>
+              </a:rPr>
+              <a:t>API</a:t>
+            </a:r>
+            <a:r>
+              <a:rPr lang="zh-CN" altLang="en-US" sz="1800" dirty="0" smtClean="0">
+                <a:solidFill>
+                  <a:schemeClr val="tx1"/>
+                </a:solidFill>
+              </a:rPr>
+              <a:t>。</a:t>
+            </a:r>
+            <a:endParaRPr lang="en-US" altLang="zh-CN" sz="1800" dirty="0" smtClean="0">
+              <a:solidFill>
+                <a:schemeClr val="tx1"/>
+              </a:solidFill>
+            </a:endParaRPr>
+          </a:p>
+          <a:p>
+            <a:r>
+              <a:rPr lang="zh-CN" altLang="en-US" sz="1800" dirty="0" smtClean="0">
+                <a:solidFill>
+                  <a:schemeClr val="tx1"/>
+                </a:solidFill>
+              </a:rPr>
+              <a:t>当连续发起多个</a:t>
+            </a:r>
+            <a:r>
+              <a:rPr lang="en-US" altLang="zh-CN" sz="1800" dirty="0" smtClean="0">
+                <a:solidFill>
+                  <a:schemeClr val="tx1"/>
+                </a:solidFill>
+              </a:rPr>
+              <a:t>API</a:t>
+            </a:r>
+            <a:r>
+              <a:rPr lang="zh-CN" altLang="en-US" sz="1800" dirty="0" smtClean="0">
+                <a:solidFill>
+                  <a:schemeClr val="tx1"/>
+                </a:solidFill>
+              </a:rPr>
+              <a:t>调用时，应保证页面只显示最新的搜索结果。</a:t>
+            </a:r>
+            <a:endParaRPr lang="en-US" altLang="zh-CN" sz="1800" dirty="0" smtClean="0">
+              <a:solidFill>
+                <a:schemeClr val="tx1"/>
+              </a:solidFill>
+            </a:endParaRPr>
+          </a:p>
+        </p:txBody>
+      </p:sp>
+      <p:sp>
+        <p:nvSpPr>
+          <p:cNvPr id="4" name="Rectangle 3"/>
+          <p:cNvSpPr/>
+          <p:nvPr/>
+        </p:nvSpPr>
+        <p:spPr>
+          <a:xfrm>
+            <a:off x="326569" y="1704945"/>
+            <a:ext cx="1338828" cy="369332"/>
+          </a:xfrm>
+          <a:prstGeom prst="rect">
+            <a:avLst/>
+          </a:prstGeom>
+        </p:spPr>
+        <p:txBody>
+          <a:bodyPr wrap="none">
+            <a:spAutoFit/>
+          </a:bodyPr>
+          <a:lstStyle/>
+          <a:p>
+            <a:r>
+              <a:rPr lang="zh-CN" altLang="en-US" dirty="0" smtClean="0">
+                <a:latin typeface="Segoe UI Historic" panose="020B0502040204020203" pitchFamily="34" charset="0"/>
+                <a:ea typeface="Segoe UI Historic" panose="020B0502040204020203" pitchFamily="34" charset="0"/>
+                <a:cs typeface="Segoe UI Historic" panose="020B0502040204020203" pitchFamily="34" charset="0"/>
+              </a:rPr>
+              <a:t>需求细化：</a:t>
+            </a:r>
+            <a:endParaRPr lang="en-US" altLang="zh-CN" dirty="0">
+              <a:latin typeface="Segoe UI Historic" panose="020B0502040204020203" pitchFamily="34" charset="0"/>
+              <a:ea typeface="Segoe UI Historic" panose="020B0502040204020203" pitchFamily="34" charset="0"/>
+              <a:cs typeface="Segoe UI Historic" panose="020B0502040204020203" pitchFamily="34" charset="0"/>
+            </a:endParaRPr>
+          </a:p>
+        </p:txBody>
+      </p:sp>
+    </p:spTree>
+    <p:extLst>
+      <p:ext uri="{BB962C8B-B14F-4D97-AF65-F5344CB8AC3E}">
+        <p14:creationId xmlns:p14="http://schemas.microsoft.com/office/powerpoint/2010/main" xmlns="" val="1090179234"/>
+      </p:ext>
+    </p:extLst>
+  </p:cSld>
+  <p:clrMapOvr>
+    <a:masterClrMapping/>
+  </p:clrMapOvr>
+  <mc:AlternateContent xmlns:mc="http://schemas.openxmlformats.org/markup-compatibility/2006">
+    <mc:Choice xmlns:p14="http://schemas.microsoft.com/office/powerpoint/2010/main" xmlns="" Requires="p14">
       <p:transition p14:dur="250">
         <p:wipe/>
       </p:transition>
@@ -5939,12 +6870,8 @@
           </a:p>
           <a:p>
             <a:r>
-              <a:rPr lang="zh-CN" altLang="en-US" dirty="0"/>
-              <a:t>规</a:t>
-            </a:r>
-            <a:r>
               <a:rPr lang="zh-CN" altLang="en-US" dirty="0" smtClean="0"/>
-              <a:t>则：</a:t>
+              <a:t>要求：</a:t>
             </a:r>
             <a:r>
               <a:rPr lang="en-US" altLang="zh-CN" dirty="0" smtClean="0"/>
@@ -5958,6 +6885,19 @@
               <a:rPr lang="en-US" altLang="zh-CN" dirty="0" smtClean="0"/>
               <a:t>a+1</a:t>
             </a:r>
+            <a:r>
+              <a:rPr lang="zh-CN" altLang="en-US" dirty="0" smtClean="0"/>
+              <a:t>，</a:t>
+            </a:r>
+            <a:r>
+              <a:rPr lang="en-US" altLang="zh-CN" dirty="0" smtClean="0"/>
+              <a:t>b</a:t>
+            </a:r>
+            <a:r>
+              <a:rPr lang="en-US" altLang="zh-CN" dirty="0" smtClean="0"/>
+              <a:t>:=a+1</a:t>
+            </a:r>
+            <a:endParaRPr lang="en-US" altLang="zh-CN" dirty="0" smtClean="0"/>
           </a:p>
           <a:p>
             <a:r>
@@ -6037,7 +6977,7 @@
     </p:spTree>
     <p:extLst>
       <p:ext uri="{BB962C8B-B14F-4D97-AF65-F5344CB8AC3E}">
-        <p14:creationId xmlns="" xmlns:p14="http://schemas.microsoft.com/office/powerpoint/2010/main" val="4075398841"/>
+        <p14:creationId xmlns:p14="http://schemas.microsoft.com/office/powerpoint/2010/main" xmlns="" val="4075398841"/>
       </p:ext>
     </p:extLst>
   </p:cSld>
@@ -6045,7 +6985,780 @@
     <a:masterClrMapping/>
   </p:clrMapOvr>
   <mc:AlternateContent xmlns:mc="http://schemas.openxmlformats.org/markup-compatibility/2006">
-    <mc:Choice xmlns="" xmlns:p14="http://schemas.microsoft.com/office/powerpoint/2010/main" Requires="p14">
+    <mc:Choice xmlns:p14="http://schemas.microsoft.com/office/powerpoint/2010/main" xmlns="" Requires="p14">
+      <p:transition p14:dur="250">
+        <p:wipe/>
+      </p:transition>
+    </mc:Choice>
+    <mc:Fallback>
+      <p:transition>
+        <p:wipe/>
+      </p:transition>
+    </mc:Fallback>
+  </mc:AlternateContent>
+  <p:timing>
+    <p:tnLst>
+      <p:par>
+        <p:cTn id="1" dur="indefinite" restart="never" nodeType="tmRoot"/>
+      </p:par>
+    </p:tnLst>
+  </p:timing>
+</p:sld>
+</file>
+
+<file path=ppt/slides/slide20.xml><?xml version="1.0" encoding="utf-8"?>
+<p:sld xmlns:a="http://schemas.openxmlformats.org/drawingml/2006/main" xmlns:r="http://schemas.openxmlformats.org/officeDocument/2006/relationships" xmlns:p="http://schemas.openxmlformats.org/presentationml/2006/main">
+  <p:cSld>
+    <p:spTree>
+      <p:nvGrpSpPr>
+        <p:cNvPr id="1" name=""/>
+        <p:cNvGrpSpPr/>
+        <p:nvPr/>
+      </p:nvGrpSpPr>
+      <p:grpSpPr>
+        <a:xfrm>
+          <a:off x="0" y="0"/>
+          <a:ext cx="0" cy="0"/>
+          <a:chOff x="0" y="0"/>
+          <a:chExt cx="0" cy="0"/>
+        </a:xfrm>
+      </p:grpSpPr>
+      <p:sp>
+        <p:nvSpPr>
+          <p:cNvPr id="2" name="Title 1"/>
+          <p:cNvSpPr>
+            <a:spLocks noGrp="1"/>
+          </p:cNvSpPr>
+          <p:nvPr>
+            <p:ph type="title"/>
+          </p:nvPr>
+        </p:nvSpPr>
+        <p:spPr/>
+        <p:txBody>
+          <a:bodyPr>
+            <a:normAutofit/>
+          </a:bodyPr>
+          <a:lstStyle/>
+          <a:p>
+            <a:r>
+              <a:rPr lang="zh-CN" altLang="en-US" dirty="0" smtClean="0"/>
+              <a:t>例子</a:t>
+            </a:r>
+            <a:r>
+              <a:rPr lang="en-US" altLang="zh-CN" dirty="0" smtClean="0"/>
+              <a:t>2——</a:t>
+            </a:r>
+            <a:r>
+              <a:rPr lang="zh-CN" altLang="en-US" dirty="0" smtClean="0"/>
+              <a:t>俄罗斯方块</a:t>
+            </a:r>
+            <a:endParaRPr lang="en-US" altLang="zh-CN" dirty="0" smtClean="0"/>
+          </a:p>
+        </p:txBody>
+      </p:sp>
+      <p:sp>
+        <p:nvSpPr>
+          <p:cNvPr id="12" name="Content Placeholder 2"/>
+          <p:cNvSpPr>
+            <a:spLocks noGrp="1"/>
+          </p:cNvSpPr>
+          <p:nvPr>
+            <p:ph idx="1"/>
+          </p:nvPr>
+        </p:nvSpPr>
+        <p:spPr>
+          <a:xfrm>
+            <a:off x="370114" y="2115941"/>
+            <a:ext cx="8534400" cy="1097035"/>
+          </a:xfrm>
+        </p:spPr>
+        <p:style>
+          <a:lnRef idx="2">
+            <a:schemeClr val="accent2"/>
+          </a:lnRef>
+          <a:fillRef idx="1">
+            <a:schemeClr val="lt1"/>
+          </a:fillRef>
+          <a:effectRef idx="0">
+            <a:schemeClr val="accent2"/>
+          </a:effectRef>
+          <a:fontRef idx="minor">
+            <a:schemeClr val="dk1"/>
+          </a:fontRef>
+        </p:style>
+        <p:txBody>
+          <a:bodyPr>
+            <a:noAutofit/>
+          </a:bodyPr>
+          <a:lstStyle/>
+          <a:p>
+            <a:r>
+              <a:rPr lang="zh-CN" altLang="en-US" sz="1800" dirty="0" smtClean="0">
+                <a:solidFill>
+                  <a:schemeClr val="tx1"/>
+                </a:solidFill>
+              </a:rPr>
+              <a:t>用户输入结束后才调用</a:t>
+            </a:r>
+            <a:r>
+              <a:rPr lang="en-US" altLang="zh-CN" sz="1800" dirty="0" smtClean="0">
+                <a:solidFill>
+                  <a:schemeClr val="tx1"/>
+                </a:solidFill>
+              </a:rPr>
+              <a:t>API</a:t>
+            </a:r>
+            <a:r>
+              <a:rPr lang="zh-CN" altLang="en-US" sz="1800" dirty="0" smtClean="0">
+                <a:solidFill>
+                  <a:schemeClr val="tx1"/>
+                </a:solidFill>
+              </a:rPr>
+              <a:t>进行搜索。</a:t>
+            </a:r>
+            <a:endParaRPr lang="en-US" altLang="zh-CN" sz="1800" dirty="0" smtClean="0">
+              <a:solidFill>
+                <a:schemeClr val="tx1"/>
+              </a:solidFill>
+            </a:endParaRPr>
+          </a:p>
+          <a:p>
+            <a:r>
+              <a:rPr lang="zh-CN" altLang="en-US" sz="1800" dirty="0" smtClean="0">
+                <a:solidFill>
+                  <a:schemeClr val="tx1"/>
+                </a:solidFill>
+              </a:rPr>
+              <a:t>若用户开始输入与结束输入时，</a:t>
+            </a:r>
+            <a:r>
+              <a:rPr lang="zh-CN" altLang="en-US" sz="1800" dirty="0" smtClean="0">
+                <a:solidFill>
+                  <a:schemeClr val="tx1"/>
+                </a:solidFill>
+              </a:rPr>
+              <a:t>输入字符相同，则页面保持不变，不调用</a:t>
+            </a:r>
+            <a:r>
+              <a:rPr lang="en-US" altLang="zh-CN" sz="1800" dirty="0" smtClean="0">
+                <a:solidFill>
+                  <a:schemeClr val="tx1"/>
+                </a:solidFill>
+              </a:rPr>
+              <a:t>API</a:t>
+            </a:r>
+            <a:r>
+              <a:rPr lang="zh-CN" altLang="en-US" sz="1800" dirty="0" smtClean="0">
+                <a:solidFill>
+                  <a:schemeClr val="tx1"/>
+                </a:solidFill>
+              </a:rPr>
+              <a:t>。</a:t>
+            </a:r>
+            <a:endParaRPr lang="en-US" altLang="zh-CN" sz="1800" dirty="0" smtClean="0">
+              <a:solidFill>
+                <a:schemeClr val="tx1"/>
+              </a:solidFill>
+            </a:endParaRPr>
+          </a:p>
+          <a:p>
+            <a:r>
+              <a:rPr lang="zh-CN" altLang="en-US" sz="1800" dirty="0" smtClean="0">
+                <a:solidFill>
+                  <a:schemeClr val="tx1"/>
+                </a:solidFill>
+              </a:rPr>
+              <a:t>当连续发起多个</a:t>
+            </a:r>
+            <a:r>
+              <a:rPr lang="en-US" altLang="zh-CN" sz="1800" dirty="0" smtClean="0">
+                <a:solidFill>
+                  <a:schemeClr val="tx1"/>
+                </a:solidFill>
+              </a:rPr>
+              <a:t>API</a:t>
+            </a:r>
+            <a:r>
+              <a:rPr lang="zh-CN" altLang="en-US" sz="1800" dirty="0" smtClean="0">
+                <a:solidFill>
+                  <a:schemeClr val="tx1"/>
+                </a:solidFill>
+              </a:rPr>
+              <a:t>调用时，应保证页面只显示最新的搜索结果。</a:t>
+            </a:r>
+            <a:endParaRPr lang="en-US" altLang="zh-CN" sz="1800" dirty="0" smtClean="0">
+              <a:solidFill>
+                <a:schemeClr val="tx1"/>
+              </a:solidFill>
+            </a:endParaRPr>
+          </a:p>
+        </p:txBody>
+      </p:sp>
+      <p:sp>
+        <p:nvSpPr>
+          <p:cNvPr id="4" name="Rectangle 3"/>
+          <p:cNvSpPr/>
+          <p:nvPr/>
+        </p:nvSpPr>
+        <p:spPr>
+          <a:xfrm>
+            <a:off x="326569" y="1704945"/>
+            <a:ext cx="1338828" cy="369332"/>
+          </a:xfrm>
+          <a:prstGeom prst="rect">
+            <a:avLst/>
+          </a:prstGeom>
+        </p:spPr>
+        <p:txBody>
+          <a:bodyPr wrap="none">
+            <a:spAutoFit/>
+          </a:bodyPr>
+          <a:lstStyle/>
+          <a:p>
+            <a:r>
+              <a:rPr lang="zh-CN" altLang="en-US" dirty="0" smtClean="0">
+                <a:latin typeface="Segoe UI Historic" panose="020B0502040204020203" pitchFamily="34" charset="0"/>
+                <a:ea typeface="Segoe UI Historic" panose="020B0502040204020203" pitchFamily="34" charset="0"/>
+                <a:cs typeface="Segoe UI Historic" panose="020B0502040204020203" pitchFamily="34" charset="0"/>
+              </a:rPr>
+              <a:t>需求细化：</a:t>
+            </a:r>
+            <a:endParaRPr lang="en-US" altLang="zh-CN" dirty="0">
+              <a:latin typeface="Segoe UI Historic" panose="020B0502040204020203" pitchFamily="34" charset="0"/>
+              <a:ea typeface="Segoe UI Historic" panose="020B0502040204020203" pitchFamily="34" charset="0"/>
+              <a:cs typeface="Segoe UI Historic" panose="020B0502040204020203" pitchFamily="34" charset="0"/>
+            </a:endParaRPr>
+          </a:p>
+        </p:txBody>
+      </p:sp>
+    </p:spTree>
+    <p:extLst>
+      <p:ext uri="{BB962C8B-B14F-4D97-AF65-F5344CB8AC3E}">
+        <p14:creationId xmlns:p14="http://schemas.microsoft.com/office/powerpoint/2010/main" xmlns="" val="1090179234"/>
+      </p:ext>
+    </p:extLst>
+  </p:cSld>
+  <p:clrMapOvr>
+    <a:masterClrMapping/>
+  </p:clrMapOvr>
+  <mc:AlternateContent xmlns:mc="http://schemas.openxmlformats.org/markup-compatibility/2006">
+    <mc:Choice xmlns:p14="http://schemas.microsoft.com/office/powerpoint/2010/main" xmlns="" Requires="p14">
+      <p:transition p14:dur="250">
+        <p:wipe/>
+      </p:transition>
+    </mc:Choice>
+    <mc:Fallback>
+      <p:transition>
+        <p:wipe/>
+      </p:transition>
+    </mc:Fallback>
+  </mc:AlternateContent>
+  <p:timing>
+    <p:tnLst>
+      <p:par>
+        <p:cTn id="1" dur="indefinite" restart="never" nodeType="tmRoot"/>
+      </p:par>
+    </p:tnLst>
+  </p:timing>
+</p:sld>
+</file>
+
+<file path=ppt/slides/slide21.xml><?xml version="1.0" encoding="utf-8"?>
+<p:sld xmlns:a="http://schemas.openxmlformats.org/drawingml/2006/main" xmlns:r="http://schemas.openxmlformats.org/officeDocument/2006/relationships" xmlns:p="http://schemas.openxmlformats.org/presentationml/2006/main">
+  <p:cSld>
+    <p:spTree>
+      <p:nvGrpSpPr>
+        <p:cNvPr id="1" name=""/>
+        <p:cNvGrpSpPr/>
+        <p:nvPr/>
+      </p:nvGrpSpPr>
+      <p:grpSpPr>
+        <a:xfrm>
+          <a:off x="0" y="0"/>
+          <a:ext cx="0" cy="0"/>
+          <a:chOff x="0" y="0"/>
+          <a:chExt cx="0" cy="0"/>
+        </a:xfrm>
+      </p:grpSpPr>
+      <p:sp>
+        <p:nvSpPr>
+          <p:cNvPr id="2" name="Title 1"/>
+          <p:cNvSpPr>
+            <a:spLocks noGrp="1"/>
+          </p:cNvSpPr>
+          <p:nvPr>
+            <p:ph type="title"/>
+          </p:nvPr>
+        </p:nvSpPr>
+        <p:spPr/>
+        <p:txBody>
+          <a:bodyPr/>
+          <a:lstStyle/>
+          <a:p>
+            <a:r>
+              <a:rPr lang="zh-CN" altLang="en-US" b="1" dirty="0" smtClean="0"/>
+              <a:t>为什么使用响应式编程？</a:t>
+            </a:r>
+            <a:endParaRPr lang="zh-CN" altLang="en-US" b="1" dirty="0"/>
+          </a:p>
+        </p:txBody>
+      </p:sp>
+      <p:sp>
+        <p:nvSpPr>
+          <p:cNvPr id="3" name="Content Placeholder 2"/>
+          <p:cNvSpPr>
+            <a:spLocks noGrp="1"/>
+          </p:cNvSpPr>
+          <p:nvPr>
+            <p:ph idx="1"/>
+          </p:nvPr>
+        </p:nvSpPr>
+        <p:spPr>
+          <a:xfrm>
+            <a:off x="304800" y="2209800"/>
+            <a:ext cx="8534400" cy="914400"/>
+          </a:xfrm>
+        </p:spPr>
+        <p:style>
+          <a:lnRef idx="2">
+            <a:schemeClr val="accent2"/>
+          </a:lnRef>
+          <a:fillRef idx="1">
+            <a:schemeClr val="lt1"/>
+          </a:fillRef>
+          <a:effectRef idx="0">
+            <a:schemeClr val="accent2"/>
+          </a:effectRef>
+          <a:fontRef idx="minor">
+            <a:schemeClr val="dk1"/>
+          </a:fontRef>
+        </p:style>
+        <p:txBody>
+          <a:bodyPr>
+            <a:noAutofit/>
+          </a:bodyPr>
+          <a:lstStyle/>
+          <a:p>
+            <a:pPr marL="109728" indent="0">
+              <a:buNone/>
+            </a:pPr>
+            <a:r>
+              <a:rPr lang="zh-CN" altLang="en-US" sz="1800" b="1" dirty="0" smtClean="0">
+                <a:solidFill>
+                  <a:schemeClr val="tx1">
+                    <a:lumMod val="85000"/>
+                    <a:lumOff val="15000"/>
+                  </a:schemeClr>
+                </a:solidFill>
+              </a:rPr>
+              <a:t>响</a:t>
+            </a:r>
+            <a:r>
+              <a:rPr lang="zh-CN" altLang="en-US" sz="1800" b="1" dirty="0">
+                <a:solidFill>
+                  <a:schemeClr val="tx1">
+                    <a:lumMod val="85000"/>
+                    <a:lumOff val="15000"/>
+                  </a:schemeClr>
+                </a:solidFill>
+              </a:rPr>
+              <a:t>应式编程</a:t>
+            </a:r>
+            <a:r>
+              <a:rPr lang="zh-CN" altLang="en-US" sz="1800" dirty="0">
+                <a:solidFill>
+                  <a:schemeClr val="tx1">
+                    <a:lumMod val="85000"/>
+                    <a:lumOff val="15000"/>
+                  </a:schemeClr>
+                </a:solidFill>
+              </a:rPr>
+              <a:t>是一种</a:t>
+            </a:r>
+            <a:r>
+              <a:rPr lang="zh-CN" altLang="en-US" sz="1800" dirty="0">
+                <a:solidFill>
+                  <a:schemeClr val="tx1"/>
+                </a:solidFill>
+              </a:rPr>
+              <a:t>面向</a:t>
+            </a:r>
+            <a:r>
+              <a:rPr lang="zh-CN" altLang="en-US" sz="1800" dirty="0">
+                <a:solidFill>
+                  <a:srgbClr val="FF0000"/>
+                </a:solidFill>
+              </a:rPr>
+              <a:t>数据流</a:t>
+            </a:r>
+            <a:r>
+              <a:rPr lang="zh-CN" altLang="en-US" sz="1800" dirty="0">
+                <a:solidFill>
+                  <a:schemeClr val="tx1">
+                    <a:lumMod val="85000"/>
+                    <a:lumOff val="15000"/>
+                  </a:schemeClr>
+                </a:solidFill>
+              </a:rPr>
+              <a:t>和</a:t>
+            </a:r>
+            <a:r>
+              <a:rPr lang="zh-CN" altLang="en-US" sz="1800" dirty="0">
+                <a:solidFill>
+                  <a:srgbClr val="FF0000"/>
+                </a:solidFill>
+              </a:rPr>
+              <a:t>变化传播</a:t>
+            </a:r>
+            <a:r>
+              <a:rPr lang="zh-CN" altLang="en-US" sz="1800" dirty="0">
+                <a:solidFill>
+                  <a:schemeClr val="tx1">
+                    <a:lumMod val="85000"/>
+                    <a:lumOff val="15000"/>
+                  </a:schemeClr>
+                </a:solidFill>
+              </a:rPr>
+              <a:t>的编程范式。这意味着可以在编程语言中很方便地表达静态或动态的数据流，而相关的计算模型会自动将变化的值通过数据流进行传播</a:t>
+            </a:r>
+            <a:r>
+              <a:rPr lang="zh-CN" altLang="en-US" sz="1800" dirty="0" smtClean="0">
+                <a:solidFill>
+                  <a:schemeClr val="tx1">
+                    <a:lumMod val="85000"/>
+                    <a:lumOff val="15000"/>
+                  </a:schemeClr>
+                </a:solidFill>
+              </a:rPr>
+              <a:t>。</a:t>
+            </a:r>
+            <a:endParaRPr lang="en-US" altLang="zh-CN" sz="1800" dirty="0" smtClean="0">
+              <a:solidFill>
+                <a:schemeClr val="tx1">
+                  <a:lumMod val="85000"/>
+                  <a:lumOff val="15000"/>
+                </a:schemeClr>
+              </a:solidFill>
+            </a:endParaRPr>
+          </a:p>
+        </p:txBody>
+      </p:sp>
+      <p:sp>
+        <p:nvSpPr>
+          <p:cNvPr id="6" name="TextBox 5"/>
+          <p:cNvSpPr txBox="1"/>
+          <p:nvPr/>
+        </p:nvSpPr>
+        <p:spPr>
+          <a:xfrm>
+            <a:off x="364834" y="1828800"/>
+            <a:ext cx="1273105" cy="369332"/>
+          </a:xfrm>
+          <a:prstGeom prst="rect">
+            <a:avLst/>
+          </a:prstGeom>
+          <a:noFill/>
+        </p:spPr>
+        <p:txBody>
+          <a:bodyPr wrap="none" rtlCol="0">
+            <a:spAutoFit/>
+          </a:bodyPr>
+          <a:lstStyle/>
+          <a:p>
+            <a:r>
+              <a:rPr lang="en-US" altLang="zh-CN" dirty="0" err="1" smtClean="0">
+                <a:solidFill>
+                  <a:schemeClr val="accent6">
+                    <a:lumMod val="50000"/>
+                  </a:schemeClr>
+                </a:solidFill>
+              </a:rPr>
+              <a:t>Wekipedia</a:t>
+            </a:r>
+            <a:endParaRPr lang="zh-CN" altLang="en-US" dirty="0">
+              <a:solidFill>
+                <a:schemeClr val="accent6">
+                  <a:lumMod val="50000"/>
+                </a:schemeClr>
+              </a:solidFill>
+            </a:endParaRPr>
+          </a:p>
+        </p:txBody>
+      </p:sp>
+    </p:spTree>
+    <p:extLst>
+      <p:ext uri="{BB962C8B-B14F-4D97-AF65-F5344CB8AC3E}">
+        <p14:creationId xmlns:p14="http://schemas.microsoft.com/office/powerpoint/2010/main" xmlns="" val="427055019"/>
+      </p:ext>
+    </p:extLst>
+  </p:cSld>
+  <p:clrMapOvr>
+    <a:masterClrMapping/>
+  </p:clrMapOvr>
+  <mc:AlternateContent xmlns:mc="http://schemas.openxmlformats.org/markup-compatibility/2006">
+    <mc:Choice xmlns:p14="http://schemas.microsoft.com/office/powerpoint/2010/main" xmlns="" Requires="p14">
+      <p:transition p14:dur="250">
+        <p:wipe/>
+      </p:transition>
+    </mc:Choice>
+    <mc:Fallback>
+      <p:transition>
+        <p:wipe/>
+      </p:transition>
+    </mc:Fallback>
+  </mc:AlternateContent>
+  <p:timing>
+    <p:tnLst>
+      <p:par>
+        <p:cTn id="1" dur="indefinite" restart="never" nodeType="tmRoot"/>
+      </p:par>
+    </p:tnLst>
+  </p:timing>
+</p:sld>
+</file>
+
+<file path=ppt/slides/slide22.xml><?xml version="1.0" encoding="utf-8"?>
+<p:sld xmlns:a="http://schemas.openxmlformats.org/drawingml/2006/main" xmlns:r="http://schemas.openxmlformats.org/officeDocument/2006/relationships" xmlns:p="http://schemas.openxmlformats.org/presentationml/2006/main">
+  <p:cSld>
+    <p:spTree>
+      <p:nvGrpSpPr>
+        <p:cNvPr id="1" name=""/>
+        <p:cNvGrpSpPr/>
+        <p:nvPr/>
+      </p:nvGrpSpPr>
+      <p:grpSpPr>
+        <a:xfrm>
+          <a:off x="0" y="0"/>
+          <a:ext cx="0" cy="0"/>
+          <a:chOff x="0" y="0"/>
+          <a:chExt cx="0" cy="0"/>
+        </a:xfrm>
+      </p:grpSpPr>
+      <p:sp>
+        <p:nvSpPr>
+          <p:cNvPr id="2" name="Title 1"/>
+          <p:cNvSpPr>
+            <a:spLocks noGrp="1"/>
+          </p:cNvSpPr>
+          <p:nvPr>
+            <p:ph type="title"/>
+          </p:nvPr>
+        </p:nvSpPr>
+        <p:spPr/>
+        <p:txBody>
+          <a:bodyPr/>
+          <a:lstStyle/>
+          <a:p>
+            <a:r>
+              <a:rPr lang="zh-CN" altLang="en-US" b="1" dirty="0" smtClean="0"/>
+              <a:t>你是否真的需要</a:t>
+            </a:r>
+            <a:r>
+              <a:rPr lang="en-US" altLang="zh-CN" b="1" dirty="0" err="1" smtClean="0"/>
+              <a:t>Rxjs</a:t>
+            </a:r>
+            <a:r>
+              <a:rPr lang="zh-CN" altLang="en-US" b="1" dirty="0" smtClean="0"/>
+              <a:t>？</a:t>
+            </a:r>
+            <a:endParaRPr lang="zh-CN" altLang="en-US" b="1" dirty="0"/>
+          </a:p>
+        </p:txBody>
+      </p:sp>
+      <p:sp>
+        <p:nvSpPr>
+          <p:cNvPr id="3" name="Content Placeholder 2"/>
+          <p:cNvSpPr>
+            <a:spLocks noGrp="1"/>
+          </p:cNvSpPr>
+          <p:nvPr>
+            <p:ph idx="1"/>
+          </p:nvPr>
+        </p:nvSpPr>
+        <p:spPr>
+          <a:xfrm>
+            <a:off x="304800" y="2209800"/>
+            <a:ext cx="8534400" cy="914400"/>
+          </a:xfrm>
+        </p:spPr>
+        <p:style>
+          <a:lnRef idx="2">
+            <a:schemeClr val="accent2"/>
+          </a:lnRef>
+          <a:fillRef idx="1">
+            <a:schemeClr val="lt1"/>
+          </a:fillRef>
+          <a:effectRef idx="0">
+            <a:schemeClr val="accent2"/>
+          </a:effectRef>
+          <a:fontRef idx="minor">
+            <a:schemeClr val="dk1"/>
+          </a:fontRef>
+        </p:style>
+        <p:txBody>
+          <a:bodyPr>
+            <a:noAutofit/>
+          </a:bodyPr>
+          <a:lstStyle/>
+          <a:p>
+            <a:pPr marL="109728" indent="0">
+              <a:buNone/>
+            </a:pPr>
+            <a:r>
+              <a:rPr lang="zh-CN" altLang="en-US" sz="1800" b="1" dirty="0" smtClean="0">
+                <a:solidFill>
+                  <a:schemeClr val="tx1">
+                    <a:lumMod val="85000"/>
+                    <a:lumOff val="15000"/>
+                  </a:schemeClr>
+                </a:solidFill>
+              </a:rPr>
+              <a:t>响</a:t>
+            </a:r>
+            <a:r>
+              <a:rPr lang="zh-CN" altLang="en-US" sz="1800" b="1" dirty="0">
+                <a:solidFill>
+                  <a:schemeClr val="tx1">
+                    <a:lumMod val="85000"/>
+                    <a:lumOff val="15000"/>
+                  </a:schemeClr>
+                </a:solidFill>
+              </a:rPr>
+              <a:t>应式编程</a:t>
+            </a:r>
+            <a:r>
+              <a:rPr lang="zh-CN" altLang="en-US" sz="1800" dirty="0">
+                <a:solidFill>
+                  <a:schemeClr val="tx1">
+                    <a:lumMod val="85000"/>
+                    <a:lumOff val="15000"/>
+                  </a:schemeClr>
+                </a:solidFill>
+              </a:rPr>
+              <a:t>是一种</a:t>
+            </a:r>
+            <a:r>
+              <a:rPr lang="zh-CN" altLang="en-US" sz="1800" dirty="0">
+                <a:solidFill>
+                  <a:schemeClr val="tx1"/>
+                </a:solidFill>
+              </a:rPr>
+              <a:t>面向</a:t>
+            </a:r>
+            <a:r>
+              <a:rPr lang="zh-CN" altLang="en-US" sz="1800" dirty="0">
+                <a:solidFill>
+                  <a:srgbClr val="FF0000"/>
+                </a:solidFill>
+              </a:rPr>
+              <a:t>数据流</a:t>
+            </a:r>
+            <a:r>
+              <a:rPr lang="zh-CN" altLang="en-US" sz="1800" dirty="0">
+                <a:solidFill>
+                  <a:schemeClr val="tx1">
+                    <a:lumMod val="85000"/>
+                    <a:lumOff val="15000"/>
+                  </a:schemeClr>
+                </a:solidFill>
+              </a:rPr>
+              <a:t>和</a:t>
+            </a:r>
+            <a:r>
+              <a:rPr lang="zh-CN" altLang="en-US" sz="1800" dirty="0">
+                <a:solidFill>
+                  <a:srgbClr val="FF0000"/>
+                </a:solidFill>
+              </a:rPr>
+              <a:t>变化传播</a:t>
+            </a:r>
+            <a:r>
+              <a:rPr lang="zh-CN" altLang="en-US" sz="1800" dirty="0">
+                <a:solidFill>
+                  <a:schemeClr val="tx1">
+                    <a:lumMod val="85000"/>
+                    <a:lumOff val="15000"/>
+                  </a:schemeClr>
+                </a:solidFill>
+              </a:rPr>
+              <a:t>的编程范式。这意味着可以在编程语言中很方便地表达静态或动态的数据流，而相关的计算模型会自动将变化的值通过数据流进行传播</a:t>
+            </a:r>
+            <a:r>
+              <a:rPr lang="zh-CN" altLang="en-US" sz="1800" dirty="0" smtClean="0">
+                <a:solidFill>
+                  <a:schemeClr val="tx1">
+                    <a:lumMod val="85000"/>
+                    <a:lumOff val="15000"/>
+                  </a:schemeClr>
+                </a:solidFill>
+              </a:rPr>
+              <a:t>。</a:t>
+            </a:r>
+            <a:endParaRPr lang="en-US" altLang="zh-CN" sz="1800" dirty="0" smtClean="0">
+              <a:solidFill>
+                <a:schemeClr val="tx1">
+                  <a:lumMod val="85000"/>
+                  <a:lumOff val="15000"/>
+                </a:schemeClr>
+              </a:solidFill>
+            </a:endParaRPr>
+          </a:p>
+        </p:txBody>
+      </p:sp>
+      <p:sp>
+        <p:nvSpPr>
+          <p:cNvPr id="6" name="TextBox 5"/>
+          <p:cNvSpPr txBox="1"/>
+          <p:nvPr/>
+        </p:nvSpPr>
+        <p:spPr>
+          <a:xfrm>
+            <a:off x="364834" y="1828800"/>
+            <a:ext cx="1273105" cy="369332"/>
+          </a:xfrm>
+          <a:prstGeom prst="rect">
+            <a:avLst/>
+          </a:prstGeom>
+          <a:noFill/>
+        </p:spPr>
+        <p:txBody>
+          <a:bodyPr wrap="none" rtlCol="0">
+            <a:spAutoFit/>
+          </a:bodyPr>
+          <a:lstStyle/>
+          <a:p>
+            <a:r>
+              <a:rPr lang="en-US" altLang="zh-CN" dirty="0" err="1" smtClean="0">
+                <a:solidFill>
+                  <a:schemeClr val="accent6">
+                    <a:lumMod val="50000"/>
+                  </a:schemeClr>
+                </a:solidFill>
+              </a:rPr>
+              <a:t>Wekipedia</a:t>
+            </a:r>
+            <a:endParaRPr lang="zh-CN" altLang="en-US" dirty="0">
+              <a:solidFill>
+                <a:schemeClr val="accent6">
+                  <a:lumMod val="50000"/>
+                </a:schemeClr>
+              </a:solidFill>
+            </a:endParaRPr>
+          </a:p>
+        </p:txBody>
+      </p:sp>
+    </p:spTree>
+    <p:extLst>
+      <p:ext uri="{BB962C8B-B14F-4D97-AF65-F5344CB8AC3E}">
+        <p14:creationId xmlns:p14="http://schemas.microsoft.com/office/powerpoint/2010/main" xmlns="" val="427055019"/>
+      </p:ext>
+    </p:extLst>
+  </p:cSld>
+  <p:clrMapOvr>
+    <a:masterClrMapping/>
+  </p:clrMapOvr>
+  <mc:AlternateContent xmlns:mc="http://schemas.openxmlformats.org/markup-compatibility/2006">
+    <mc:Choice xmlns:p14="http://schemas.microsoft.com/office/powerpoint/2010/main" xmlns="" Requires="p14">
       <p:transition p14:dur="250">
         <p:wipe/>
       </p:transition>
@@ -6236,10 +7949,10 @@
           <p:nvPr/>
         </p:nvPicPr>
         <p:blipFill>
-          <a:blip r:embed="rId2">
+          <a:blip r:embed="rId2" cstate="print">
             <a:extLst>
               <a:ext uri="{28A0092B-C50C-407E-A947-70E740481C1C}">
-                <a14:useLocalDpi xmlns="" xmlns:a14="http://schemas.microsoft.com/office/drawing/2010/main" val="0"/>
+                <a14:useLocalDpi xmlns:a14="http://schemas.microsoft.com/office/drawing/2010/main" xmlns="" val="0"/>
               </a:ext>
             </a:extLst>
           </a:blip>
@@ -6262,14 +7975,14 @@
           </a:ln>
           <a:extLst>
             <a:ext uri="{909E8E84-426E-40DD-AFC4-6F175D3DCCD1}">
-              <a14:hiddenFill xmlns="" xmlns:a14="http://schemas.microsoft.com/office/drawing/2010/main">
+              <a14:hiddenFill xmlns:a14="http://schemas.microsoft.com/office/drawing/2010/main" xmlns="">
                 <a:solidFill>
                   <a:schemeClr val="accent1"/>
                 </a:solidFill>
               </a14:hiddenFill>
             </a:ext>
             <a:ext uri="{91240B29-F687-4F45-9708-019B960494DF}">
-              <a14:hiddenLine xmlns="" xmlns:a14="http://schemas.microsoft.com/office/drawing/2010/main" w="9525">
+              <a14:hiddenLine xmlns:a14="http://schemas.microsoft.com/office/drawing/2010/main" xmlns="" w="9525">
                 <a:solidFill>
                   <a:schemeClr val="tx1"/>
                 </a:solidFill>
@@ -6402,10 +8115,10 @@
           <p:nvPr/>
         </p:nvPicPr>
         <p:blipFill>
-          <a:blip r:embed="rId3">
+          <a:blip r:embed="rId3" cstate="print">
             <a:extLst>
               <a:ext uri="{28A0092B-C50C-407E-A947-70E740481C1C}">
-                <a14:useLocalDpi xmlns="" xmlns:a14="http://schemas.microsoft.com/office/drawing/2010/main" val="0"/>
+                <a14:useLocalDpi xmlns:a14="http://schemas.microsoft.com/office/drawing/2010/main" xmlns="" val="0"/>
               </a:ext>
             </a:extLst>
           </a:blip>
@@ -6428,14 +8141,14 @@
           </a:ln>
           <a:extLst>
             <a:ext uri="{909E8E84-426E-40DD-AFC4-6F175D3DCCD1}">
-              <a14:hiddenFill xmlns="" xmlns:a14="http://schemas.microsoft.com/office/drawing/2010/main">
+              <a14:hiddenFill xmlns:a14="http://schemas.microsoft.com/office/drawing/2010/main" xmlns="">
                 <a:solidFill>
                   <a:schemeClr val="accent1"/>
                 </a:solidFill>
               </a14:hiddenFill>
             </a:ext>
             <a:ext uri="{91240B29-F687-4F45-9708-019B960494DF}">
-              <a14:hiddenLine xmlns="" xmlns:a14="http://schemas.microsoft.com/office/drawing/2010/main" w="9525">
+              <a14:hiddenLine xmlns:a14="http://schemas.microsoft.com/office/drawing/2010/main" xmlns="" w="9525">
                 <a:solidFill>
                   <a:schemeClr val="tx1"/>
                 </a:solidFill>
@@ -6450,7 +8163,7 @@
     </p:spTree>
     <p:extLst>
       <p:ext uri="{BB962C8B-B14F-4D97-AF65-F5344CB8AC3E}">
-        <p14:creationId xmlns="" xmlns:p14="http://schemas.microsoft.com/office/powerpoint/2010/main" val="2600785295"/>
+        <p14:creationId xmlns:p14="http://schemas.microsoft.com/office/powerpoint/2010/main" xmlns="" val="2600785295"/>
       </p:ext>
     </p:extLst>
   </p:cSld>
@@ -6458,7 +8171,7 @@
     <a:masterClrMapping/>
   </p:clrMapOvr>
   <mc:AlternateContent xmlns:mc="http://schemas.openxmlformats.org/markup-compatibility/2006">
-    <mc:Choice xmlns="" xmlns:p14="http://schemas.microsoft.com/office/powerpoint/2010/main" Requires="p14">
+    <mc:Choice xmlns:p14="http://schemas.microsoft.com/office/powerpoint/2010/main" xmlns="" Requires="p14">
       <p:transition p14:dur="250">
         <p:wipe/>
       </p:transition>
@@ -6628,10 +8341,10 @@
           <p:nvPr/>
         </p:nvPicPr>
         <p:blipFill>
-          <a:blip r:embed="rId2">
+          <a:blip r:embed="rId2" cstate="print">
             <a:extLst>
               <a:ext uri="{28A0092B-C50C-407E-A947-70E740481C1C}">
-                <a14:useLocalDpi xmlns="" xmlns:a14="http://schemas.microsoft.com/office/drawing/2010/main" val="0"/>
+                <a14:useLocalDpi xmlns:a14="http://schemas.microsoft.com/office/drawing/2010/main" xmlns="" val="0"/>
               </a:ext>
             </a:extLst>
           </a:blip>
@@ -6652,7 +8365,7 @@
     </p:spTree>
     <p:extLst>
       <p:ext uri="{BB962C8B-B14F-4D97-AF65-F5344CB8AC3E}">
-        <p14:creationId xmlns="" xmlns:p14="http://schemas.microsoft.com/office/powerpoint/2010/main" val="1934117471"/>
+        <p14:creationId xmlns:p14="http://schemas.microsoft.com/office/powerpoint/2010/main" xmlns="" val="1934117471"/>
       </p:ext>
     </p:extLst>
   </p:cSld>
@@ -6660,7 +8373,7 @@
     <a:masterClrMapping/>
   </p:clrMapOvr>
   <mc:AlternateContent xmlns:mc="http://schemas.openxmlformats.org/markup-compatibility/2006">
-    <mc:Choice xmlns="" xmlns:p14="http://schemas.microsoft.com/office/powerpoint/2010/main" Requires="p14">
+    <mc:Choice xmlns:p14="http://schemas.microsoft.com/office/powerpoint/2010/main" xmlns="" Requires="p14">
       <p:transition p14:dur="250">
         <p:wipe/>
       </p:transition>
@@ -7209,10 +8922,10 @@
             <p:nvPr/>
           </p:nvPicPr>
           <p:blipFill>
-            <a:blip r:embed="rId2">
+            <a:blip r:embed="rId2" cstate="print">
               <a:extLst>
                 <a:ext uri="{28A0092B-C50C-407E-A947-70E740481C1C}">
-                  <a14:useLocalDpi xmlns="" xmlns:a14="http://schemas.microsoft.com/office/drawing/2010/main" val="0"/>
+                  <a14:useLocalDpi xmlns:a14="http://schemas.microsoft.com/office/drawing/2010/main" xmlns="" val="0"/>
                 </a:ext>
               </a:extLst>
             </a:blip>
@@ -7239,10 +8952,10 @@
             <p:nvPr/>
           </p:nvPicPr>
           <p:blipFill>
-            <a:blip r:embed="rId3">
+            <a:blip r:embed="rId3" cstate="print">
               <a:extLst>
                 <a:ext uri="{28A0092B-C50C-407E-A947-70E740481C1C}">
-                  <a14:useLocalDpi xmlns="" xmlns:a14="http://schemas.microsoft.com/office/drawing/2010/main" val="0"/>
+                  <a14:useLocalDpi xmlns:a14="http://schemas.microsoft.com/office/drawing/2010/main" xmlns="" val="0"/>
                 </a:ext>
               </a:extLst>
             </a:blip>
@@ -7296,25 +9009,14 @@
     </p:spTree>
     <p:extLst>
       <p:ext uri="{BB962C8B-B14F-4D97-AF65-F5344CB8AC3E}">
-        <p14:creationId xmlns="" xmlns:p14="http://schemas.microsoft.com/office/powerpoint/2010/main" val="2630071396"/>
+        <p14:creationId xmlns:p14="http://schemas.microsoft.com/office/powerpoint/2010/main" xmlns="" val="2630071396"/>
       </p:ext>
     </p:extLst>
   </p:cSld>
   <p:clrMapOvr>
     <a:masterClrMapping/>
   </p:clrMapOvr>
-  <mc:AlternateContent xmlns:mc="http://schemas.openxmlformats.org/markup-compatibility/2006">
-    <mc:Choice xmlns="" xmlns:p14="http://schemas.microsoft.com/office/powerpoint/2010/main" Requires="p14">
-      <p:transition p14:dur="250">
-        <p:wipe/>
-      </p:transition>
-    </mc:Choice>
-    <mc:Fallback>
-      <p:transition>
-        <p:wipe/>
-      </p:transition>
-    </mc:Fallback>
-  </mc:AlternateContent>
+  <p:transition/>
   <p:timing>
     <p:tnLst>
       <p:par>
@@ -7550,7 +9252,7 @@
     </p:spTree>
     <p:extLst>
       <p:ext uri="{BB962C8B-B14F-4D97-AF65-F5344CB8AC3E}">
-        <p14:creationId xmlns="" xmlns:p14="http://schemas.microsoft.com/office/powerpoint/2010/main" val="1510925385"/>
+        <p14:creationId xmlns:p14="http://schemas.microsoft.com/office/powerpoint/2010/main" xmlns="" val="1510925385"/>
       </p:ext>
     </p:extLst>
   </p:cSld>
@@ -7558,7 +9260,7 @@
     <a:masterClrMapping/>
   </p:clrMapOvr>
   <mc:AlternateContent xmlns:mc="http://schemas.openxmlformats.org/markup-compatibility/2006">
-    <mc:Choice xmlns="" xmlns:p14="http://schemas.microsoft.com/office/powerpoint/2010/main" Requires="p14">
+    <mc:Choice xmlns:p14="http://schemas.microsoft.com/office/powerpoint/2010/main" xmlns="" Requires="p14">
       <p:transition p14:dur="250">
         <p:wipe/>
       </p:transition>
@@ -7804,7 +9506,7 @@
     </p:spTree>
     <p:extLst>
       <p:ext uri="{BB962C8B-B14F-4D97-AF65-F5344CB8AC3E}">
-        <p14:creationId xmlns="" xmlns:p14="http://schemas.microsoft.com/office/powerpoint/2010/main" val="427055019"/>
+        <p14:creationId xmlns:p14="http://schemas.microsoft.com/office/powerpoint/2010/main" xmlns="" val="427055019"/>
       </p:ext>
     </p:extLst>
   </p:cSld>
@@ -7812,7 +9514,7 @@
     <a:masterClrMapping/>
   </p:clrMapOvr>
   <mc:AlternateContent xmlns:mc="http://schemas.openxmlformats.org/markup-compatibility/2006">
-    <mc:Choice xmlns="" xmlns:p14="http://schemas.microsoft.com/office/powerpoint/2010/main" Requires="p14">
+    <mc:Choice xmlns:p14="http://schemas.microsoft.com/office/powerpoint/2010/main" xmlns="" Requires="p14">
       <p:transition p14:dur="250">
         <p:wipe/>
       </p:transition>
@@ -8436,7 +10138,7 @@
     </p:spTree>
     <p:extLst>
       <p:ext uri="{BB962C8B-B14F-4D97-AF65-F5344CB8AC3E}">
-        <p14:creationId xmlns="" xmlns:p14="http://schemas.microsoft.com/office/powerpoint/2010/main" val="2849087670"/>
+        <p14:creationId xmlns:p14="http://schemas.microsoft.com/office/powerpoint/2010/main" xmlns="" val="2849087670"/>
       </p:ext>
     </p:extLst>
   </p:cSld>
@@ -8444,7 +10146,7 @@
     <a:masterClrMapping/>
   </p:clrMapOvr>
   <mc:AlternateContent xmlns:mc="http://schemas.openxmlformats.org/markup-compatibility/2006">
-    <mc:Choice xmlns="" xmlns:p14="http://schemas.microsoft.com/office/powerpoint/2010/main" Requires="p14">
+    <mc:Choice xmlns:p14="http://schemas.microsoft.com/office/powerpoint/2010/main" xmlns="" Requires="p14">
       <p:transition p14:dur="250">
         <p:wipe/>
       </p:transition>
@@ -8537,16 +10239,35 @@
               </a:rPr>
               <a:t>Observable</a:t>
             </a:r>
-          </a:p>
-          <a:p>
+            <a:r>
+              <a:rPr lang="zh-CN" altLang="en-US" dirty="0" smtClean="0">
+                <a:latin typeface="Segoe UI Historic" panose="020B0502040204020203" pitchFamily="34" charset="0"/>
+                <a:ea typeface="Segoe UI Historic" panose="020B0502040204020203" pitchFamily="34" charset="0"/>
+                <a:cs typeface="Segoe UI Historic" panose="020B0502040204020203" pitchFamily="34" charset="0"/>
+              </a:rPr>
+              <a:t>：可观察序列</a:t>
+            </a:r>
             <a:r>
               <a:rPr lang="en-US" altLang="zh-CN" dirty="0" smtClean="0">
                 <a:latin typeface="Segoe UI Historic" panose="020B0502040204020203" pitchFamily="34" charset="0"/>
                 <a:ea typeface="Segoe UI Historic" panose="020B0502040204020203" pitchFamily="34" charset="0"/>
                 <a:cs typeface="Segoe UI Historic" panose="020B0502040204020203" pitchFamily="34" charset="0"/>
               </a:rPr>
-              <a:t>Observer</a:t>
-            </a:r>
+              <a:t>/</a:t>
+            </a:r>
+            <a:r>
+              <a:rPr lang="zh-CN" altLang="en-US" dirty="0" smtClean="0">
+                <a:latin typeface="Segoe UI Historic" panose="020B0502040204020203" pitchFamily="34" charset="0"/>
+                <a:ea typeface="Segoe UI Historic" panose="020B0502040204020203" pitchFamily="34" charset="0"/>
+                <a:cs typeface="Segoe UI Historic" panose="020B0502040204020203" pitchFamily="34" charset="0"/>
+              </a:rPr>
+              <a:t>流</a:t>
+            </a:r>
+            <a:endParaRPr lang="en-US" altLang="zh-CN" dirty="0" smtClean="0">
+              <a:latin typeface="Segoe UI Historic" panose="020B0502040204020203" pitchFamily="34" charset="0"/>
+              <a:ea typeface="Segoe UI Historic" panose="020B0502040204020203" pitchFamily="34" charset="0"/>
+              <a:cs typeface="Segoe UI Historic" panose="020B0502040204020203" pitchFamily="34" charset="0"/>
+            </a:endParaRPr>
           </a:p>
           <a:p>
             <a:r>
@@ -8555,8 +10276,21 @@
                 <a:ea typeface="Segoe UI Historic" panose="020B0502040204020203" pitchFamily="34" charset="0"/>
                 <a:cs typeface="Segoe UI Historic" panose="020B0502040204020203" pitchFamily="34" charset="0"/>
               </a:rPr>
-              <a:t>Subscription</a:t>
-            </a:r>
+              <a:t>Observer</a:t>
+            </a:r>
+            <a:r>
+              <a:rPr lang="zh-CN" altLang="en-US" dirty="0" smtClean="0">
+                <a:latin typeface="Segoe UI Historic" panose="020B0502040204020203" pitchFamily="34" charset="0"/>
+                <a:ea typeface="Segoe UI Historic" panose="020B0502040204020203" pitchFamily="34" charset="0"/>
+                <a:cs typeface="Segoe UI Historic" panose="020B0502040204020203" pitchFamily="34" charset="0"/>
+              </a:rPr>
+              <a:t>：观察者</a:t>
+            </a:r>
+            <a:endParaRPr lang="en-US" altLang="zh-CN" dirty="0" smtClean="0">
+              <a:latin typeface="Segoe UI Historic" panose="020B0502040204020203" pitchFamily="34" charset="0"/>
+              <a:ea typeface="Segoe UI Historic" panose="020B0502040204020203" pitchFamily="34" charset="0"/>
+              <a:cs typeface="Segoe UI Historic" panose="020B0502040204020203" pitchFamily="34" charset="0"/>
+            </a:endParaRPr>
           </a:p>
           <a:p>
             <a:r>
@@ -8565,8 +10299,21 @@
                 <a:ea typeface="Segoe UI Historic" panose="020B0502040204020203" pitchFamily="34" charset="0"/>
                 <a:cs typeface="Segoe UI Historic" panose="020B0502040204020203" pitchFamily="34" charset="0"/>
               </a:rPr>
-              <a:t>Subject</a:t>
-            </a:r>
+              <a:t>Subscription</a:t>
+            </a:r>
+            <a:r>
+              <a:rPr lang="zh-CN" altLang="en-US" dirty="0" smtClean="0">
+                <a:latin typeface="Segoe UI Historic" panose="020B0502040204020203" pitchFamily="34" charset="0"/>
+                <a:ea typeface="Segoe UI Historic" panose="020B0502040204020203" pitchFamily="34" charset="0"/>
+                <a:cs typeface="Segoe UI Historic" panose="020B0502040204020203" pitchFamily="34" charset="0"/>
+              </a:rPr>
+              <a:t>：订阅关系</a:t>
+            </a:r>
+            <a:endParaRPr lang="en-US" altLang="zh-CN" dirty="0" smtClean="0">
+              <a:latin typeface="Segoe UI Historic" panose="020B0502040204020203" pitchFamily="34" charset="0"/>
+              <a:ea typeface="Segoe UI Historic" panose="020B0502040204020203" pitchFamily="34" charset="0"/>
+              <a:cs typeface="Segoe UI Historic" panose="020B0502040204020203" pitchFamily="34" charset="0"/>
+            </a:endParaRPr>
           </a:p>
           <a:p>
             <a:r>
@@ -8575,8 +10322,21 @@
                 <a:ea typeface="Segoe UI Historic" panose="020B0502040204020203" pitchFamily="34" charset="0"/>
                 <a:cs typeface="Segoe UI Historic" panose="020B0502040204020203" pitchFamily="34" charset="0"/>
               </a:rPr>
-              <a:t>Operator</a:t>
-            </a:r>
+              <a:t>Subject</a:t>
+            </a:r>
+            <a:r>
+              <a:rPr lang="zh-CN" altLang="en-US" dirty="0" smtClean="0">
+                <a:latin typeface="Segoe UI Historic" panose="020B0502040204020203" pitchFamily="34" charset="0"/>
+                <a:ea typeface="Segoe UI Historic" panose="020B0502040204020203" pitchFamily="34" charset="0"/>
+                <a:cs typeface="Segoe UI Historic" panose="020B0502040204020203" pitchFamily="34" charset="0"/>
+              </a:rPr>
+              <a:t>：主题</a:t>
+            </a:r>
+            <a:endParaRPr lang="en-US" altLang="zh-CN" dirty="0" smtClean="0">
+              <a:latin typeface="Segoe UI Historic" panose="020B0502040204020203" pitchFamily="34" charset="0"/>
+              <a:ea typeface="Segoe UI Historic" panose="020B0502040204020203" pitchFamily="34" charset="0"/>
+              <a:cs typeface="Segoe UI Historic" panose="020B0502040204020203" pitchFamily="34" charset="0"/>
+            </a:endParaRPr>
           </a:p>
           <a:p>
             <a:r>
@@ -8585,7 +10345,46 @@
                 <a:ea typeface="Segoe UI Historic" panose="020B0502040204020203" pitchFamily="34" charset="0"/>
                 <a:cs typeface="Segoe UI Historic" panose="020B0502040204020203" pitchFamily="34" charset="0"/>
               </a:rPr>
+              <a:t>Operator</a:t>
+            </a:r>
+            <a:r>
+              <a:rPr lang="zh-CN" altLang="en-US" dirty="0" smtClean="0">
+                <a:latin typeface="Segoe UI Historic" panose="020B0502040204020203" pitchFamily="34" charset="0"/>
+                <a:ea typeface="Segoe UI Historic" panose="020B0502040204020203" pitchFamily="34" charset="0"/>
+                <a:cs typeface="Segoe UI Historic" panose="020B0502040204020203" pitchFamily="34" charset="0"/>
+              </a:rPr>
+              <a:t>：操作符</a:t>
+            </a:r>
+            <a:endParaRPr lang="en-US" altLang="zh-CN" dirty="0" smtClean="0">
+              <a:latin typeface="Segoe UI Historic" panose="020B0502040204020203" pitchFamily="34" charset="0"/>
+              <a:ea typeface="Segoe UI Historic" panose="020B0502040204020203" pitchFamily="34" charset="0"/>
+              <a:cs typeface="Segoe UI Historic" panose="020B0502040204020203" pitchFamily="34" charset="0"/>
+            </a:endParaRPr>
+          </a:p>
+          <a:p>
+            <a:r>
+              <a:rPr lang="en-US" altLang="zh-CN" dirty="0" smtClean="0">
+                <a:latin typeface="Segoe UI Historic" panose="020B0502040204020203" pitchFamily="34" charset="0"/>
+                <a:ea typeface="Segoe UI Historic" panose="020B0502040204020203" pitchFamily="34" charset="0"/>
+                <a:cs typeface="Segoe UI Historic" panose="020B0502040204020203" pitchFamily="34" charset="0"/>
+              </a:rPr>
               <a:t>Scheduler</a:t>
+            </a:r>
+            <a:r>
+              <a:rPr lang="zh-CN" altLang="en-US" dirty="0" smtClean="0">
+                <a:latin typeface="Segoe UI Historic" panose="020B0502040204020203" pitchFamily="34" charset="0"/>
+                <a:ea typeface="Segoe UI Historic" panose="020B0502040204020203" pitchFamily="34" charset="0"/>
+                <a:cs typeface="Segoe UI Historic" panose="020B0502040204020203" pitchFamily="34" charset="0"/>
+              </a:rPr>
+              <a:t>：调度器 </a:t>
+            </a:r>
+            <a:r>
+              <a:rPr lang="en-US" altLang="zh-CN" dirty="0" smtClean="0">
+                <a:latin typeface="Segoe UI Historic" panose="020B0502040204020203" pitchFamily="34" charset="0"/>
+                <a:ea typeface="Segoe UI Historic" panose="020B0502040204020203" pitchFamily="34" charset="0"/>
+                <a:cs typeface="Segoe UI Historic" panose="020B0502040204020203" pitchFamily="34" charset="0"/>
+              </a:rPr>
+              <a:t>*</a:t>
             </a:r>
             <a:endParaRPr lang="zh-CN" altLang="en-US" dirty="0">
               <a:latin typeface="Segoe UI Historic" panose="020B0502040204020203" pitchFamily="34" charset="0"/>
@@ -8597,7 +10396,7 @@
     </p:spTree>
     <p:extLst>
       <p:ext uri="{BB962C8B-B14F-4D97-AF65-F5344CB8AC3E}">
-        <p14:creationId xmlns="" xmlns:p14="http://schemas.microsoft.com/office/powerpoint/2010/main" val="3470692831"/>
+        <p14:creationId xmlns:p14="http://schemas.microsoft.com/office/powerpoint/2010/main" xmlns="" val="3470692831"/>
       </p:ext>
     </p:extLst>
   </p:cSld>
@@ -8605,7 +10404,7 @@
     <a:masterClrMapping/>
   </p:clrMapOvr>
   <mc:AlternateContent xmlns:mc="http://schemas.openxmlformats.org/markup-compatibility/2006">
-    <mc:Choice xmlns="" xmlns:p14="http://schemas.microsoft.com/office/powerpoint/2010/main" Requires="p14">
+    <mc:Choice xmlns:p14="http://schemas.microsoft.com/office/powerpoint/2010/main" xmlns="" Requires="p14">
       <p:transition p14:dur="250">
         <p:wipe/>
       </p:transition>
